--- a/Проект.pptx
+++ b/Проект.pptx
@@ -4,20 +4,17 @@
   <p:sldMasterIdLst>
     <p:sldMasterId id="2147483648" r:id="rId1"/>
   </p:sldMasterIdLst>
-  <p:notesMasterIdLst>
-    <p:notesMasterId r:id="rId12"/>
-  </p:notesMasterIdLst>
   <p:sldIdLst>
     <p:sldId id="256" r:id="rId2"/>
     <p:sldId id="257" r:id="rId3"/>
-    <p:sldId id="258" r:id="rId4"/>
-    <p:sldId id="259" r:id="rId5"/>
-    <p:sldId id="260" r:id="rId6"/>
-    <p:sldId id="261" r:id="rId7"/>
-    <p:sldId id="262" r:id="rId8"/>
+    <p:sldId id="265" r:id="rId4"/>
+    <p:sldId id="258" r:id="rId5"/>
+    <p:sldId id="259" r:id="rId6"/>
+    <p:sldId id="260" r:id="rId7"/>
+    <p:sldId id="261" r:id="rId8"/>
     <p:sldId id="263" r:id="rId9"/>
-    <p:sldId id="264" r:id="rId10"/>
-    <p:sldId id="265" r:id="rId11"/>
+    <p:sldId id="262" r:id="rId10"/>
+    <p:sldId id="264" r:id="rId11"/>
   </p:sldIdLst>
   <p:sldSz cx="9144000" cy="6858000" type="screen4x3"/>
   <p:notesSz cx="6858000" cy="9144000"/>
@@ -119,440 +116,6 @@
 </p:presentation>
 </file>
 
-<file path=ppt/notesMasters/notesMaster1.xml><?xml version="1.0" encoding="utf-8"?>
-<p:notesMaster xmlns:a="http://schemas.openxmlformats.org/drawingml/2006/main" xmlns:r="http://schemas.openxmlformats.org/officeDocument/2006/relationships" xmlns:p="http://schemas.openxmlformats.org/presentationml/2006/main">
-  <p:cSld>
-    <p:bg>
-      <p:bgRef idx="1001">
-        <a:schemeClr val="bg1"/>
-      </p:bgRef>
-    </p:bg>
-    <p:spTree>
-      <p:nvGrpSpPr>
-        <p:cNvPr id="1" name=""/>
-        <p:cNvGrpSpPr/>
-        <p:nvPr/>
-      </p:nvGrpSpPr>
-      <p:grpSpPr>
-        <a:xfrm>
-          <a:off x="0" y="0"/>
-          <a:ext cx="0" cy="0"/>
-          <a:chOff x="0" y="0"/>
-          <a:chExt cx="0" cy="0"/>
-        </a:xfrm>
-      </p:grpSpPr>
-      <p:sp>
-        <p:nvSpPr>
-          <p:cNvPr id="2" name="Верхний колонтитул 1"/>
-          <p:cNvSpPr>
-            <a:spLocks noGrp="1"/>
-          </p:cNvSpPr>
-          <p:nvPr>
-            <p:ph type="hdr" sz="quarter"/>
-          </p:nvPr>
-        </p:nvSpPr>
-        <p:spPr>
-          <a:xfrm>
-            <a:off x="0" y="0"/>
-            <a:ext cx="2971800" cy="457200"/>
-          </a:xfrm>
-          <a:prstGeom prst="rect">
-            <a:avLst/>
-          </a:prstGeom>
-        </p:spPr>
-        <p:txBody>
-          <a:bodyPr vert="horz" lIns="91440" tIns="45720" rIns="91440" bIns="45720" rtlCol="0"/>
-          <a:lstStyle>
-            <a:lvl1pPr algn="l">
-              <a:defRPr sz="1200"/>
-            </a:lvl1pPr>
-          </a:lstStyle>
-          <a:p>
-            <a:endParaRPr lang="ru-RU"/>
-          </a:p>
-        </p:txBody>
-      </p:sp>
-      <p:sp>
-        <p:nvSpPr>
-          <p:cNvPr id="3" name="Дата 2"/>
-          <p:cNvSpPr>
-            <a:spLocks noGrp="1"/>
-          </p:cNvSpPr>
-          <p:nvPr>
-            <p:ph type="dt" idx="1"/>
-          </p:nvPr>
-        </p:nvSpPr>
-        <p:spPr>
-          <a:xfrm>
-            <a:off x="3884613" y="0"/>
-            <a:ext cx="2971800" cy="457200"/>
-          </a:xfrm>
-          <a:prstGeom prst="rect">
-            <a:avLst/>
-          </a:prstGeom>
-        </p:spPr>
-        <p:txBody>
-          <a:bodyPr vert="horz" lIns="91440" tIns="45720" rIns="91440" bIns="45720" rtlCol="0"/>
-          <a:lstStyle>
-            <a:lvl1pPr algn="r">
-              <a:defRPr sz="1200"/>
-            </a:lvl1pPr>
-          </a:lstStyle>
-          <a:p>
-            <a:fld id="{3B522AEE-359B-4672-93D2-7A128BCF8327}" type="datetimeFigureOut">
-              <a:rPr lang="ru-RU" smtClean="0"/>
-              <a:t>10.03.2017</a:t>
-            </a:fld>
-            <a:endParaRPr lang="ru-RU"/>
-          </a:p>
-        </p:txBody>
-      </p:sp>
-      <p:sp>
-        <p:nvSpPr>
-          <p:cNvPr id="4" name="Образ слайда 3"/>
-          <p:cNvSpPr>
-            <a:spLocks noGrp="1" noRot="1" noChangeAspect="1"/>
-          </p:cNvSpPr>
-          <p:nvPr>
-            <p:ph type="sldImg" idx="2"/>
-          </p:nvPr>
-        </p:nvSpPr>
-        <p:spPr>
-          <a:xfrm>
-            <a:off x="1143000" y="685800"/>
-            <a:ext cx="4572000" cy="3429000"/>
-          </a:xfrm>
-          <a:prstGeom prst="rect">
-            <a:avLst/>
-          </a:prstGeom>
-          <a:noFill/>
-          <a:ln w="12700">
-            <a:solidFill>
-              <a:prstClr val="black"/>
-            </a:solidFill>
-          </a:ln>
-        </p:spPr>
-        <p:txBody>
-          <a:bodyPr vert="horz" lIns="91440" tIns="45720" rIns="91440" bIns="45720" rtlCol="0" anchor="ctr"/>
-          <a:lstStyle/>
-          <a:p>
-            <a:endParaRPr lang="ru-RU"/>
-          </a:p>
-        </p:txBody>
-      </p:sp>
-      <p:sp>
-        <p:nvSpPr>
-          <p:cNvPr id="5" name="Заметки 4"/>
-          <p:cNvSpPr>
-            <a:spLocks noGrp="1"/>
-          </p:cNvSpPr>
-          <p:nvPr>
-            <p:ph type="body" sz="quarter" idx="3"/>
-          </p:nvPr>
-        </p:nvSpPr>
-        <p:spPr>
-          <a:xfrm>
-            <a:off x="685800" y="4343400"/>
-            <a:ext cx="5486400" cy="4114800"/>
-          </a:xfrm>
-          <a:prstGeom prst="rect">
-            <a:avLst/>
-          </a:prstGeom>
-        </p:spPr>
-        <p:txBody>
-          <a:bodyPr vert="horz" lIns="91440" tIns="45720" rIns="91440" bIns="45720" rtlCol="0"/>
-          <a:lstStyle/>
-          <a:p>
-            <a:pPr lvl="0"/>
-            <a:r>
-              <a:rPr lang="ru-RU" smtClean="0"/>
-              <a:t>Образец текста</a:t>
-            </a:r>
-          </a:p>
-          <a:p>
-            <a:pPr lvl="1"/>
-            <a:r>
-              <a:rPr lang="ru-RU" smtClean="0"/>
-              <a:t>Второй уровень</a:t>
-            </a:r>
-          </a:p>
-          <a:p>
-            <a:pPr lvl="2"/>
-            <a:r>
-              <a:rPr lang="ru-RU" smtClean="0"/>
-              <a:t>Третий уровень</a:t>
-            </a:r>
-          </a:p>
-          <a:p>
-            <a:pPr lvl="3"/>
-            <a:r>
-              <a:rPr lang="ru-RU" smtClean="0"/>
-              <a:t>Четвертый уровень</a:t>
-            </a:r>
-          </a:p>
-          <a:p>
-            <a:pPr lvl="4"/>
-            <a:r>
-              <a:rPr lang="ru-RU" smtClean="0"/>
-              <a:t>Пятый уровень</a:t>
-            </a:r>
-            <a:endParaRPr lang="ru-RU"/>
-          </a:p>
-        </p:txBody>
-      </p:sp>
-      <p:sp>
-        <p:nvSpPr>
-          <p:cNvPr id="6" name="Нижний колонтитул 5"/>
-          <p:cNvSpPr>
-            <a:spLocks noGrp="1"/>
-          </p:cNvSpPr>
-          <p:nvPr>
-            <p:ph type="ftr" sz="quarter" idx="4"/>
-          </p:nvPr>
-        </p:nvSpPr>
-        <p:spPr>
-          <a:xfrm>
-            <a:off x="0" y="8685213"/>
-            <a:ext cx="2971800" cy="457200"/>
-          </a:xfrm>
-          <a:prstGeom prst="rect">
-            <a:avLst/>
-          </a:prstGeom>
-        </p:spPr>
-        <p:txBody>
-          <a:bodyPr vert="horz" lIns="91440" tIns="45720" rIns="91440" bIns="45720" rtlCol="0" anchor="b"/>
-          <a:lstStyle>
-            <a:lvl1pPr algn="l">
-              <a:defRPr sz="1200"/>
-            </a:lvl1pPr>
-          </a:lstStyle>
-          <a:p>
-            <a:endParaRPr lang="ru-RU"/>
-          </a:p>
-        </p:txBody>
-      </p:sp>
-      <p:sp>
-        <p:nvSpPr>
-          <p:cNvPr id="7" name="Номер слайда 6"/>
-          <p:cNvSpPr>
-            <a:spLocks noGrp="1"/>
-          </p:cNvSpPr>
-          <p:nvPr>
-            <p:ph type="sldNum" sz="quarter" idx="5"/>
-          </p:nvPr>
-        </p:nvSpPr>
-        <p:spPr>
-          <a:xfrm>
-            <a:off x="3884613" y="8685213"/>
-            <a:ext cx="2971800" cy="457200"/>
-          </a:xfrm>
-          <a:prstGeom prst="rect">
-            <a:avLst/>
-          </a:prstGeom>
-        </p:spPr>
-        <p:txBody>
-          <a:bodyPr vert="horz" lIns="91440" tIns="45720" rIns="91440" bIns="45720" rtlCol="0" anchor="b"/>
-          <a:lstStyle>
-            <a:lvl1pPr algn="r">
-              <a:defRPr sz="1200"/>
-            </a:lvl1pPr>
-          </a:lstStyle>
-          <a:p>
-            <a:fld id="{A252CDE1-7EE9-4E6F-B8EA-CA58278717D9}" type="slidenum">
-              <a:rPr lang="ru-RU" smtClean="0"/>
-              <a:t>‹#›</a:t>
-            </a:fld>
-            <a:endParaRPr lang="ru-RU"/>
-          </a:p>
-        </p:txBody>
-      </p:sp>
-    </p:spTree>
-    <p:extLst>
-      <p:ext uri="{BB962C8B-B14F-4D97-AF65-F5344CB8AC3E}">
-        <p14:creationId xmlns:p14="http://schemas.microsoft.com/office/powerpoint/2010/main" val="3510736"/>
-      </p:ext>
-    </p:extLst>
-  </p:cSld>
-  <p:clrMap bg1="lt1" tx1="dk1" bg2="lt2" tx2="dk2" accent1="accent1" accent2="accent2" accent3="accent3" accent4="accent4" accent5="accent5" accent6="accent6" hlink="hlink" folHlink="folHlink"/>
-  <p:notesStyle>
-    <a:lvl1pPr marL="0" algn="l" defTabSz="914400" rtl="0" eaLnBrk="1" latinLnBrk="0" hangingPunct="1">
-      <a:defRPr sz="1200" kern="1200">
-        <a:solidFill>
-          <a:schemeClr val="tx1"/>
-        </a:solidFill>
-        <a:latin typeface="+mn-lt"/>
-        <a:ea typeface="+mn-ea"/>
-        <a:cs typeface="+mn-cs"/>
-      </a:defRPr>
-    </a:lvl1pPr>
-    <a:lvl2pPr marL="457200" algn="l" defTabSz="914400" rtl="0" eaLnBrk="1" latinLnBrk="0" hangingPunct="1">
-      <a:defRPr sz="1200" kern="1200">
-        <a:solidFill>
-          <a:schemeClr val="tx1"/>
-        </a:solidFill>
-        <a:latin typeface="+mn-lt"/>
-        <a:ea typeface="+mn-ea"/>
-        <a:cs typeface="+mn-cs"/>
-      </a:defRPr>
-    </a:lvl2pPr>
-    <a:lvl3pPr marL="914400" algn="l" defTabSz="914400" rtl="0" eaLnBrk="1" latinLnBrk="0" hangingPunct="1">
-      <a:defRPr sz="1200" kern="1200">
-        <a:solidFill>
-          <a:schemeClr val="tx1"/>
-        </a:solidFill>
-        <a:latin typeface="+mn-lt"/>
-        <a:ea typeface="+mn-ea"/>
-        <a:cs typeface="+mn-cs"/>
-      </a:defRPr>
-    </a:lvl3pPr>
-    <a:lvl4pPr marL="1371600" algn="l" defTabSz="914400" rtl="0" eaLnBrk="1" latinLnBrk="0" hangingPunct="1">
-      <a:defRPr sz="1200" kern="1200">
-        <a:solidFill>
-          <a:schemeClr val="tx1"/>
-        </a:solidFill>
-        <a:latin typeface="+mn-lt"/>
-        <a:ea typeface="+mn-ea"/>
-        <a:cs typeface="+mn-cs"/>
-      </a:defRPr>
-    </a:lvl4pPr>
-    <a:lvl5pPr marL="1828800" algn="l" defTabSz="914400" rtl="0" eaLnBrk="1" latinLnBrk="0" hangingPunct="1">
-      <a:defRPr sz="1200" kern="1200">
-        <a:solidFill>
-          <a:schemeClr val="tx1"/>
-        </a:solidFill>
-        <a:latin typeface="+mn-lt"/>
-        <a:ea typeface="+mn-ea"/>
-        <a:cs typeface="+mn-cs"/>
-      </a:defRPr>
-    </a:lvl5pPr>
-    <a:lvl6pPr marL="2286000" algn="l" defTabSz="914400" rtl="0" eaLnBrk="1" latinLnBrk="0" hangingPunct="1">
-      <a:defRPr sz="1200" kern="1200">
-        <a:solidFill>
-          <a:schemeClr val="tx1"/>
-        </a:solidFill>
-        <a:latin typeface="+mn-lt"/>
-        <a:ea typeface="+mn-ea"/>
-        <a:cs typeface="+mn-cs"/>
-      </a:defRPr>
-    </a:lvl6pPr>
-    <a:lvl7pPr marL="2743200" algn="l" defTabSz="914400" rtl="0" eaLnBrk="1" latinLnBrk="0" hangingPunct="1">
-      <a:defRPr sz="1200" kern="1200">
-        <a:solidFill>
-          <a:schemeClr val="tx1"/>
-        </a:solidFill>
-        <a:latin typeface="+mn-lt"/>
-        <a:ea typeface="+mn-ea"/>
-        <a:cs typeface="+mn-cs"/>
-      </a:defRPr>
-    </a:lvl7pPr>
-    <a:lvl8pPr marL="3200400" algn="l" defTabSz="914400" rtl="0" eaLnBrk="1" latinLnBrk="0" hangingPunct="1">
-      <a:defRPr sz="1200" kern="1200">
-        <a:solidFill>
-          <a:schemeClr val="tx1"/>
-        </a:solidFill>
-        <a:latin typeface="+mn-lt"/>
-        <a:ea typeface="+mn-ea"/>
-        <a:cs typeface="+mn-cs"/>
-      </a:defRPr>
-    </a:lvl8pPr>
-    <a:lvl9pPr marL="3657600" algn="l" defTabSz="914400" rtl="0" eaLnBrk="1" latinLnBrk="0" hangingPunct="1">
-      <a:defRPr sz="1200" kern="1200">
-        <a:solidFill>
-          <a:schemeClr val="tx1"/>
-        </a:solidFill>
-        <a:latin typeface="+mn-lt"/>
-        <a:ea typeface="+mn-ea"/>
-        <a:cs typeface="+mn-cs"/>
-      </a:defRPr>
-    </a:lvl9pPr>
-  </p:notesStyle>
-</p:notesMaster>
-</file>
-
-<file path=ppt/notesSlides/notesSlide1.xml><?xml version="1.0" encoding="utf-8"?>
-<p:notes xmlns:a="http://schemas.openxmlformats.org/drawingml/2006/main" xmlns:r="http://schemas.openxmlformats.org/officeDocument/2006/relationships" xmlns:p="http://schemas.openxmlformats.org/presentationml/2006/main">
-  <p:cSld>
-    <p:spTree>
-      <p:nvGrpSpPr>
-        <p:cNvPr id="1" name=""/>
-        <p:cNvGrpSpPr/>
-        <p:nvPr/>
-      </p:nvGrpSpPr>
-      <p:grpSpPr>
-        <a:xfrm>
-          <a:off x="0" y="0"/>
-          <a:ext cx="0" cy="0"/>
-          <a:chOff x="0" y="0"/>
-          <a:chExt cx="0" cy="0"/>
-        </a:xfrm>
-      </p:grpSpPr>
-      <p:sp>
-        <p:nvSpPr>
-          <p:cNvPr id="2" name="Образ слайда 1"/>
-          <p:cNvSpPr>
-            <a:spLocks noGrp="1" noRot="1" noChangeAspect="1"/>
-          </p:cNvSpPr>
-          <p:nvPr>
-            <p:ph type="sldImg"/>
-          </p:nvPr>
-        </p:nvSpPr>
-        <p:spPr/>
-      </p:sp>
-      <p:sp>
-        <p:nvSpPr>
-          <p:cNvPr id="3" name="Заметки 2"/>
-          <p:cNvSpPr>
-            <a:spLocks noGrp="1"/>
-          </p:cNvSpPr>
-          <p:nvPr>
-            <p:ph type="body" idx="1"/>
-          </p:nvPr>
-        </p:nvSpPr>
-        <p:spPr/>
-        <p:txBody>
-          <a:bodyPr/>
-          <a:lstStyle/>
-          <a:p>
-            <a:endParaRPr lang="ru-RU" dirty="0"/>
-          </a:p>
-        </p:txBody>
-      </p:sp>
-      <p:sp>
-        <p:nvSpPr>
-          <p:cNvPr id="4" name="Номер слайда 3"/>
-          <p:cNvSpPr>
-            <a:spLocks noGrp="1"/>
-          </p:cNvSpPr>
-          <p:nvPr>
-            <p:ph type="sldNum" sz="quarter" idx="10"/>
-          </p:nvPr>
-        </p:nvSpPr>
-        <p:spPr/>
-        <p:txBody>
-          <a:bodyPr/>
-          <a:lstStyle/>
-          <a:p>
-            <a:fld id="{A252CDE1-7EE9-4E6F-B8EA-CA58278717D9}" type="slidenum">
-              <a:rPr lang="ru-RU" smtClean="0"/>
-              <a:t>2</a:t>
-            </a:fld>
-            <a:endParaRPr lang="ru-RU"/>
-          </a:p>
-        </p:txBody>
-      </p:sp>
-    </p:spTree>
-    <p:extLst>
-      <p:ext uri="{BB962C8B-B14F-4D97-AF65-F5344CB8AC3E}">
-        <p14:creationId xmlns:p14="http://schemas.microsoft.com/office/powerpoint/2010/main" val="3252840397"/>
-      </p:ext>
-    </p:extLst>
-  </p:cSld>
-  <p:clrMapOvr>
-    <a:masterClrMapping/>
-  </p:clrMapOvr>
-</p:notes>
-</file>
-
 <file path=ppt/slideLayouts/slideLayout1.xml><?xml version="1.0" encoding="utf-8"?>
 <p:sldLayout xmlns:a="http://schemas.openxmlformats.org/drawingml/2006/main" xmlns:r="http://schemas.openxmlformats.org/officeDocument/2006/relationships" xmlns:p="http://schemas.openxmlformats.org/presentationml/2006/main" type="title" preserve="1">
   <p:cSld name="Титульный слайд">
@@ -732,9 +295,10 @@
           <a:bodyPr/>
           <a:lstStyle/>
           <a:p>
-            <a:fld id="{B4C71EC6-210F-42DE-9C53-41977AD35B3D}" type="datetimeFigureOut">
-              <a:rPr lang="ru-RU" smtClean="0"/>
-              <a:t>10.03.2017</a:t>
+            <a:fld id="{5B106E36-FD25-4E2D-B0AA-010F637433A0}" type="datetimeFigureOut">
+              <a:rPr lang="ru-RU" smtClean="0"/>
+              <a:pPr/>
+              <a:t>04.04.2017</a:t>
             </a:fld>
             <a:endParaRPr lang="ru-RU"/>
           </a:p>
@@ -774,8 +338,9 @@
           <a:bodyPr/>
           <a:lstStyle/>
           <a:p>
-            <a:fld id="{B19B0651-EE4F-4900-A07F-96A6BFA9D0F0}" type="slidenum">
-              <a:rPr lang="ru-RU" smtClean="0"/>
+            <a:fld id="{725C68B6-61C2-468F-89AB-4B9F7531AA68}" type="slidenum">
+              <a:rPr lang="ru-RU" smtClean="0"/>
+              <a:pPr/>
               <a:t>‹#›</a:t>
             </a:fld>
             <a:endParaRPr lang="ru-RU"/>
@@ -897,9 +462,10 @@
           <a:bodyPr/>
           <a:lstStyle/>
           <a:p>
-            <a:fld id="{B4C71EC6-210F-42DE-9C53-41977AD35B3D}" type="datetimeFigureOut">
-              <a:rPr lang="ru-RU" smtClean="0"/>
-              <a:t>10.03.2017</a:t>
+            <a:fld id="{5B106E36-FD25-4E2D-B0AA-010F637433A0}" type="datetimeFigureOut">
+              <a:rPr lang="ru-RU" smtClean="0"/>
+              <a:pPr/>
+              <a:t>04.04.2017</a:t>
             </a:fld>
             <a:endParaRPr lang="ru-RU"/>
           </a:p>
@@ -939,8 +505,9 @@
           <a:bodyPr/>
           <a:lstStyle/>
           <a:p>
-            <a:fld id="{B19B0651-EE4F-4900-A07F-96A6BFA9D0F0}" type="slidenum">
-              <a:rPr lang="ru-RU" smtClean="0"/>
+            <a:fld id="{725C68B6-61C2-468F-89AB-4B9F7531AA68}" type="slidenum">
+              <a:rPr lang="ru-RU" smtClean="0"/>
+              <a:pPr/>
               <a:t>‹#›</a:t>
             </a:fld>
             <a:endParaRPr lang="ru-RU"/>
@@ -1072,9 +639,10 @@
           <a:bodyPr/>
           <a:lstStyle/>
           <a:p>
-            <a:fld id="{B4C71EC6-210F-42DE-9C53-41977AD35B3D}" type="datetimeFigureOut">
-              <a:rPr lang="ru-RU" smtClean="0"/>
-              <a:t>10.03.2017</a:t>
+            <a:fld id="{5B106E36-FD25-4E2D-B0AA-010F637433A0}" type="datetimeFigureOut">
+              <a:rPr lang="ru-RU" smtClean="0"/>
+              <a:pPr/>
+              <a:t>04.04.2017</a:t>
             </a:fld>
             <a:endParaRPr lang="ru-RU"/>
           </a:p>
@@ -1114,8 +682,9 @@
           <a:bodyPr/>
           <a:lstStyle/>
           <a:p>
-            <a:fld id="{B19B0651-EE4F-4900-A07F-96A6BFA9D0F0}" type="slidenum">
-              <a:rPr lang="ru-RU" smtClean="0"/>
+            <a:fld id="{725C68B6-61C2-468F-89AB-4B9F7531AA68}" type="slidenum">
+              <a:rPr lang="ru-RU" smtClean="0"/>
+              <a:pPr/>
               <a:t>‹#›</a:t>
             </a:fld>
             <a:endParaRPr lang="ru-RU"/>
@@ -1237,9 +806,10 @@
           <a:bodyPr/>
           <a:lstStyle/>
           <a:p>
-            <a:fld id="{B4C71EC6-210F-42DE-9C53-41977AD35B3D}" type="datetimeFigureOut">
-              <a:rPr lang="ru-RU" smtClean="0"/>
-              <a:t>10.03.2017</a:t>
+            <a:fld id="{5B106E36-FD25-4E2D-B0AA-010F637433A0}" type="datetimeFigureOut">
+              <a:rPr lang="ru-RU" smtClean="0"/>
+              <a:pPr/>
+              <a:t>04.04.2017</a:t>
             </a:fld>
             <a:endParaRPr lang="ru-RU"/>
           </a:p>
@@ -1279,8 +849,9 @@
           <a:bodyPr/>
           <a:lstStyle/>
           <a:p>
-            <a:fld id="{B19B0651-EE4F-4900-A07F-96A6BFA9D0F0}" type="slidenum">
-              <a:rPr lang="ru-RU" smtClean="0"/>
+            <a:fld id="{725C68B6-61C2-468F-89AB-4B9F7531AA68}" type="slidenum">
+              <a:rPr lang="ru-RU" smtClean="0"/>
+              <a:pPr/>
               <a:t>‹#›</a:t>
             </a:fld>
             <a:endParaRPr lang="ru-RU"/>
@@ -1478,9 +1049,10 @@
           <a:bodyPr/>
           <a:lstStyle/>
           <a:p>
-            <a:fld id="{B4C71EC6-210F-42DE-9C53-41977AD35B3D}" type="datetimeFigureOut">
-              <a:rPr lang="ru-RU" smtClean="0"/>
-              <a:t>10.03.2017</a:t>
+            <a:fld id="{5B106E36-FD25-4E2D-B0AA-010F637433A0}" type="datetimeFigureOut">
+              <a:rPr lang="ru-RU" smtClean="0"/>
+              <a:pPr/>
+              <a:t>04.04.2017</a:t>
             </a:fld>
             <a:endParaRPr lang="ru-RU"/>
           </a:p>
@@ -1520,8 +1092,9 @@
           <a:bodyPr/>
           <a:lstStyle/>
           <a:p>
-            <a:fld id="{B19B0651-EE4F-4900-A07F-96A6BFA9D0F0}" type="slidenum">
-              <a:rPr lang="ru-RU" smtClean="0"/>
+            <a:fld id="{725C68B6-61C2-468F-89AB-4B9F7531AA68}" type="slidenum">
+              <a:rPr lang="ru-RU" smtClean="0"/>
+              <a:pPr/>
               <a:t>‹#›</a:t>
             </a:fld>
             <a:endParaRPr lang="ru-RU"/>
@@ -1761,9 +1334,10 @@
           <a:bodyPr/>
           <a:lstStyle/>
           <a:p>
-            <a:fld id="{B4C71EC6-210F-42DE-9C53-41977AD35B3D}" type="datetimeFigureOut">
-              <a:rPr lang="ru-RU" smtClean="0"/>
-              <a:t>10.03.2017</a:t>
+            <a:fld id="{5B106E36-FD25-4E2D-B0AA-010F637433A0}" type="datetimeFigureOut">
+              <a:rPr lang="ru-RU" smtClean="0"/>
+              <a:pPr/>
+              <a:t>04.04.2017</a:t>
             </a:fld>
             <a:endParaRPr lang="ru-RU"/>
           </a:p>
@@ -1803,8 +1377,9 @@
           <a:bodyPr/>
           <a:lstStyle/>
           <a:p>
-            <a:fld id="{B19B0651-EE4F-4900-A07F-96A6BFA9D0F0}" type="slidenum">
-              <a:rPr lang="ru-RU" smtClean="0"/>
+            <a:fld id="{725C68B6-61C2-468F-89AB-4B9F7531AA68}" type="slidenum">
+              <a:rPr lang="ru-RU" smtClean="0"/>
+              <a:pPr/>
               <a:t>‹#›</a:t>
             </a:fld>
             <a:endParaRPr lang="ru-RU"/>
@@ -2178,9 +1753,10 @@
           <a:bodyPr/>
           <a:lstStyle/>
           <a:p>
-            <a:fld id="{B4C71EC6-210F-42DE-9C53-41977AD35B3D}" type="datetimeFigureOut">
-              <a:rPr lang="ru-RU" smtClean="0"/>
-              <a:t>10.03.2017</a:t>
+            <a:fld id="{5B106E36-FD25-4E2D-B0AA-010F637433A0}" type="datetimeFigureOut">
+              <a:rPr lang="ru-RU" smtClean="0"/>
+              <a:pPr/>
+              <a:t>04.04.2017</a:t>
             </a:fld>
             <a:endParaRPr lang="ru-RU"/>
           </a:p>
@@ -2220,8 +1796,9 @@
           <a:bodyPr/>
           <a:lstStyle/>
           <a:p>
-            <a:fld id="{B19B0651-EE4F-4900-A07F-96A6BFA9D0F0}" type="slidenum">
-              <a:rPr lang="ru-RU" smtClean="0"/>
+            <a:fld id="{725C68B6-61C2-468F-89AB-4B9F7531AA68}" type="slidenum">
+              <a:rPr lang="ru-RU" smtClean="0"/>
+              <a:pPr/>
               <a:t>‹#›</a:t>
             </a:fld>
             <a:endParaRPr lang="ru-RU"/>
@@ -2291,9 +1868,10 @@
           <a:bodyPr/>
           <a:lstStyle/>
           <a:p>
-            <a:fld id="{B4C71EC6-210F-42DE-9C53-41977AD35B3D}" type="datetimeFigureOut">
-              <a:rPr lang="ru-RU" smtClean="0"/>
-              <a:t>10.03.2017</a:t>
+            <a:fld id="{5B106E36-FD25-4E2D-B0AA-010F637433A0}" type="datetimeFigureOut">
+              <a:rPr lang="ru-RU" smtClean="0"/>
+              <a:pPr/>
+              <a:t>04.04.2017</a:t>
             </a:fld>
             <a:endParaRPr lang="ru-RU"/>
           </a:p>
@@ -2333,8 +1911,9 @@
           <a:bodyPr/>
           <a:lstStyle/>
           <a:p>
-            <a:fld id="{B19B0651-EE4F-4900-A07F-96A6BFA9D0F0}" type="slidenum">
-              <a:rPr lang="ru-RU" smtClean="0"/>
+            <a:fld id="{725C68B6-61C2-468F-89AB-4B9F7531AA68}" type="slidenum">
+              <a:rPr lang="ru-RU" smtClean="0"/>
+              <a:pPr/>
               <a:t>‹#›</a:t>
             </a:fld>
             <a:endParaRPr lang="ru-RU"/>
@@ -2381,9 +1960,10 @@
           <a:bodyPr/>
           <a:lstStyle/>
           <a:p>
-            <a:fld id="{B4C71EC6-210F-42DE-9C53-41977AD35B3D}" type="datetimeFigureOut">
-              <a:rPr lang="ru-RU" smtClean="0"/>
-              <a:t>10.03.2017</a:t>
+            <a:fld id="{5B106E36-FD25-4E2D-B0AA-010F637433A0}" type="datetimeFigureOut">
+              <a:rPr lang="ru-RU" smtClean="0"/>
+              <a:pPr/>
+              <a:t>04.04.2017</a:t>
             </a:fld>
             <a:endParaRPr lang="ru-RU"/>
           </a:p>
@@ -2423,8 +2003,9 @@
           <a:bodyPr/>
           <a:lstStyle/>
           <a:p>
-            <a:fld id="{B19B0651-EE4F-4900-A07F-96A6BFA9D0F0}" type="slidenum">
-              <a:rPr lang="ru-RU" smtClean="0"/>
+            <a:fld id="{725C68B6-61C2-468F-89AB-4B9F7531AA68}" type="slidenum">
+              <a:rPr lang="ru-RU" smtClean="0"/>
+              <a:pPr/>
               <a:t>‹#›</a:t>
             </a:fld>
             <a:endParaRPr lang="ru-RU"/>
@@ -2653,9 +2234,10 @@
           <a:bodyPr/>
           <a:lstStyle/>
           <a:p>
-            <a:fld id="{B4C71EC6-210F-42DE-9C53-41977AD35B3D}" type="datetimeFigureOut">
-              <a:rPr lang="ru-RU" smtClean="0"/>
-              <a:t>10.03.2017</a:t>
+            <a:fld id="{5B106E36-FD25-4E2D-B0AA-010F637433A0}" type="datetimeFigureOut">
+              <a:rPr lang="ru-RU" smtClean="0"/>
+              <a:pPr/>
+              <a:t>04.04.2017</a:t>
             </a:fld>
             <a:endParaRPr lang="ru-RU"/>
           </a:p>
@@ -2695,8 +2277,9 @@
           <a:bodyPr/>
           <a:lstStyle/>
           <a:p>
-            <a:fld id="{B19B0651-EE4F-4900-A07F-96A6BFA9D0F0}" type="slidenum">
-              <a:rPr lang="ru-RU" smtClean="0"/>
+            <a:fld id="{725C68B6-61C2-468F-89AB-4B9F7531AA68}" type="slidenum">
+              <a:rPr lang="ru-RU" smtClean="0"/>
+              <a:pPr/>
               <a:t>‹#›</a:t>
             </a:fld>
             <a:endParaRPr lang="ru-RU"/>
@@ -2901,9 +2484,10 @@
           <a:bodyPr/>
           <a:lstStyle/>
           <a:p>
-            <a:fld id="{B4C71EC6-210F-42DE-9C53-41977AD35B3D}" type="datetimeFigureOut">
-              <a:rPr lang="ru-RU" smtClean="0"/>
-              <a:t>10.03.2017</a:t>
+            <a:fld id="{5B106E36-FD25-4E2D-B0AA-010F637433A0}" type="datetimeFigureOut">
+              <a:rPr lang="ru-RU" smtClean="0"/>
+              <a:pPr/>
+              <a:t>04.04.2017</a:t>
             </a:fld>
             <a:endParaRPr lang="ru-RU"/>
           </a:p>
@@ -2943,8 +2527,9 @@
           <a:bodyPr/>
           <a:lstStyle/>
           <a:p>
-            <a:fld id="{B19B0651-EE4F-4900-A07F-96A6BFA9D0F0}" type="slidenum">
-              <a:rPr lang="ru-RU" smtClean="0"/>
+            <a:fld id="{725C68B6-61C2-468F-89AB-4B9F7531AA68}" type="slidenum">
+              <a:rPr lang="ru-RU" smtClean="0"/>
+              <a:pPr/>
               <a:t>‹#›</a:t>
             </a:fld>
             <a:endParaRPr lang="ru-RU"/>
@@ -2963,12 +2548,9 @@
 <p:sldMaster xmlns:a="http://schemas.openxmlformats.org/drawingml/2006/main" xmlns:r="http://schemas.openxmlformats.org/officeDocument/2006/relationships" xmlns:p="http://schemas.openxmlformats.org/presentationml/2006/main">
   <p:cSld>
     <p:bg>
-      <p:bgPr>
-        <a:solidFill>
-          <a:srgbClr val="FEF6F0"/>
-        </a:solidFill>
-        <a:effectLst/>
-      </p:bgPr>
+      <p:bgRef idx="1001">
+        <a:schemeClr val="bg1"/>
+      </p:bgRef>
     </p:bg>
     <p:spTree>
       <p:nvGrpSpPr>
@@ -3112,9 +2694,10 @@
             </a:lvl1pPr>
           </a:lstStyle>
           <a:p>
-            <a:fld id="{B4C71EC6-210F-42DE-9C53-41977AD35B3D}" type="datetimeFigureOut">
-              <a:rPr lang="ru-RU" smtClean="0"/>
-              <a:t>10.03.2017</a:t>
+            <a:fld id="{5B106E36-FD25-4E2D-B0AA-010F637433A0}" type="datetimeFigureOut">
+              <a:rPr lang="ru-RU" smtClean="0"/>
+              <a:pPr/>
+              <a:t>04.04.2017</a:t>
             </a:fld>
             <a:endParaRPr lang="ru-RU"/>
           </a:p>
@@ -3190,8 +2773,9 @@
             </a:lvl1pPr>
           </a:lstStyle>
           <a:p>
-            <a:fld id="{B19B0651-EE4F-4900-A07F-96A6BFA9D0F0}" type="slidenum">
-              <a:rPr lang="ru-RU" smtClean="0"/>
+            <a:fld id="{725C68B6-61C2-468F-89AB-4B9F7531AA68}" type="slidenum">
+              <a:rPr lang="ru-RU" smtClean="0"/>
+              <a:pPr/>
               <a:t>‹#›</a:t>
             </a:fld>
             <a:endParaRPr lang="ru-RU"/>
@@ -3496,34 +3080,19 @@
         </p:nvSpPr>
         <p:spPr>
           <a:xfrm>
-            <a:off x="0" y="1196752"/>
+            <a:off x="0" y="1628800"/>
             <a:ext cx="9144000" cy="1470025"/>
           </a:xfrm>
         </p:spPr>
         <p:txBody>
-          <a:bodyPr>
-            <a:normAutofit/>
-          </a:bodyPr>
-          <a:lstStyle/>
-          <a:p>
-            <a:r>
-              <a:rPr lang="ru-RU" sz="6600" b="1" dirty="0" smtClean="0">
-                <a:solidFill>
-                  <a:schemeClr val="accent5">
-                    <a:lumMod val="75000"/>
-                  </a:schemeClr>
-                </a:solidFill>
-              </a:rPr>
+          <a:bodyPr/>
+          <a:lstStyle/>
+          <a:p>
+            <a:r>
+              <a:rPr lang="ru-RU" dirty="0" smtClean="0"/>
               <a:t>Алгоритм шифрования</a:t>
             </a:r>
-            <a:endParaRPr lang="ru-RU" sz="6600" b="1" dirty="0">
-              <a:solidFill>
-                <a:schemeClr val="accent1">
-                  <a:lumMod val="60000"/>
-                  <a:lumOff val="40000"/>
-                </a:schemeClr>
-              </a:solidFill>
-            </a:endParaRPr>
+            <a:endParaRPr lang="ru-RU" dirty="0"/>
           </a:p>
         </p:txBody>
       </p:sp>
@@ -3539,63 +3108,45 @@
         </p:nvSpPr>
         <p:spPr>
           <a:xfrm>
-            <a:off x="2756698" y="5475815"/>
-            <a:ext cx="6400800" cy="1366161"/>
-          </a:xfrm>
-        </p:spPr>
-        <p:txBody>
-          <a:bodyPr>
-            <a:normAutofit/>
-          </a:bodyPr>
+            <a:off x="2743200" y="5445224"/>
+            <a:ext cx="6400800" cy="1752600"/>
+          </a:xfrm>
+        </p:spPr>
+        <p:txBody>
+          <a:bodyPr/>
           <a:lstStyle/>
           <a:p>
             <a:pPr algn="r"/>
             <a:r>
-              <a:rPr lang="ru-RU" sz="1800" dirty="0" smtClean="0"/>
-              <a:t>Чистобаев Андрей</a:t>
+              <a:rPr lang="ru-RU" sz="2000" dirty="0" smtClean="0"/>
+              <a:t>ГБОУ Гимназия №1538</a:t>
             </a:r>
           </a:p>
           <a:p>
             <a:pPr algn="r"/>
             <a:r>
-              <a:rPr lang="ru-RU" sz="1800" dirty="0" smtClean="0"/>
-              <a:t>Дергачёва Алевтина Николаевна</a:t>
+              <a:rPr lang="ru-RU" sz="2000" dirty="0" smtClean="0"/>
+              <a:t>Чистобаев Андрей Андреевич</a:t>
             </a:r>
           </a:p>
           <a:p>
             <a:pPr algn="r"/>
             <a:r>
-              <a:rPr lang="ru-RU" sz="1800" dirty="0" smtClean="0"/>
-              <a:t>Носкова Людмила Николаевна</a:t>
+              <a:rPr lang="ru-RU" sz="2000" dirty="0" smtClean="0"/>
+              <a:t>Под руководством Носковой Людмилы Николаевны</a:t>
             </a:r>
           </a:p>
           <a:p>
             <a:pPr algn="r"/>
-            <a:r>
-              <a:rPr lang="ru-RU" sz="1800" dirty="0" smtClean="0"/>
-              <a:t>ГБОУ Гимназия №1538</a:t>
-            </a:r>
-            <a:endParaRPr lang="ru-RU" sz="1800" dirty="0"/>
+            <a:endParaRPr lang="ru-RU" sz="1600" dirty="0" smtClean="0"/>
           </a:p>
         </p:txBody>
       </p:sp>
     </p:spTree>
-    <p:extLst>
-      <p:ext uri="{BB962C8B-B14F-4D97-AF65-F5344CB8AC3E}">
-        <p14:creationId xmlns:p14="http://schemas.microsoft.com/office/powerpoint/2010/main" val="924687232"/>
-      </p:ext>
-    </p:extLst>
   </p:cSld>
   <p:clrMapOvr>
     <a:masterClrMapping/>
   </p:clrMapOvr>
-  <p:timing>
-    <p:tnLst>
-      <p:par>
-        <p:cTn id="1" dur="indefinite" restart="never" nodeType="tmRoot"/>
-      </p:par>
-    </p:tnLst>
-  </p:timing>
 </p:sld>
 </file>
 
@@ -3628,7 +3179,7 @@
         </p:nvSpPr>
         <p:spPr>
           <a:xfrm>
-            <a:off x="0" y="274638"/>
+            <a:off x="0" y="-243408"/>
             <a:ext cx="9144000" cy="1143000"/>
           </a:xfrm>
         </p:spPr>
@@ -3637,53 +3188,8 @@
           <a:lstStyle/>
           <a:p>
             <a:r>
-              <a:rPr lang="ru-RU" b="1" dirty="0" smtClean="0">
-                <a:solidFill>
-                  <a:schemeClr val="accent1">
-                    <a:lumMod val="60000"/>
-                    <a:lumOff val="40000"/>
-                  </a:schemeClr>
-                </a:solidFill>
-              </a:rPr>
-              <a:t>Выводы</a:t>
-            </a:r>
-            <a:endParaRPr lang="ru-RU" b="1" dirty="0">
-              <a:solidFill>
-                <a:schemeClr val="accent1">
-                  <a:lumMod val="60000"/>
-                  <a:lumOff val="40000"/>
-                </a:schemeClr>
-              </a:solidFill>
-            </a:endParaRPr>
-          </a:p>
-        </p:txBody>
-      </p:sp>
-      <p:sp>
-        <p:nvSpPr>
-          <p:cNvPr id="3" name="Объект 2"/>
-          <p:cNvSpPr>
-            <a:spLocks noGrp="1"/>
-          </p:cNvSpPr>
-          <p:nvPr>
-            <p:ph idx="1"/>
-          </p:nvPr>
-        </p:nvSpPr>
-        <p:spPr>
-          <a:xfrm>
-            <a:off x="0" y="5517232"/>
-            <a:ext cx="9144000" cy="1340768"/>
-          </a:xfrm>
-        </p:spPr>
-        <p:txBody>
-          <a:bodyPr/>
-          <a:lstStyle/>
-          <a:p>
-            <a:pPr marL="0" indent="0">
-              <a:buNone/>
-            </a:pPr>
-            <a:r>
               <a:rPr lang="ru-RU" dirty="0" smtClean="0"/>
-              <a:t>Существует множество путей улучшить производительность, получая тот же результат.</a:t>
+              <a:t>Вывод</a:t>
             </a:r>
             <a:endParaRPr lang="ru-RU" dirty="0"/>
           </a:p>
@@ -3691,20 +3197,14 @@
       </p:sp>
       <p:pic>
         <p:nvPicPr>
-          <p:cNvPr id="7170" name="Picture 2" descr="http://firestock.ru/wp-content/uploads/2013/08/shutterstock_67660210.jpg"/>
+          <p:cNvPr id="19458" name="Picture 2" descr="Картинки по запросу бесполезность"/>
           <p:cNvPicPr>
             <a:picLocks noChangeAspect="1" noChangeArrowheads="1"/>
           </p:cNvPicPr>
           <p:nvPr/>
         </p:nvPicPr>
         <p:blipFill>
-          <a:blip r:embed="rId2">
-            <a:extLst>
-              <a:ext uri="{28A0092B-C50C-407E-A947-70E740481C1C}">
-                <a14:useLocalDpi xmlns:a14="http://schemas.microsoft.com/office/drawing/2010/main" val="0"/>
-              </a:ext>
-            </a:extLst>
-          </a:blip>
+          <a:blip r:embed="rId2" cstate="print"/>
           <a:srcRect/>
           <a:stretch>
             <a:fillRect/>
@@ -3712,30 +3212,16 @@
         </p:blipFill>
         <p:spPr bwMode="auto">
           <a:xfrm>
-            <a:off x="2411760" y="1268760"/>
-            <a:ext cx="4196408" cy="4196408"/>
+            <a:off x="1763688" y="980728"/>
+            <a:ext cx="5877272" cy="5877272"/>
           </a:xfrm>
           <a:prstGeom prst="rect">
             <a:avLst/>
           </a:prstGeom>
           <a:noFill/>
-          <a:extLst>
-            <a:ext uri="{909E8E84-426E-40DD-AFC4-6F175D3DCCD1}">
-              <a14:hiddenFill xmlns:a14="http://schemas.microsoft.com/office/drawing/2010/main">
-                <a:solidFill>
-                  <a:srgbClr val="FFFFFF"/>
-                </a:solidFill>
-              </a14:hiddenFill>
-            </a:ext>
-          </a:extLst>
         </p:spPr>
       </p:pic>
     </p:spTree>
-    <p:extLst>
-      <p:ext uri="{BB962C8B-B14F-4D97-AF65-F5344CB8AC3E}">
-        <p14:creationId xmlns:p14="http://schemas.microsoft.com/office/powerpoint/2010/main" val="1628038450"/>
-      </p:ext>
-    </p:extLst>
   </p:cSld>
   <p:clrMapOvr>
     <a:masterClrMapping/>
@@ -3770,35 +3256,27 @@
             <p:ph type="title"/>
           </p:nvPr>
         </p:nvSpPr>
-        <p:spPr/>
-        <p:txBody>
-          <a:bodyPr/>
-          <a:lstStyle/>
-          <a:p>
-            <a:r>
-              <a:rPr lang="ru-RU" b="1" dirty="0" smtClean="0">
-                <a:solidFill>
-                  <a:schemeClr val="accent1">
-                    <a:lumMod val="60000"/>
-                    <a:lumOff val="40000"/>
-                  </a:schemeClr>
-                </a:solidFill>
-              </a:rPr>
+        <p:spPr>
+          <a:xfrm>
+            <a:off x="0" y="-243408"/>
+            <a:ext cx="9144000" cy="1143000"/>
+          </a:xfrm>
+        </p:spPr>
+        <p:txBody>
+          <a:bodyPr/>
+          <a:lstStyle/>
+          <a:p>
+            <a:r>
+              <a:rPr lang="ru-RU" dirty="0" smtClean="0"/>
               <a:t>Проблема</a:t>
             </a:r>
-            <a:endParaRPr lang="ru-RU" b="1" dirty="0">
-              <a:solidFill>
-                <a:schemeClr val="accent5">
-                  <a:lumMod val="75000"/>
-                </a:schemeClr>
-              </a:solidFill>
-            </a:endParaRPr>
-          </a:p>
-        </p:txBody>
-      </p:sp>
-      <p:sp>
-        <p:nvSpPr>
-          <p:cNvPr id="3" name="Объект 2"/>
+            <a:endParaRPr lang="ru-RU" dirty="0"/>
+          </a:p>
+        </p:txBody>
+      </p:sp>
+      <p:sp>
+        <p:nvSpPr>
+          <p:cNvPr id="3" name="Содержимое 2"/>
           <p:cNvSpPr>
             <a:spLocks noGrp="1"/>
           </p:cNvSpPr>
@@ -3808,49 +3286,45 @@
         </p:nvSpPr>
         <p:spPr>
           <a:xfrm>
-            <a:off x="5580112" y="1600200"/>
-            <a:ext cx="3106688" cy="4525963"/>
-          </a:xfrm>
-        </p:spPr>
-        <p:txBody>
-          <a:bodyPr/>
-          <a:lstStyle/>
-          <a:p>
-            <a:pPr marL="0" indent="0">
+            <a:off x="0" y="5733256"/>
+            <a:ext cx="9144000" cy="1124744"/>
+          </a:xfrm>
+        </p:spPr>
+        <p:txBody>
+          <a:bodyPr>
+            <a:normAutofit/>
+          </a:bodyPr>
+          <a:lstStyle/>
+          <a:p>
+            <a:pPr>
               <a:buNone/>
             </a:pPr>
             <a:r>
-              <a:rPr lang="ru-RU" dirty="0" smtClean="0"/>
-              <a:t>Логотип группировки </a:t>
-            </a:r>
-            <a:r>
-              <a:rPr lang="en-US" dirty="0"/>
-              <a:t>A</a:t>
-            </a:r>
-            <a:r>
-              <a:rPr lang="en-US" dirty="0" smtClean="0"/>
-              <a:t>nonymous</a:t>
-            </a:r>
-            <a:endParaRPr lang="ru-RU" dirty="0"/>
+              <a:rPr lang="ru-RU" sz="2500" dirty="0" smtClean="0"/>
+              <a:t>Клетка может </a:t>
+            </a:r>
+            <a:r>
+              <a:rPr lang="ru-RU" sz="2700" dirty="0" smtClean="0"/>
+              <a:t>иметь</a:t>
+            </a:r>
+            <a:r>
+              <a:rPr lang="ru-RU" sz="2500" dirty="0" smtClean="0"/>
+              <a:t> 2 состояния, как и бит двоичного числа.</a:t>
+            </a:r>
+            <a:endParaRPr lang="ru-RU" sz="2500" dirty="0"/>
           </a:p>
         </p:txBody>
       </p:sp>
       <p:pic>
         <p:nvPicPr>
-          <p:cNvPr id="1026" name="Picture 2" descr="Anonymous emblem.svg"/>
+          <p:cNvPr id="5124" name="Picture 4" descr="Картинки по запросу элементарные клеточные автоматы"/>
           <p:cNvPicPr>
             <a:picLocks noChangeAspect="1" noChangeArrowheads="1"/>
           </p:cNvPicPr>
           <p:nvPr/>
         </p:nvPicPr>
         <p:blipFill>
-          <a:blip r:embed="rId3">
-            <a:extLst>
-              <a:ext uri="{28A0092B-C50C-407E-A947-70E740481C1C}">
-                <a14:useLocalDpi xmlns:a14="http://schemas.microsoft.com/office/drawing/2010/main" val="0"/>
-              </a:ext>
-            </a:extLst>
-          </a:blip>
+          <a:blip r:embed="rId2" cstate="print"/>
           <a:srcRect/>
           <a:stretch>
             <a:fillRect/>
@@ -3858,41 +3332,20 @@
         </p:blipFill>
         <p:spPr bwMode="auto">
           <a:xfrm>
-            <a:off x="827584" y="1412776"/>
-            <a:ext cx="3888432" cy="3888432"/>
+            <a:off x="0" y="1196752"/>
+            <a:ext cx="9144000" cy="4572001"/>
           </a:xfrm>
           <a:prstGeom prst="rect">
             <a:avLst/>
           </a:prstGeom>
           <a:noFill/>
-          <a:extLst>
-            <a:ext uri="{909E8E84-426E-40DD-AFC4-6F175D3DCCD1}">
-              <a14:hiddenFill xmlns:a14="http://schemas.microsoft.com/office/drawing/2010/main">
-                <a:solidFill>
-                  <a:srgbClr val="FFFFFF"/>
-                </a:solidFill>
-              </a14:hiddenFill>
-            </a:ext>
-          </a:extLst>
         </p:spPr>
       </p:pic>
     </p:spTree>
-    <p:extLst>
-      <p:ext uri="{BB962C8B-B14F-4D97-AF65-F5344CB8AC3E}">
-        <p14:creationId xmlns:p14="http://schemas.microsoft.com/office/powerpoint/2010/main" val="3745201982"/>
-      </p:ext>
-    </p:extLst>
   </p:cSld>
   <p:clrMapOvr>
     <a:masterClrMapping/>
   </p:clrMapOvr>
-  <p:timing>
-    <p:tnLst>
-      <p:par>
-        <p:cTn id="1" dur="indefinite" restart="never" nodeType="tmRoot"/>
-      </p:par>
-    </p:tnLst>
-  </p:timing>
 </p:sld>
 </file>
 
@@ -3923,41 +3376,18 @@
             <p:ph type="title"/>
           </p:nvPr>
         </p:nvSpPr>
-        <p:spPr>
-          <a:xfrm>
-            <a:off x="0" y="260648"/>
-            <a:ext cx="9144000" cy="1143000"/>
-          </a:xfrm>
-        </p:spPr>
-        <p:txBody>
-          <a:bodyPr/>
-          <a:lstStyle/>
-          <a:p>
-            <a:r>
-              <a:rPr lang="ru-RU" b="1" dirty="0" smtClean="0">
-                <a:solidFill>
-                  <a:schemeClr val="accent1">
-                    <a:lumMod val="60000"/>
-                    <a:lumOff val="40000"/>
-                  </a:schemeClr>
-                </a:solidFill>
-              </a:rPr>
-              <a:t>Задачи</a:t>
-            </a:r>
-            <a:endParaRPr lang="ru-RU" b="1" dirty="0">
-              <a:solidFill>
-                <a:schemeClr val="accent1">
-                  <a:lumMod val="60000"/>
-                  <a:lumOff val="40000"/>
-                </a:schemeClr>
-              </a:solidFill>
-            </a:endParaRPr>
-          </a:p>
-        </p:txBody>
-      </p:sp>
-      <p:sp>
-        <p:nvSpPr>
-          <p:cNvPr id="3" name="Объект 2"/>
+        <p:spPr/>
+        <p:txBody>
+          <a:bodyPr/>
+          <a:lstStyle/>
+          <a:p>
+            <a:endParaRPr lang="ru-RU"/>
+          </a:p>
+        </p:txBody>
+      </p:sp>
+      <p:sp>
+        <p:nvSpPr>
+          <p:cNvPr id="3" name="Содержимое 2"/>
           <p:cNvSpPr>
             <a:spLocks noGrp="1"/>
           </p:cNvSpPr>
@@ -3965,65 +3395,20 @@
             <p:ph idx="1"/>
           </p:nvPr>
         </p:nvSpPr>
-        <p:spPr>
-          <a:xfrm>
-            <a:off x="467544" y="1412776"/>
-            <a:ext cx="8229600" cy="5445224"/>
-          </a:xfrm>
-        </p:spPr>
-        <p:txBody>
-          <a:bodyPr/>
-          <a:lstStyle/>
-          <a:p>
-            <a:r>
-              <a:rPr lang="ru-RU" dirty="0" smtClean="0"/>
-              <a:t>Изучить основы работы клеточных автоматов</a:t>
-            </a:r>
-          </a:p>
-          <a:p>
-            <a:r>
-              <a:rPr lang="ru-RU" dirty="0" smtClean="0"/>
-              <a:t>Узнать основные термины криптографии и научиться ими пользоваться</a:t>
-            </a:r>
-          </a:p>
-          <a:p>
-            <a:r>
-              <a:rPr lang="ru-RU" dirty="0" smtClean="0"/>
-              <a:t>Реализовать алгоритм в виде программы</a:t>
-            </a:r>
-          </a:p>
-          <a:p>
-            <a:r>
-              <a:rPr lang="ru-RU" dirty="0" smtClean="0"/>
-              <a:t>Протестировать программу</a:t>
-            </a:r>
-          </a:p>
-          <a:p>
-            <a:r>
-              <a:rPr lang="ru-RU" dirty="0" smtClean="0"/>
-              <a:t>Выложить реализацию в свободный доступ</a:t>
-            </a:r>
-            <a:endParaRPr lang="ru-RU" dirty="0"/>
+        <p:spPr/>
+        <p:txBody>
+          <a:bodyPr/>
+          <a:lstStyle/>
+          <a:p>
+            <a:endParaRPr lang="ru-RU"/>
           </a:p>
         </p:txBody>
       </p:sp>
     </p:spTree>
-    <p:extLst>
-      <p:ext uri="{BB962C8B-B14F-4D97-AF65-F5344CB8AC3E}">
-        <p14:creationId xmlns:p14="http://schemas.microsoft.com/office/powerpoint/2010/main" val="3817834258"/>
-      </p:ext>
-    </p:extLst>
   </p:cSld>
   <p:clrMapOvr>
     <a:masterClrMapping/>
   </p:clrMapOvr>
-  <p:timing>
-    <p:tnLst>
-      <p:par>
-        <p:cTn id="1" dur="indefinite" restart="never" nodeType="tmRoot"/>
-      </p:par>
-    </p:tnLst>
-  </p:timing>
 </p:sld>
 </file>
 
@@ -4056,7 +3441,7 @@
         </p:nvSpPr>
         <p:spPr>
           <a:xfrm>
-            <a:off x="0" y="274638"/>
+            <a:off x="0" y="-243408"/>
             <a:ext cx="9144000" cy="1143000"/>
           </a:xfrm>
         </p:spPr>
@@ -4065,96 +3450,41 @@
           <a:lstStyle/>
           <a:p>
             <a:r>
-              <a:rPr lang="ru-RU" b="1" dirty="0" smtClean="0">
-                <a:solidFill>
-                  <a:schemeClr val="accent1">
-                    <a:lumMod val="60000"/>
-                    <a:lumOff val="40000"/>
-                  </a:schemeClr>
-                </a:solidFill>
-              </a:rPr>
-              <a:t>Почему клеточные автоматы</a:t>
-            </a:r>
-            <a:r>
-              <a:rPr lang="en-US" b="1" dirty="0" smtClean="0">
-                <a:solidFill>
-                  <a:schemeClr val="accent1">
-                    <a:lumMod val="60000"/>
-                    <a:lumOff val="40000"/>
-                  </a:schemeClr>
-                </a:solidFill>
-              </a:rPr>
-              <a:t>?</a:t>
-            </a:r>
-            <a:endParaRPr lang="ru-RU" b="1" dirty="0">
-              <a:solidFill>
-                <a:schemeClr val="accent1">
-                  <a:lumMod val="60000"/>
-                  <a:lumOff val="40000"/>
-                </a:schemeClr>
-              </a:solidFill>
-            </a:endParaRPr>
+              <a:rPr lang="ru-RU" dirty="0" smtClean="0"/>
+              <a:t>Алгоритм</a:t>
+            </a:r>
+            <a:endParaRPr lang="ru-RU" dirty="0"/>
           </a:p>
         </p:txBody>
       </p:sp>
       <p:pic>
         <p:nvPicPr>
-          <p:cNvPr id="2050" name="Picture 2" descr="CA rule30s.png"/>
+          <p:cNvPr id="4" name="Содержимое 3" descr="Untitled Diagram.jpg"/>
           <p:cNvPicPr>
-            <a:picLocks noChangeAspect="1" noChangeArrowheads="1"/>
+            <a:picLocks noGrp="1" noChangeAspect="1"/>
           </p:cNvPicPr>
-          <p:nvPr/>
+          <p:nvPr>
+            <p:ph idx="1"/>
+          </p:nvPr>
         </p:nvPicPr>
         <p:blipFill>
-          <a:blip r:embed="rId2">
-            <a:extLst>
-              <a:ext uri="{28A0092B-C50C-407E-A947-70E740481C1C}">
-                <a14:useLocalDpi xmlns:a14="http://schemas.microsoft.com/office/drawing/2010/main" val="0"/>
-              </a:ext>
-            </a:extLst>
-          </a:blip>
-          <a:srcRect/>
+          <a:blip r:embed="rId2" cstate="print"/>
           <a:stretch>
             <a:fillRect/>
           </a:stretch>
         </p:blipFill>
-        <p:spPr bwMode="auto">
-          <a:xfrm>
-            <a:off x="467544" y="1941976"/>
-            <a:ext cx="8280920" cy="4140460"/>
-          </a:xfrm>
-          <a:prstGeom prst="rect">
-            <a:avLst/>
-          </a:prstGeom>
-          <a:noFill/>
-          <a:extLst>
-            <a:ext uri="{909E8E84-426E-40DD-AFC4-6F175D3DCCD1}">
-              <a14:hiddenFill xmlns:a14="http://schemas.microsoft.com/office/drawing/2010/main">
-                <a:solidFill>
-                  <a:srgbClr val="FFFFFF"/>
-                </a:solidFill>
-              </a14:hiddenFill>
-            </a:ext>
-          </a:extLst>
+        <p:spPr>
+          <a:xfrm>
+            <a:off x="2195736" y="764704"/>
+            <a:ext cx="4536504" cy="6093296"/>
+          </a:xfrm>
         </p:spPr>
       </p:pic>
     </p:spTree>
-    <p:extLst>
-      <p:ext uri="{BB962C8B-B14F-4D97-AF65-F5344CB8AC3E}">
-        <p14:creationId xmlns:p14="http://schemas.microsoft.com/office/powerpoint/2010/main" val="1398335095"/>
-      </p:ext>
-    </p:extLst>
   </p:cSld>
   <p:clrMapOvr>
     <a:masterClrMapping/>
   </p:clrMapOvr>
-  <p:timing>
-    <p:tnLst>
-      <p:par>
-        <p:cTn id="1" dur="indefinite" restart="never" nodeType="tmRoot"/>
-      </p:par>
-    </p:tnLst>
-  </p:timing>
 </p:sld>
 </file>
 
@@ -4187,7 +3517,7 @@
         </p:nvSpPr>
         <p:spPr>
           <a:xfrm>
-            <a:off x="0" y="274638"/>
+            <a:off x="0" y="-243408"/>
             <a:ext cx="9144000" cy="1143000"/>
           </a:xfrm>
         </p:spPr>
@@ -4196,156 +3526,492 @@
           <a:lstStyle/>
           <a:p>
             <a:r>
-              <a:rPr lang="ru-RU" b="1" dirty="0" smtClean="0">
-                <a:solidFill>
-                  <a:schemeClr val="accent1">
-                    <a:lumMod val="60000"/>
-                    <a:lumOff val="40000"/>
-                  </a:schemeClr>
-                </a:solidFill>
-              </a:rPr>
-              <a:t>Симулятор</a:t>
-            </a:r>
-            <a:endParaRPr lang="ru-RU" b="1" dirty="0">
-              <a:solidFill>
-                <a:schemeClr val="accent1">
-                  <a:lumMod val="60000"/>
-                  <a:lumOff val="40000"/>
-                </a:schemeClr>
-              </a:solidFill>
-            </a:endParaRPr>
-          </a:p>
-        </p:txBody>
-      </p:sp>
-      <p:sp>
-        <p:nvSpPr>
-          <p:cNvPr id="3" name="Объект 2"/>
-          <p:cNvSpPr>
-            <a:spLocks noGrp="1"/>
-          </p:cNvSpPr>
-          <p:nvPr>
-            <p:ph idx="1"/>
-          </p:nvPr>
-        </p:nvSpPr>
-        <p:spPr>
-          <a:xfrm>
-            <a:off x="0" y="5877272"/>
-            <a:ext cx="9144000" cy="980728"/>
-          </a:xfrm>
-        </p:spPr>
-        <p:txBody>
-          <a:bodyPr>
-            <a:normAutofit fontScale="92500" lnSpcReduction="10000"/>
-          </a:bodyPr>
-          <a:lstStyle/>
-          <a:p>
-            <a:pPr marL="0" indent="0">
-              <a:buNone/>
-            </a:pPr>
-            <a:r>
               <a:rPr lang="ru-RU" dirty="0" smtClean="0"/>
-              <a:t>Версия симулятора для </a:t>
-            </a:r>
-            <a:r>
-              <a:rPr lang="en-US" dirty="0" smtClean="0"/>
-              <a:t>Android, </a:t>
-            </a:r>
-            <a:r>
-              <a:rPr lang="ru-RU" dirty="0" smtClean="0"/>
-              <a:t>выводящая эволюцию элементарного клеточного автомата из одной точки</a:t>
+              <a:t>Шифрование</a:t>
             </a:r>
             <a:endParaRPr lang="ru-RU" dirty="0"/>
           </a:p>
         </p:txBody>
       </p:sp>
-      <p:pic>
-        <p:nvPicPr>
-          <p:cNvPr id="3074" name="Picture 2" descr="https://cs7062.userapi.com/c636323/v636323294/4ff4b/L-anWl-V-JU.jpg"/>
-          <p:cNvPicPr>
-            <a:picLocks noChangeAspect="1" noChangeArrowheads="1"/>
-          </p:cNvPicPr>
+      <p:sp>
+        <p:nvSpPr>
+          <p:cNvPr id="4" name="Прямоугольник 3"/>
+          <p:cNvSpPr/>
           <p:nvPr/>
-        </p:nvPicPr>
-        <p:blipFill>
-          <a:blip r:embed="rId2">
-            <a:extLst>
-              <a:ext uri="{28A0092B-C50C-407E-A947-70E740481C1C}">
-                <a14:useLocalDpi xmlns:a14="http://schemas.microsoft.com/office/drawing/2010/main" val="0"/>
-              </a:ext>
-            </a:extLst>
-          </a:blip>
-          <a:srcRect/>
-          <a:stretch>
-            <a:fillRect/>
-          </a:stretch>
-        </p:blipFill>
-        <p:spPr bwMode="auto">
-          <a:xfrm>
-            <a:off x="30884" y="1196752"/>
-            <a:ext cx="3388988" cy="4572000"/>
+        </p:nvSpPr>
+        <p:spPr>
+          <a:xfrm>
+            <a:off x="4644008" y="764704"/>
+            <a:ext cx="3384376" cy="864096"/>
           </a:xfrm>
           <a:prstGeom prst="rect">
             <a:avLst/>
           </a:prstGeom>
-          <a:noFill/>
-          <a:extLst>
-            <a:ext uri="{909E8E84-426E-40DD-AFC4-6F175D3DCCD1}">
-              <a14:hiddenFill xmlns:a14="http://schemas.microsoft.com/office/drawing/2010/main">
-                <a:solidFill>
-                  <a:srgbClr val="FFFFFF"/>
-                </a:solidFill>
-              </a14:hiddenFill>
-            </a:ext>
-          </a:extLst>
-        </p:spPr>
-      </p:pic>
-      <p:pic>
-        <p:nvPicPr>
-          <p:cNvPr id="3076" name="Picture 4" descr="https://cs7062.userapi.com/c636323/v636323294/4ff52/-so6zXgY5pg.jpg"/>
-          <p:cNvPicPr>
-            <a:picLocks noChangeAspect="1" noChangeArrowheads="1"/>
-          </p:cNvPicPr>
+          <a:solidFill>
+            <a:schemeClr val="accent1">
+              <a:lumMod val="60000"/>
+              <a:lumOff val="40000"/>
+            </a:schemeClr>
+          </a:solidFill>
+        </p:spPr>
+        <p:style>
+          <a:lnRef idx="2">
+            <a:schemeClr val="accent1">
+              <a:shade val="50000"/>
+            </a:schemeClr>
+          </a:lnRef>
+          <a:fillRef idx="1">
+            <a:schemeClr val="accent1"/>
+          </a:fillRef>
+          <a:effectRef idx="0">
+            <a:schemeClr val="accent1"/>
+          </a:effectRef>
+          <a:fontRef idx="minor">
+            <a:schemeClr val="lt1"/>
+          </a:fontRef>
+        </p:style>
+        <p:txBody>
+          <a:bodyPr rtlCol="0" anchor="ctr"/>
+          <a:lstStyle/>
+          <a:p>
+            <a:pPr algn="ctr"/>
+            <a:r>
+              <a:rPr lang="en-US" sz="8000" dirty="0" smtClean="0"/>
+              <a:t>110 a</a:t>
+            </a:r>
+            <a:endParaRPr lang="ru-RU" sz="8000" dirty="0"/>
+          </a:p>
+        </p:txBody>
+      </p:sp>
+      <p:sp>
+        <p:nvSpPr>
+          <p:cNvPr id="5" name="Прямоугольник 4"/>
+          <p:cNvSpPr/>
           <p:nvPr/>
-        </p:nvPicPr>
-        <p:blipFill>
-          <a:blip r:embed="rId3">
-            <a:extLst>
-              <a:ext uri="{28A0092B-C50C-407E-A947-70E740481C1C}">
-                <a14:useLocalDpi xmlns:a14="http://schemas.microsoft.com/office/drawing/2010/main" val="0"/>
-              </a:ext>
-            </a:extLst>
-          </a:blip>
-          <a:srcRect/>
-          <a:stretch>
-            <a:fillRect/>
-          </a:stretch>
-        </p:blipFill>
-        <p:spPr bwMode="auto">
-          <a:xfrm>
-            <a:off x="5796136" y="1196752"/>
-            <a:ext cx="3327051" cy="4572000"/>
+        </p:nvSpPr>
+        <p:spPr>
+          <a:xfrm>
+            <a:off x="5759624" y="2060848"/>
+            <a:ext cx="3384376" cy="864096"/>
           </a:xfrm>
           <a:prstGeom prst="rect">
             <a:avLst/>
           </a:prstGeom>
-          <a:noFill/>
-          <a:extLst>
-            <a:ext uri="{909E8E84-426E-40DD-AFC4-6F175D3DCCD1}">
-              <a14:hiddenFill xmlns:a14="http://schemas.microsoft.com/office/drawing/2010/main">
-                <a:solidFill>
-                  <a:srgbClr val="FFFFFF"/>
-                </a:solidFill>
-              </a14:hiddenFill>
-            </a:ext>
-          </a:extLst>
-        </p:spPr>
-      </p:pic>
+          <a:solidFill>
+            <a:schemeClr val="accent6">
+              <a:lumMod val="60000"/>
+              <a:lumOff val="40000"/>
+            </a:schemeClr>
+          </a:solidFill>
+        </p:spPr>
+        <p:style>
+          <a:lnRef idx="2">
+            <a:schemeClr val="accent1">
+              <a:shade val="50000"/>
+            </a:schemeClr>
+          </a:lnRef>
+          <a:fillRef idx="1">
+            <a:schemeClr val="accent1"/>
+          </a:fillRef>
+          <a:effectRef idx="0">
+            <a:schemeClr val="accent1"/>
+          </a:effectRef>
+          <a:fontRef idx="minor">
+            <a:schemeClr val="lt1"/>
+          </a:fontRef>
+        </p:style>
+        <p:txBody>
+          <a:bodyPr rtlCol="0" anchor="ctr"/>
+          <a:lstStyle/>
+          <a:p>
+            <a:pPr algn="ctr"/>
+            <a:r>
+              <a:rPr lang="en-US" sz="5400" dirty="0" smtClean="0"/>
+              <a:t>01100001</a:t>
+            </a:r>
+            <a:endParaRPr lang="ru-RU" sz="5400" dirty="0"/>
+          </a:p>
+        </p:txBody>
+      </p:sp>
+      <p:sp>
+        <p:nvSpPr>
+          <p:cNvPr id="6" name="Прямоугольник 5"/>
+          <p:cNvSpPr/>
+          <p:nvPr/>
+        </p:nvSpPr>
+        <p:spPr>
+          <a:xfrm>
+            <a:off x="1115616" y="2060848"/>
+            <a:ext cx="3384376" cy="864096"/>
+          </a:xfrm>
+          <a:prstGeom prst="rect">
+            <a:avLst/>
+          </a:prstGeom>
+          <a:solidFill>
+            <a:schemeClr val="accent6">
+              <a:lumMod val="60000"/>
+              <a:lumOff val="40000"/>
+            </a:schemeClr>
+          </a:solidFill>
+        </p:spPr>
+        <p:style>
+          <a:lnRef idx="2">
+            <a:schemeClr val="accent1">
+              <a:shade val="50000"/>
+            </a:schemeClr>
+          </a:lnRef>
+          <a:fillRef idx="1">
+            <a:schemeClr val="accent1"/>
+          </a:fillRef>
+          <a:effectRef idx="0">
+            <a:schemeClr val="accent1"/>
+          </a:effectRef>
+          <a:fontRef idx="minor">
+            <a:schemeClr val="lt1"/>
+          </a:fontRef>
+        </p:style>
+        <p:txBody>
+          <a:bodyPr rtlCol="0" anchor="ctr"/>
+          <a:lstStyle/>
+          <a:p>
+            <a:pPr algn="ctr"/>
+            <a:r>
+              <a:rPr lang="en-US" sz="5400" dirty="0" smtClean="0"/>
+              <a:t>01101110</a:t>
+            </a:r>
+            <a:endParaRPr lang="ru-RU" sz="5400" dirty="0"/>
+          </a:p>
+        </p:txBody>
+      </p:sp>
+      <p:sp>
+        <p:nvSpPr>
+          <p:cNvPr id="7" name="Стрелка вниз 6"/>
+          <p:cNvSpPr/>
+          <p:nvPr/>
+        </p:nvSpPr>
+        <p:spPr>
+          <a:xfrm>
+            <a:off x="6948264" y="1628800"/>
+            <a:ext cx="864096" cy="432048"/>
+          </a:xfrm>
+          <a:prstGeom prst="downArrow">
+            <a:avLst/>
+          </a:prstGeom>
+        </p:spPr>
+        <p:style>
+          <a:lnRef idx="2">
+            <a:schemeClr val="accent1">
+              <a:shade val="50000"/>
+            </a:schemeClr>
+          </a:lnRef>
+          <a:fillRef idx="1">
+            <a:schemeClr val="accent1"/>
+          </a:fillRef>
+          <a:effectRef idx="0">
+            <a:schemeClr val="accent1"/>
+          </a:effectRef>
+          <a:fontRef idx="minor">
+            <a:schemeClr val="lt1"/>
+          </a:fontRef>
+        </p:style>
+        <p:txBody>
+          <a:bodyPr rtlCol="0" anchor="ctr"/>
+          <a:lstStyle/>
+          <a:p>
+            <a:pPr algn="ctr"/>
+            <a:endParaRPr lang="ru-RU"/>
+          </a:p>
+        </p:txBody>
+      </p:sp>
+      <p:sp>
+        <p:nvSpPr>
+          <p:cNvPr id="8" name="Стрелка углом вверх 7"/>
+          <p:cNvSpPr/>
+          <p:nvPr/>
+        </p:nvSpPr>
+        <p:spPr>
+          <a:xfrm rot="10800000">
+            <a:off x="2627784" y="1124744"/>
+            <a:ext cx="2016224" cy="936104"/>
+          </a:xfrm>
+          <a:prstGeom prst="bentUpArrow">
+            <a:avLst/>
+          </a:prstGeom>
+          <a:solidFill>
+            <a:schemeClr val="accent1">
+              <a:lumMod val="60000"/>
+              <a:lumOff val="40000"/>
+            </a:schemeClr>
+          </a:solidFill>
+        </p:spPr>
+        <p:style>
+          <a:lnRef idx="2">
+            <a:schemeClr val="accent1">
+              <a:shade val="50000"/>
+            </a:schemeClr>
+          </a:lnRef>
+          <a:fillRef idx="1">
+            <a:schemeClr val="accent1"/>
+          </a:fillRef>
+          <a:effectRef idx="0">
+            <a:schemeClr val="accent1"/>
+          </a:effectRef>
+          <a:fontRef idx="minor">
+            <a:schemeClr val="lt1"/>
+          </a:fontRef>
+        </p:style>
+        <p:txBody>
+          <a:bodyPr rtlCol="0" anchor="ctr"/>
+          <a:lstStyle/>
+          <a:p>
+            <a:pPr algn="ctr"/>
+            <a:endParaRPr lang="ru-RU"/>
+          </a:p>
+        </p:txBody>
+      </p:sp>
+      <p:sp>
+        <p:nvSpPr>
+          <p:cNvPr id="9" name="Стрелка вниз 8"/>
+          <p:cNvSpPr/>
+          <p:nvPr/>
+        </p:nvSpPr>
+        <p:spPr>
+          <a:xfrm>
+            <a:off x="7092280" y="2924944"/>
+            <a:ext cx="720080" cy="1800200"/>
+          </a:xfrm>
+          <a:prstGeom prst="downArrow">
+            <a:avLst/>
+          </a:prstGeom>
+          <a:solidFill>
+            <a:schemeClr val="accent6">
+              <a:lumMod val="60000"/>
+              <a:lumOff val="40000"/>
+            </a:schemeClr>
+          </a:solidFill>
+        </p:spPr>
+        <p:style>
+          <a:lnRef idx="2">
+            <a:schemeClr val="accent1">
+              <a:shade val="50000"/>
+            </a:schemeClr>
+          </a:lnRef>
+          <a:fillRef idx="1">
+            <a:schemeClr val="accent1"/>
+          </a:fillRef>
+          <a:effectRef idx="0">
+            <a:schemeClr val="accent1"/>
+          </a:effectRef>
+          <a:fontRef idx="minor">
+            <a:schemeClr val="lt1"/>
+          </a:fontRef>
+        </p:style>
+        <p:txBody>
+          <a:bodyPr rtlCol="0" anchor="ctr"/>
+          <a:lstStyle/>
+          <a:p>
+            <a:pPr algn="ctr"/>
+            <a:endParaRPr lang="ru-RU"/>
+          </a:p>
+        </p:txBody>
+      </p:sp>
+      <p:sp>
+        <p:nvSpPr>
+          <p:cNvPr id="10" name="Стрелка углом вверх 9"/>
+          <p:cNvSpPr/>
+          <p:nvPr/>
+        </p:nvSpPr>
+        <p:spPr>
+          <a:xfrm rot="5400000">
+            <a:off x="4211960" y="1340768"/>
+            <a:ext cx="1440160" cy="4608512"/>
+          </a:xfrm>
+          <a:prstGeom prst="bentUpArrow">
+            <a:avLst>
+              <a:gd name="adj1" fmla="val 25000"/>
+              <a:gd name="adj2" fmla="val 25488"/>
+              <a:gd name="adj3" fmla="val 25000"/>
+            </a:avLst>
+          </a:prstGeom>
+          <a:solidFill>
+            <a:schemeClr val="accent6">
+              <a:lumMod val="60000"/>
+              <a:lumOff val="40000"/>
+            </a:schemeClr>
+          </a:solidFill>
+        </p:spPr>
+        <p:style>
+          <a:lnRef idx="2">
+            <a:schemeClr val="accent1">
+              <a:shade val="50000"/>
+            </a:schemeClr>
+          </a:lnRef>
+          <a:fillRef idx="1">
+            <a:schemeClr val="accent1"/>
+          </a:fillRef>
+          <a:effectRef idx="0">
+            <a:schemeClr val="accent1"/>
+          </a:effectRef>
+          <a:fontRef idx="minor">
+            <a:schemeClr val="lt1"/>
+          </a:fontRef>
+        </p:style>
+        <p:txBody>
+          <a:bodyPr rtlCol="0" anchor="ctr"/>
+          <a:lstStyle/>
+          <a:p>
+            <a:pPr algn="ctr"/>
+            <a:endParaRPr lang="ru-RU"/>
+          </a:p>
+        </p:txBody>
+      </p:sp>
+      <p:sp>
+        <p:nvSpPr>
+          <p:cNvPr id="11" name="Прямоугольник 10"/>
+          <p:cNvSpPr/>
+          <p:nvPr/>
+        </p:nvSpPr>
+        <p:spPr>
+          <a:xfrm>
+            <a:off x="5796136" y="4725144"/>
+            <a:ext cx="3347864" cy="864096"/>
+          </a:xfrm>
+          <a:prstGeom prst="rect">
+            <a:avLst/>
+          </a:prstGeom>
+          <a:solidFill>
+            <a:schemeClr val="accent3">
+              <a:lumMod val="60000"/>
+              <a:lumOff val="40000"/>
+            </a:schemeClr>
+          </a:solidFill>
+        </p:spPr>
+        <p:style>
+          <a:lnRef idx="2">
+            <a:schemeClr val="accent1">
+              <a:shade val="50000"/>
+            </a:schemeClr>
+          </a:lnRef>
+          <a:fillRef idx="1">
+            <a:schemeClr val="accent1"/>
+          </a:fillRef>
+          <a:effectRef idx="0">
+            <a:schemeClr val="accent1"/>
+          </a:effectRef>
+          <a:fontRef idx="minor">
+            <a:schemeClr val="lt1"/>
+          </a:fontRef>
+        </p:style>
+        <p:txBody>
+          <a:bodyPr rtlCol="0" anchor="ctr"/>
+          <a:lstStyle/>
+          <a:p>
+            <a:pPr algn="ctr"/>
+            <a:r>
+              <a:rPr lang="en-US" sz="5400" dirty="0" smtClean="0"/>
+              <a:t>11100011</a:t>
+            </a:r>
+            <a:endParaRPr lang="ru-RU" sz="5400" dirty="0"/>
+          </a:p>
+        </p:txBody>
+      </p:sp>
+      <p:sp>
+        <p:nvSpPr>
+          <p:cNvPr id="12" name="Стрелка влево 11"/>
+          <p:cNvSpPr/>
+          <p:nvPr/>
+        </p:nvSpPr>
+        <p:spPr>
+          <a:xfrm>
+            <a:off x="3779912" y="4797152"/>
+            <a:ext cx="2016224" cy="720080"/>
+          </a:xfrm>
+          <a:prstGeom prst="leftArrow">
+            <a:avLst/>
+          </a:prstGeom>
+          <a:solidFill>
+            <a:schemeClr val="accent3">
+              <a:lumMod val="60000"/>
+              <a:lumOff val="40000"/>
+            </a:schemeClr>
+          </a:solidFill>
+        </p:spPr>
+        <p:style>
+          <a:lnRef idx="2">
+            <a:schemeClr val="accent1">
+              <a:shade val="50000"/>
+            </a:schemeClr>
+          </a:lnRef>
+          <a:fillRef idx="1">
+            <a:schemeClr val="accent1"/>
+          </a:fillRef>
+          <a:effectRef idx="0">
+            <a:schemeClr val="accent1"/>
+          </a:effectRef>
+          <a:fontRef idx="minor">
+            <a:schemeClr val="lt1"/>
+          </a:fontRef>
+        </p:style>
+        <p:txBody>
+          <a:bodyPr rtlCol="0" anchor="ctr"/>
+          <a:lstStyle/>
+          <a:p>
+            <a:pPr algn="ctr"/>
+            <a:endParaRPr lang="ru-RU"/>
+          </a:p>
+        </p:txBody>
+      </p:sp>
+      <p:sp>
+        <p:nvSpPr>
+          <p:cNvPr id="13" name="Прямоугольник 12"/>
+          <p:cNvSpPr/>
+          <p:nvPr/>
+        </p:nvSpPr>
+        <p:spPr>
+          <a:xfrm>
+            <a:off x="395536" y="4725144"/>
+            <a:ext cx="3384376" cy="864096"/>
+          </a:xfrm>
+          <a:prstGeom prst="rect">
+            <a:avLst/>
+          </a:prstGeom>
+          <a:solidFill>
+            <a:schemeClr val="accent2">
+              <a:lumMod val="60000"/>
+              <a:lumOff val="40000"/>
+            </a:schemeClr>
+          </a:solidFill>
+        </p:spPr>
+        <p:style>
+          <a:lnRef idx="2">
+            <a:schemeClr val="accent1">
+              <a:shade val="50000"/>
+            </a:schemeClr>
+          </a:lnRef>
+          <a:fillRef idx="1">
+            <a:schemeClr val="accent1"/>
+          </a:fillRef>
+          <a:effectRef idx="0">
+            <a:schemeClr val="accent1"/>
+          </a:effectRef>
+          <a:fontRef idx="minor">
+            <a:schemeClr val="lt1"/>
+          </a:fontRef>
+        </p:style>
+        <p:txBody>
+          <a:bodyPr rtlCol="0" anchor="ctr"/>
+          <a:lstStyle/>
+          <a:p>
+            <a:pPr algn="ctr"/>
+            <a:r>
+              <a:rPr lang="en-US" sz="5400" dirty="0" smtClean="0"/>
+              <a:t>ã</a:t>
+            </a:r>
+            <a:endParaRPr lang="ru-RU" sz="5400" dirty="0"/>
+          </a:p>
+        </p:txBody>
+      </p:sp>
     </p:spTree>
-    <p:extLst>
-      <p:ext uri="{BB962C8B-B14F-4D97-AF65-F5344CB8AC3E}">
-        <p14:creationId xmlns:p14="http://schemas.microsoft.com/office/powerpoint/2010/main" val="786034450"/>
-      </p:ext>
-    </p:extLst>
   </p:cSld>
   <p:clrMapOvr>
     <a:masterClrMapping/>
@@ -4382,7 +4048,7 @@
         </p:nvSpPr>
         <p:spPr>
           <a:xfrm>
-            <a:off x="0" y="274638"/>
+            <a:off x="0" y="-243408"/>
             <a:ext cx="9144000" cy="1143000"/>
           </a:xfrm>
         </p:spPr>
@@ -4391,113 +4057,118 @@
           <a:lstStyle/>
           <a:p>
             <a:r>
-              <a:rPr lang="ru-RU" b="1" dirty="0" smtClean="0">
-                <a:solidFill>
-                  <a:schemeClr val="accent1">
-                    <a:lumMod val="60000"/>
-                    <a:lumOff val="40000"/>
-                  </a:schemeClr>
-                </a:solidFill>
-              </a:rPr>
-              <a:t>Шифровальщик</a:t>
-            </a:r>
-            <a:endParaRPr lang="ru-RU" b="1" dirty="0">
-              <a:solidFill>
-                <a:schemeClr val="accent1">
-                  <a:lumMod val="60000"/>
-                  <a:lumOff val="40000"/>
-                </a:schemeClr>
-              </a:solidFill>
-            </a:endParaRPr>
-          </a:p>
-        </p:txBody>
-      </p:sp>
-      <p:sp>
-        <p:nvSpPr>
-          <p:cNvPr id="3" name="Объект 2"/>
-          <p:cNvSpPr>
-            <a:spLocks noGrp="1"/>
-          </p:cNvSpPr>
-          <p:nvPr>
-            <p:ph idx="1"/>
-          </p:nvPr>
-        </p:nvSpPr>
-        <p:spPr>
-          <a:xfrm>
-            <a:off x="0" y="5301208"/>
-            <a:ext cx="9144000" cy="1556792"/>
-          </a:xfrm>
-        </p:spPr>
-        <p:txBody>
-          <a:bodyPr/>
-          <a:lstStyle/>
-          <a:p>
-            <a:pPr marL="0" indent="0">
-              <a:buNone/>
-            </a:pPr>
-            <a:r>
               <a:rPr lang="ru-RU" dirty="0" smtClean="0"/>
-              <a:t>Тест, выводящий коды всех символов </a:t>
-            </a:r>
-            <a:r>
-              <a:rPr lang="en-US" dirty="0" smtClean="0"/>
-              <a:t>Unicode</a:t>
-            </a:r>
-            <a:r>
-              <a:rPr lang="ru-RU" dirty="0" smtClean="0"/>
-              <a:t>, зашифрованные при помощи правила 110.</a:t>
+              <a:t>Коллизии</a:t>
             </a:r>
             <a:endParaRPr lang="ru-RU" dirty="0"/>
           </a:p>
         </p:txBody>
       </p:sp>
-      <p:pic>
-        <p:nvPicPr>
-          <p:cNvPr id="4098" name="Picture 2" descr="https://cs7062.userapi.com/c636323/v636323294/4ff6d/q1poKKc0w18.jpg"/>
-          <p:cNvPicPr>
-            <a:picLocks noChangeAspect="1" noChangeArrowheads="1"/>
-          </p:cNvPicPr>
+      <p:sp>
+        <p:nvSpPr>
+          <p:cNvPr id="4" name="Овал 3"/>
+          <p:cNvSpPr/>
           <p:nvPr/>
-        </p:nvPicPr>
-        <p:blipFill>
-          <a:blip r:embed="rId2">
-            <a:extLst>
-              <a:ext uri="{28A0092B-C50C-407E-A947-70E740481C1C}">
-                <a14:useLocalDpi xmlns:a14="http://schemas.microsoft.com/office/drawing/2010/main" val="0"/>
-              </a:ext>
-            </a:extLst>
-          </a:blip>
-          <a:srcRect/>
-          <a:stretch>
-            <a:fillRect/>
-          </a:stretch>
-        </p:blipFill>
-        <p:spPr bwMode="auto">
-          <a:xfrm>
-            <a:off x="2987824" y="1196752"/>
-            <a:ext cx="2759968" cy="4139952"/>
-          </a:xfrm>
-          <a:prstGeom prst="rect">
+        </p:nvSpPr>
+        <p:spPr>
+          <a:xfrm>
+            <a:off x="0" y="620688"/>
+            <a:ext cx="7056784" cy="6237312"/>
+          </a:xfrm>
+          <a:prstGeom prst="ellipse">
             <a:avLst/>
           </a:prstGeom>
-          <a:noFill/>
-          <a:extLst>
-            <a:ext uri="{909E8E84-426E-40DD-AFC4-6F175D3DCCD1}">
-              <a14:hiddenFill xmlns:a14="http://schemas.microsoft.com/office/drawing/2010/main">
-                <a:solidFill>
-                  <a:srgbClr val="FFFFFF"/>
-                </a:solidFill>
-              </a14:hiddenFill>
-            </a:ext>
-          </a:extLst>
-        </p:spPr>
-      </p:pic>
+          <a:solidFill>
+            <a:schemeClr val="bg2">
+              <a:lumMod val="90000"/>
+            </a:schemeClr>
+          </a:solidFill>
+        </p:spPr>
+        <p:style>
+          <a:lnRef idx="2">
+            <a:schemeClr val="accent1">
+              <a:shade val="50000"/>
+            </a:schemeClr>
+          </a:lnRef>
+          <a:fillRef idx="1">
+            <a:schemeClr val="accent1"/>
+          </a:fillRef>
+          <a:effectRef idx="0">
+            <a:schemeClr val="accent1"/>
+          </a:effectRef>
+          <a:fontRef idx="minor">
+            <a:schemeClr val="lt1"/>
+          </a:fontRef>
+        </p:style>
+        <p:txBody>
+          <a:bodyPr rtlCol="0" anchor="ctr"/>
+          <a:lstStyle/>
+          <a:p>
+            <a:pPr algn="ctr"/>
+            <a:r>
+              <a:rPr lang="ru-RU" sz="5400" dirty="0" smtClean="0"/>
+              <a:t>Ключи</a:t>
+            </a:r>
+          </a:p>
+          <a:p>
+            <a:pPr algn="ctr"/>
+            <a:endParaRPr lang="ru-RU" sz="5400" dirty="0" smtClean="0"/>
+          </a:p>
+          <a:p>
+            <a:pPr algn="ctr"/>
+            <a:endParaRPr lang="ru-RU" sz="5400" dirty="0" smtClean="0"/>
+          </a:p>
+          <a:p>
+            <a:pPr algn="ctr"/>
+            <a:endParaRPr lang="ru-RU" sz="5400" dirty="0"/>
+          </a:p>
+        </p:txBody>
+      </p:sp>
+      <p:sp>
+        <p:nvSpPr>
+          <p:cNvPr id="5" name="Овал 4"/>
+          <p:cNvSpPr/>
+          <p:nvPr/>
+        </p:nvSpPr>
+        <p:spPr>
+          <a:xfrm>
+            <a:off x="755576" y="3284984"/>
+            <a:ext cx="3240360" cy="3024336"/>
+          </a:xfrm>
+          <a:prstGeom prst="ellipse">
+            <a:avLst/>
+          </a:prstGeom>
+        </p:spPr>
+        <p:style>
+          <a:lnRef idx="2">
+            <a:schemeClr val="accent1">
+              <a:shade val="50000"/>
+            </a:schemeClr>
+          </a:lnRef>
+          <a:fillRef idx="1">
+            <a:schemeClr val="accent1"/>
+          </a:fillRef>
+          <a:effectRef idx="0">
+            <a:schemeClr val="accent1"/>
+          </a:effectRef>
+          <a:fontRef idx="minor">
+            <a:schemeClr val="lt1"/>
+          </a:fontRef>
+        </p:style>
+        <p:txBody>
+          <a:bodyPr rtlCol="0" anchor="ctr"/>
+          <a:lstStyle/>
+          <a:p>
+            <a:pPr algn="ctr"/>
+            <a:r>
+              <a:rPr lang="ru-RU" sz="3200" dirty="0" smtClean="0"/>
+              <a:t>15 51 85 105 150 170 204 240</a:t>
+            </a:r>
+            <a:endParaRPr lang="ru-RU" sz="3200" dirty="0"/>
+          </a:p>
+        </p:txBody>
+      </p:sp>
     </p:spTree>
-    <p:extLst>
-      <p:ext uri="{BB962C8B-B14F-4D97-AF65-F5344CB8AC3E}">
-        <p14:creationId xmlns:p14="http://schemas.microsoft.com/office/powerpoint/2010/main" val="4152348399"/>
-      </p:ext>
-    </p:extLst>
   </p:cSld>
   <p:clrMapOvr>
     <a:masterClrMapping/>
@@ -4534,7 +4205,7 @@
         </p:nvSpPr>
         <p:spPr>
           <a:xfrm>
-            <a:off x="0" y="274638"/>
+            <a:off x="0" y="-315416"/>
             <a:ext cx="9144000" cy="1143000"/>
           </a:xfrm>
         </p:spPr>
@@ -4543,128 +4214,289 @@
           <a:lstStyle/>
           <a:p>
             <a:r>
-              <a:rPr lang="ru-RU" b="1" dirty="0" smtClean="0">
-                <a:solidFill>
-                  <a:schemeClr val="accent1">
-                    <a:lumMod val="60000"/>
-                    <a:lumOff val="40000"/>
-                  </a:schemeClr>
-                </a:solidFill>
-              </a:rPr>
-              <a:t>Коллизии</a:t>
-            </a:r>
-            <a:endParaRPr lang="ru-RU" b="1" dirty="0">
-              <a:solidFill>
-                <a:schemeClr val="accent1">
-                  <a:lumMod val="60000"/>
-                  <a:lumOff val="40000"/>
-                </a:schemeClr>
-              </a:solidFill>
-            </a:endParaRPr>
-          </a:p>
-        </p:txBody>
-      </p:sp>
-      <p:sp>
-        <p:nvSpPr>
-          <p:cNvPr id="3" name="Объект 2"/>
-          <p:cNvSpPr>
-            <a:spLocks noGrp="1"/>
-          </p:cNvSpPr>
-          <p:nvPr>
-            <p:ph idx="1"/>
-          </p:nvPr>
-        </p:nvSpPr>
-        <p:spPr/>
-        <p:txBody>
-          <a:bodyPr/>
-          <a:lstStyle/>
-          <a:p>
-            <a:pPr marL="0" indent="0">
-              <a:buNone/>
-            </a:pPr>
-            <a:r>
-              <a:rPr lang="en-US" dirty="0" smtClean="0"/>
-              <a:t>Lime = time</a:t>
-            </a:r>
-          </a:p>
-          <a:p>
-            <a:pPr marL="0" indent="0">
-              <a:buNone/>
-            </a:pPr>
-            <a:r>
-              <a:rPr lang="en-US" dirty="0" smtClean="0"/>
-              <a:t>Look = took</a:t>
-            </a:r>
-          </a:p>
-          <a:p>
-            <a:pPr marL="0" indent="0">
-              <a:buNone/>
-            </a:pPr>
-            <a:r>
-              <a:rPr lang="en-US" dirty="0" smtClean="0"/>
-              <a:t>Light = tight</a:t>
-            </a:r>
-          </a:p>
-          <a:p>
-            <a:pPr marL="0" indent="0">
-              <a:buNone/>
-            </a:pPr>
-            <a:r>
               <a:rPr lang="ru-RU" dirty="0" smtClean="0"/>
-              <a:t>Как такое возможно?</a:t>
-            </a:r>
-          </a:p>
-          <a:p>
-            <a:pPr marL="0" indent="0">
-              <a:buNone/>
-            </a:pPr>
-            <a:r>
-              <a:rPr lang="ru-RU" dirty="0" smtClean="0"/>
-              <a:t>Потому что </a:t>
-            </a:r>
-            <a:r>
-              <a:rPr lang="en-US" dirty="0" smtClean="0"/>
-              <a:t>L </a:t>
-            </a:r>
-            <a:r>
-              <a:rPr lang="ru-RU" dirty="0" smtClean="0"/>
-              <a:t>и </a:t>
-            </a:r>
-            <a:r>
-              <a:rPr lang="en-US" dirty="0" smtClean="0"/>
-              <a:t>t </a:t>
-            </a:r>
-            <a:r>
-              <a:rPr lang="ru-RU" dirty="0" smtClean="0"/>
-              <a:t>одинаково шифруются в </a:t>
-            </a:r>
-            <a:r>
-              <a:rPr lang="en-US" dirty="0" smtClean="0"/>
-              <a:t>Ü</a:t>
-            </a:r>
-            <a:r>
-              <a:rPr lang="ru-RU" dirty="0" smtClean="0"/>
-              <a:t>.</a:t>
-            </a:r>
-          </a:p>
-          <a:p>
-            <a:pPr marL="0" indent="0">
-              <a:buNone/>
-            </a:pPr>
-            <a:r>
-              <a:rPr lang="ru-RU" dirty="0" smtClean="0"/>
-              <a:t>И такие случаи не редкость в правиле 110.</a:t>
+              <a:t>Дешифрование</a:t>
             </a:r>
             <a:endParaRPr lang="ru-RU" dirty="0"/>
           </a:p>
         </p:txBody>
       </p:sp>
+      <p:sp>
+        <p:nvSpPr>
+          <p:cNvPr id="4" name="Прямоугольник 3"/>
+          <p:cNvSpPr/>
+          <p:nvPr/>
+        </p:nvSpPr>
+        <p:spPr>
+          <a:xfrm>
+            <a:off x="323528" y="620688"/>
+            <a:ext cx="3744416" cy="936104"/>
+          </a:xfrm>
+          <a:prstGeom prst="rect">
+            <a:avLst/>
+          </a:prstGeom>
+        </p:spPr>
+        <p:style>
+          <a:lnRef idx="2">
+            <a:schemeClr val="accent1">
+              <a:shade val="50000"/>
+            </a:schemeClr>
+          </a:lnRef>
+          <a:fillRef idx="1">
+            <a:schemeClr val="accent1"/>
+          </a:fillRef>
+          <a:effectRef idx="0">
+            <a:schemeClr val="accent1"/>
+          </a:effectRef>
+          <a:fontRef idx="minor">
+            <a:schemeClr val="lt1"/>
+          </a:fontRef>
+        </p:style>
+        <p:txBody>
+          <a:bodyPr rtlCol="0" anchor="ctr"/>
+          <a:lstStyle/>
+          <a:p>
+            <a:pPr algn="ctr"/>
+            <a:r>
+              <a:rPr lang="ru-RU" sz="5400" dirty="0" smtClean="0"/>
+              <a:t>240 </a:t>
+            </a:r>
+            <a:r>
+              <a:rPr lang="en-US" sz="5400" dirty="0" smtClean="0"/>
+              <a:t>a</a:t>
+            </a:r>
+            <a:endParaRPr lang="ru-RU" sz="5400" dirty="0"/>
+          </a:p>
+        </p:txBody>
+      </p:sp>
+      <p:sp>
+        <p:nvSpPr>
+          <p:cNvPr id="5" name="Стрелка вниз 4"/>
+          <p:cNvSpPr/>
+          <p:nvPr/>
+        </p:nvSpPr>
+        <p:spPr>
+          <a:xfrm>
+            <a:off x="1835696" y="1556792"/>
+            <a:ext cx="720080" cy="720080"/>
+          </a:xfrm>
+          <a:prstGeom prst="downArrow">
+            <a:avLst/>
+          </a:prstGeom>
+        </p:spPr>
+        <p:style>
+          <a:lnRef idx="2">
+            <a:schemeClr val="accent1">
+              <a:shade val="50000"/>
+            </a:schemeClr>
+          </a:lnRef>
+          <a:fillRef idx="1">
+            <a:schemeClr val="accent1"/>
+          </a:fillRef>
+          <a:effectRef idx="0">
+            <a:schemeClr val="accent1"/>
+          </a:effectRef>
+          <a:fontRef idx="minor">
+            <a:schemeClr val="lt1"/>
+          </a:fontRef>
+        </p:style>
+        <p:txBody>
+          <a:bodyPr rtlCol="0" anchor="ctr"/>
+          <a:lstStyle/>
+          <a:p>
+            <a:pPr algn="ctr"/>
+            <a:endParaRPr lang="ru-RU"/>
+          </a:p>
+        </p:txBody>
+      </p:sp>
+      <p:sp>
+        <p:nvSpPr>
+          <p:cNvPr id="6" name="Прямоугольник 5"/>
+          <p:cNvSpPr/>
+          <p:nvPr/>
+        </p:nvSpPr>
+        <p:spPr>
+          <a:xfrm>
+            <a:off x="323528" y="2276872"/>
+            <a:ext cx="3744416" cy="936104"/>
+          </a:xfrm>
+          <a:prstGeom prst="rect">
+            <a:avLst/>
+          </a:prstGeom>
+          <a:solidFill>
+            <a:schemeClr val="bg2">
+              <a:lumMod val="75000"/>
+            </a:schemeClr>
+          </a:solidFill>
+        </p:spPr>
+        <p:style>
+          <a:lnRef idx="2">
+            <a:schemeClr val="accent1">
+              <a:shade val="50000"/>
+            </a:schemeClr>
+          </a:lnRef>
+          <a:fillRef idx="1">
+            <a:schemeClr val="accent1"/>
+          </a:fillRef>
+          <a:effectRef idx="0">
+            <a:schemeClr val="accent1"/>
+          </a:effectRef>
+          <a:fontRef idx="minor">
+            <a:schemeClr val="lt1"/>
+          </a:fontRef>
+        </p:style>
+        <p:txBody>
+          <a:bodyPr rtlCol="0" anchor="ctr"/>
+          <a:lstStyle/>
+          <a:p>
+            <a:pPr algn="ctr"/>
+            <a:r>
+              <a:rPr lang="en-US" sz="5400" dirty="0" smtClean="0"/>
+              <a:t>0</a:t>
+            </a:r>
+            <a:endParaRPr lang="ru-RU" sz="5400" dirty="0"/>
+          </a:p>
+        </p:txBody>
+      </p:sp>
+      <p:sp>
+        <p:nvSpPr>
+          <p:cNvPr id="7" name="Прямоугольник 6"/>
+          <p:cNvSpPr/>
+          <p:nvPr/>
+        </p:nvSpPr>
+        <p:spPr>
+          <a:xfrm>
+            <a:off x="5076056" y="620688"/>
+            <a:ext cx="3744416" cy="936104"/>
+          </a:xfrm>
+          <a:prstGeom prst="rect">
+            <a:avLst/>
+          </a:prstGeom>
+          <a:solidFill>
+            <a:schemeClr val="bg2">
+              <a:lumMod val="75000"/>
+            </a:schemeClr>
+          </a:solidFill>
+        </p:spPr>
+        <p:style>
+          <a:lnRef idx="2">
+            <a:schemeClr val="accent1">
+              <a:shade val="50000"/>
+            </a:schemeClr>
+          </a:lnRef>
+          <a:fillRef idx="1">
+            <a:schemeClr val="accent1"/>
+          </a:fillRef>
+          <a:effectRef idx="0">
+            <a:schemeClr val="accent1"/>
+          </a:effectRef>
+          <a:fontRef idx="minor">
+            <a:schemeClr val="lt1"/>
+          </a:fontRef>
+        </p:style>
+        <p:txBody>
+          <a:bodyPr rtlCol="0" anchor="ctr"/>
+          <a:lstStyle/>
+          <a:p>
+            <a:pPr algn="ctr"/>
+            <a:r>
+              <a:rPr lang="en-US" sz="5400" dirty="0" smtClean="0"/>
+              <a:t>170 0</a:t>
+            </a:r>
+            <a:endParaRPr lang="ru-RU" sz="5400" dirty="0"/>
+          </a:p>
+        </p:txBody>
+      </p:sp>
+      <p:sp>
+        <p:nvSpPr>
+          <p:cNvPr id="8" name="Стрелка вниз 7"/>
+          <p:cNvSpPr/>
+          <p:nvPr/>
+        </p:nvSpPr>
+        <p:spPr>
+          <a:xfrm>
+            <a:off x="6516216" y="1556792"/>
+            <a:ext cx="792088" cy="720080"/>
+          </a:xfrm>
+          <a:prstGeom prst="downArrow">
+            <a:avLst/>
+          </a:prstGeom>
+          <a:solidFill>
+            <a:schemeClr val="bg2">
+              <a:lumMod val="75000"/>
+            </a:schemeClr>
+          </a:solidFill>
+        </p:spPr>
+        <p:style>
+          <a:lnRef idx="2">
+            <a:schemeClr val="accent1">
+              <a:shade val="50000"/>
+            </a:schemeClr>
+          </a:lnRef>
+          <a:fillRef idx="1">
+            <a:schemeClr val="accent1"/>
+          </a:fillRef>
+          <a:effectRef idx="0">
+            <a:schemeClr val="accent1"/>
+          </a:effectRef>
+          <a:fontRef idx="minor">
+            <a:schemeClr val="lt1"/>
+          </a:fontRef>
+        </p:style>
+        <p:txBody>
+          <a:bodyPr rtlCol="0" anchor="ctr"/>
+          <a:lstStyle/>
+          <a:p>
+            <a:pPr algn="ctr"/>
+            <a:endParaRPr lang="ru-RU"/>
+          </a:p>
+        </p:txBody>
+      </p:sp>
+      <p:sp>
+        <p:nvSpPr>
+          <p:cNvPr id="9" name="Прямоугольник 8"/>
+          <p:cNvSpPr/>
+          <p:nvPr/>
+        </p:nvSpPr>
+        <p:spPr>
+          <a:xfrm>
+            <a:off x="5076056" y="2276872"/>
+            <a:ext cx="3744416" cy="936104"/>
+          </a:xfrm>
+          <a:prstGeom prst="rect">
+            <a:avLst/>
+          </a:prstGeom>
+        </p:spPr>
+        <p:style>
+          <a:lnRef idx="2">
+            <a:schemeClr val="accent1">
+              <a:shade val="50000"/>
+            </a:schemeClr>
+          </a:lnRef>
+          <a:fillRef idx="1">
+            <a:schemeClr val="accent1"/>
+          </a:fillRef>
+          <a:effectRef idx="0">
+            <a:schemeClr val="accent1"/>
+          </a:effectRef>
+          <a:fontRef idx="minor">
+            <a:schemeClr val="lt1"/>
+          </a:fontRef>
+        </p:style>
+        <p:txBody>
+          <a:bodyPr rtlCol="0" anchor="ctr"/>
+          <a:lstStyle/>
+          <a:p>
+            <a:pPr algn="ctr"/>
+            <a:r>
+              <a:rPr lang="en-US" sz="5400" dirty="0" smtClean="0"/>
+              <a:t>a</a:t>
+            </a:r>
+            <a:endParaRPr lang="ru-RU" sz="5400" dirty="0"/>
+          </a:p>
+        </p:txBody>
+      </p:sp>
     </p:spTree>
-    <p:extLst>
-      <p:ext uri="{BB962C8B-B14F-4D97-AF65-F5344CB8AC3E}">
-        <p14:creationId xmlns:p14="http://schemas.microsoft.com/office/powerpoint/2010/main" val="1288766038"/>
-      </p:ext>
-    </p:extLst>
   </p:cSld>
   <p:clrMapOvr>
     <a:masterClrMapping/>
@@ -4701,7 +4533,7 @@
         </p:nvSpPr>
         <p:spPr>
           <a:xfrm>
-            <a:off x="0" y="274638"/>
+            <a:off x="0" y="-315416"/>
             <a:ext cx="9144000" cy="1143000"/>
           </a:xfrm>
         </p:spPr>
@@ -4710,115 +4542,252 @@
           <a:lstStyle/>
           <a:p>
             <a:r>
-              <a:rPr lang="ru-RU" b="1" dirty="0" smtClean="0">
-                <a:solidFill>
-                  <a:schemeClr val="accent1">
-                    <a:lumMod val="60000"/>
-                    <a:lumOff val="40000"/>
-                  </a:schemeClr>
-                </a:solidFill>
-              </a:rPr>
-              <a:t>Многобайтовые кодировки</a:t>
-            </a:r>
-            <a:endParaRPr lang="ru-RU" b="1" dirty="0">
-              <a:solidFill>
-                <a:schemeClr val="accent1">
-                  <a:lumMod val="60000"/>
-                  <a:lumOff val="40000"/>
-                </a:schemeClr>
-              </a:solidFill>
-            </a:endParaRPr>
-          </a:p>
-        </p:txBody>
-      </p:sp>
-      <p:sp>
-        <p:nvSpPr>
-          <p:cNvPr id="3" name="Объект 2"/>
-          <p:cNvSpPr>
-            <a:spLocks noGrp="1"/>
-          </p:cNvSpPr>
-          <p:nvPr>
-            <p:ph idx="1"/>
-          </p:nvPr>
-        </p:nvSpPr>
-        <p:spPr>
-          <a:xfrm>
-            <a:off x="0" y="5445224"/>
-            <a:ext cx="9144000" cy="1412776"/>
-          </a:xfrm>
-        </p:spPr>
-        <p:txBody>
-          <a:bodyPr>
-            <a:normAutofit lnSpcReduction="10000"/>
-          </a:bodyPr>
-          <a:lstStyle/>
-          <a:p>
-            <a:pPr marL="0" indent="0">
-              <a:buNone/>
-            </a:pPr>
-            <a:r>
               <a:rPr lang="ru-RU" dirty="0" smtClean="0"/>
-              <a:t>Точный размер переменных не определён в стандарте </a:t>
-            </a:r>
-            <a:r>
-              <a:rPr lang="en-US" dirty="0" smtClean="0"/>
-              <a:t>C++</a:t>
-            </a:r>
-            <a:r>
-              <a:rPr lang="ru-RU" dirty="0" smtClean="0"/>
-              <a:t>. Но определены минимальные границы значений.</a:t>
+              <a:t>Реализация</a:t>
             </a:r>
             <a:endParaRPr lang="ru-RU" dirty="0"/>
           </a:p>
         </p:txBody>
       </p:sp>
-      <p:pic>
-        <p:nvPicPr>
-          <p:cNvPr id="5122" name="Picture 2" descr="http://codel10n.com/wp-content/uploads/2015/06/unicode-8-1024x1024.png"/>
-          <p:cNvPicPr>
-            <a:picLocks noChangeAspect="1" noChangeArrowheads="1"/>
-          </p:cNvPicPr>
+      <p:sp>
+        <p:nvSpPr>
+          <p:cNvPr id="5" name="Овал 4"/>
+          <p:cNvSpPr/>
           <p:nvPr/>
-        </p:nvPicPr>
-        <p:blipFill>
-          <a:blip r:embed="rId2" cstate="print">
-            <a:extLst>
-              <a:ext uri="{28A0092B-C50C-407E-A947-70E740481C1C}">
-                <a14:useLocalDpi xmlns:a14="http://schemas.microsoft.com/office/drawing/2010/main" val="0"/>
-              </a:ext>
-            </a:extLst>
-          </a:blip>
-          <a:srcRect/>
-          <a:stretch>
-            <a:fillRect/>
-          </a:stretch>
-        </p:blipFill>
-        <p:spPr bwMode="auto">
-          <a:xfrm>
-            <a:off x="2771800" y="1628800"/>
-            <a:ext cx="3560912" cy="3560913"/>
+        </p:nvSpPr>
+        <p:spPr>
+          <a:xfrm>
+            <a:off x="1331640" y="764704"/>
+            <a:ext cx="6264696" cy="5832648"/>
+          </a:xfrm>
+          <a:prstGeom prst="ellipse">
+            <a:avLst/>
+          </a:prstGeom>
+        </p:spPr>
+        <p:style>
+          <a:lnRef idx="2">
+            <a:schemeClr val="accent1">
+              <a:shade val="50000"/>
+            </a:schemeClr>
+          </a:lnRef>
+          <a:fillRef idx="1">
+            <a:schemeClr val="accent1"/>
+          </a:fillRef>
+          <a:effectRef idx="0">
+            <a:schemeClr val="accent1"/>
+          </a:effectRef>
+          <a:fontRef idx="minor">
+            <a:schemeClr val="lt1"/>
+          </a:fontRef>
+        </p:style>
+        <p:txBody>
+          <a:bodyPr rtlCol="0" anchor="ctr"/>
+          <a:lstStyle/>
+          <a:p>
+            <a:pPr algn="ctr"/>
+            <a:r>
+              <a:rPr lang="ru-RU" sz="5400" dirty="0" smtClean="0"/>
+              <a:t>Класс</a:t>
+            </a:r>
+            <a:r>
+              <a:rPr lang="en-US" sz="5400" dirty="0" smtClean="0"/>
+              <a:t> Field</a:t>
+            </a:r>
+            <a:r>
+              <a:rPr lang="ru-RU" sz="5400" dirty="0" smtClean="0"/>
+              <a:t> </a:t>
+            </a:r>
+            <a:endParaRPr lang="ru-RU" sz="5400" dirty="0"/>
+          </a:p>
+        </p:txBody>
+      </p:sp>
+      <p:sp>
+        <p:nvSpPr>
+          <p:cNvPr id="6" name="TextBox 5"/>
+          <p:cNvSpPr txBox="1"/>
+          <p:nvPr/>
+        </p:nvSpPr>
+        <p:spPr>
+          <a:xfrm>
+            <a:off x="3347864" y="1844824"/>
+            <a:ext cx="1241237" cy="584775"/>
           </a:xfrm>
           <a:prstGeom prst="rect">
             <a:avLst/>
           </a:prstGeom>
           <a:noFill/>
-          <a:extLst>
-            <a:ext uri="{909E8E84-426E-40DD-AFC4-6F175D3DCCD1}">
-              <a14:hiddenFill xmlns:a14="http://schemas.microsoft.com/office/drawing/2010/main">
+        </p:spPr>
+        <p:txBody>
+          <a:bodyPr wrap="none" rtlCol="0">
+            <a:spAutoFit/>
+          </a:bodyPr>
+          <a:lstStyle/>
+          <a:p>
+            <a:r>
+              <a:rPr lang="en-US" sz="3200" dirty="0" smtClean="0">
                 <a:solidFill>
-                  <a:srgbClr val="FFFFFF"/>
+                  <a:schemeClr val="bg1"/>
                 </a:solidFill>
-              </a14:hiddenFill>
-            </a:ext>
-          </a:extLst>
-        </p:spPr>
-      </p:pic>
+              </a:rPr>
+              <a:t>length</a:t>
+            </a:r>
+            <a:endParaRPr lang="ru-RU" sz="3200" dirty="0">
+              <a:solidFill>
+                <a:schemeClr val="bg1"/>
+              </a:solidFill>
+            </a:endParaRPr>
+          </a:p>
+        </p:txBody>
+      </p:sp>
+      <p:sp>
+        <p:nvSpPr>
+          <p:cNvPr id="7" name="TextBox 6"/>
+          <p:cNvSpPr txBox="1"/>
+          <p:nvPr/>
+        </p:nvSpPr>
+        <p:spPr>
+          <a:xfrm>
+            <a:off x="4139952" y="5229200"/>
+            <a:ext cx="1408206" cy="584775"/>
+          </a:xfrm>
+          <a:prstGeom prst="rect">
+            <a:avLst/>
+          </a:prstGeom>
+          <a:noFill/>
+        </p:spPr>
+        <p:txBody>
+          <a:bodyPr wrap="none" rtlCol="0">
+            <a:spAutoFit/>
+          </a:bodyPr>
+          <a:lstStyle/>
+          <a:p>
+            <a:r>
+              <a:rPr lang="en-US" sz="3200" dirty="0" smtClean="0">
+                <a:solidFill>
+                  <a:schemeClr val="bg1"/>
+                </a:solidFill>
+              </a:rPr>
+              <a:t>current</a:t>
+            </a:r>
+            <a:endParaRPr lang="ru-RU" sz="3200" dirty="0">
+              <a:solidFill>
+                <a:schemeClr val="bg1"/>
+              </a:solidFill>
+            </a:endParaRPr>
+          </a:p>
+        </p:txBody>
+      </p:sp>
+      <p:sp>
+        <p:nvSpPr>
+          <p:cNvPr id="8" name="TextBox 7"/>
+          <p:cNvSpPr txBox="1"/>
+          <p:nvPr/>
+        </p:nvSpPr>
+        <p:spPr>
+          <a:xfrm>
+            <a:off x="2195736" y="4581128"/>
+            <a:ext cx="915443" cy="584775"/>
+          </a:xfrm>
+          <a:prstGeom prst="rect">
+            <a:avLst/>
+          </a:prstGeom>
+          <a:noFill/>
+        </p:spPr>
+        <p:txBody>
+          <a:bodyPr wrap="none" rtlCol="0">
+            <a:spAutoFit/>
+          </a:bodyPr>
+          <a:lstStyle/>
+          <a:p>
+            <a:r>
+              <a:rPr lang="en-US" sz="3200" dirty="0" smtClean="0">
+                <a:solidFill>
+                  <a:schemeClr val="bg1"/>
+                </a:solidFill>
+              </a:rPr>
+              <a:t>next</a:t>
+            </a:r>
+            <a:endParaRPr lang="ru-RU" sz="3200" dirty="0">
+              <a:solidFill>
+                <a:schemeClr val="bg1"/>
+              </a:solidFill>
+            </a:endParaRPr>
+          </a:p>
+        </p:txBody>
+      </p:sp>
+      <p:sp>
+        <p:nvSpPr>
+          <p:cNvPr id="9" name="TextBox 8"/>
+          <p:cNvSpPr txBox="1"/>
+          <p:nvPr/>
+        </p:nvSpPr>
+        <p:spPr>
+          <a:xfrm>
+            <a:off x="5724128" y="2492896"/>
+            <a:ext cx="841897" cy="584775"/>
+          </a:xfrm>
+          <a:prstGeom prst="rect">
+            <a:avLst/>
+          </a:prstGeom>
+          <a:noFill/>
+        </p:spPr>
+        <p:txBody>
+          <a:bodyPr wrap="none" rtlCol="0">
+            <a:spAutoFit/>
+          </a:bodyPr>
+          <a:lstStyle/>
+          <a:p>
+            <a:r>
+              <a:rPr lang="en-US" sz="3200" dirty="0" smtClean="0">
+                <a:solidFill>
+                  <a:schemeClr val="bg1"/>
+                </a:solidFill>
+              </a:rPr>
+              <a:t>rule</a:t>
+            </a:r>
+            <a:endParaRPr lang="ru-RU" sz="3200" dirty="0">
+              <a:solidFill>
+                <a:schemeClr val="bg1"/>
+              </a:solidFill>
+            </a:endParaRPr>
+          </a:p>
+        </p:txBody>
+      </p:sp>
+      <p:sp>
+        <p:nvSpPr>
+          <p:cNvPr id="10" name="TextBox 9"/>
+          <p:cNvSpPr txBox="1"/>
+          <p:nvPr/>
+        </p:nvSpPr>
+        <p:spPr>
+          <a:xfrm>
+            <a:off x="683568" y="2204864"/>
+            <a:ext cx="1710918" cy="584775"/>
+          </a:xfrm>
+          <a:prstGeom prst="rect">
+            <a:avLst/>
+          </a:prstGeom>
+          <a:noFill/>
+        </p:spPr>
+        <p:txBody>
+          <a:bodyPr wrap="none" rtlCol="0">
+            <a:spAutoFit/>
+          </a:bodyPr>
+          <a:lstStyle/>
+          <a:p>
+            <a:r>
+              <a:rPr lang="en-US" sz="3200" dirty="0" smtClean="0"/>
+              <a:t>e</a:t>
+            </a:r>
+            <a:r>
+              <a:rPr lang="en-US" sz="3200" dirty="0" smtClean="0"/>
+              <a:t>ncrypt()</a:t>
+            </a:r>
+            <a:endParaRPr lang="ru-RU" sz="3200" dirty="0"/>
+          </a:p>
+        </p:txBody>
+      </p:sp>
     </p:spTree>
-    <p:extLst>
-      <p:ext uri="{BB962C8B-B14F-4D97-AF65-F5344CB8AC3E}">
-        <p14:creationId xmlns:p14="http://schemas.microsoft.com/office/powerpoint/2010/main" val="342924623"/>
-      </p:ext>
-    </p:extLst>
   </p:cSld>
   <p:clrMapOvr>
     <a:masterClrMapping/>
@@ -4855,50 +4824,8 @@
         </p:nvSpPr>
         <p:spPr>
           <a:xfrm>
-            <a:off x="0" y="274638"/>
-            <a:ext cx="9144000" cy="1143000"/>
-          </a:xfrm>
-        </p:spPr>
-        <p:txBody>
-          <a:bodyPr/>
-          <a:lstStyle/>
-          <a:p>
-            <a:r>
-              <a:rPr lang="ru-RU" b="1" dirty="0" smtClean="0">
-                <a:solidFill>
-                  <a:schemeClr val="accent1">
-                    <a:lumMod val="60000"/>
-                    <a:lumOff val="40000"/>
-                  </a:schemeClr>
-                </a:solidFill>
-              </a:rPr>
-              <a:t>Производительность</a:t>
-            </a:r>
-            <a:endParaRPr lang="ru-RU" b="1" dirty="0">
-              <a:solidFill>
-                <a:schemeClr val="accent1">
-                  <a:lumMod val="60000"/>
-                  <a:lumOff val="40000"/>
-                </a:schemeClr>
-              </a:solidFill>
-            </a:endParaRPr>
-          </a:p>
-        </p:txBody>
-      </p:sp>
-      <p:sp>
-        <p:nvSpPr>
-          <p:cNvPr id="3" name="Объект 2"/>
-          <p:cNvSpPr>
-            <a:spLocks noGrp="1"/>
-          </p:cNvSpPr>
-          <p:nvPr>
-            <p:ph idx="1"/>
-          </p:nvPr>
-        </p:nvSpPr>
-        <p:spPr>
-          <a:xfrm>
-            <a:off x="0" y="5229200"/>
-            <a:ext cx="9144000" cy="1628800"/>
+            <a:off x="0" y="-387424"/>
+            <a:ext cx="9144000" cy="1156990"/>
           </a:xfrm>
         </p:spPr>
         <p:txBody>
@@ -4907,33 +4834,22 @@
           </a:bodyPr>
           <a:lstStyle/>
           <a:p>
-            <a:pPr marL="0" indent="0">
-              <a:buNone/>
-            </a:pPr>
-            <a:r>
-              <a:rPr lang="ru-RU" dirty="0" smtClean="0"/>
-              <a:t>Результаты тестов можно сравнить только с прошлыми, потому что другой реализации найдено не было.</a:t>
-            </a:r>
-            <a:endParaRPr lang="ru-RU" dirty="0"/>
+            <a:r>
+              <a:rPr lang="ru-RU" sz="3600" dirty="0" smtClean="0"/>
+              <a:t>Взлом</a:t>
+            </a:r>
+            <a:endParaRPr lang="ru-RU" sz="3600" dirty="0"/>
           </a:p>
         </p:txBody>
       </p:sp>
       <p:pic>
         <p:nvPicPr>
-          <p:cNvPr id="6146" name="Picture 2" descr="http://www.kolobochek.ru/wp-content/uploads/2011/07/0de0a544a6b3_13C91/404.jpg"/>
-          <p:cNvPicPr>
-            <a:picLocks noChangeAspect="1" noChangeArrowheads="1"/>
-          </p:cNvPicPr>
+          <p:cNvPr id="4" name="Рисунок 3" descr="C:\Users\Admin\Downloads\Untitled Diagram.jpg"/>
+          <p:cNvPicPr/>
           <p:nvPr/>
         </p:nvPicPr>
         <p:blipFill>
-          <a:blip r:embed="rId2">
-            <a:extLst>
-              <a:ext uri="{28A0092B-C50C-407E-A947-70E740481C1C}">
-                <a14:useLocalDpi xmlns:a14="http://schemas.microsoft.com/office/drawing/2010/main" val="0"/>
-              </a:ext>
-            </a:extLst>
-          </a:blip>
+          <a:blip r:embed="rId2" cstate="print"/>
           <a:srcRect/>
           <a:stretch>
             <a:fillRect/>
@@ -4941,30 +4857,22 @@
         </p:blipFill>
         <p:spPr bwMode="auto">
           <a:xfrm>
-            <a:off x="2483768" y="1268760"/>
-            <a:ext cx="3992116" cy="3992117"/>
+            <a:off x="2195736" y="404664"/>
+            <a:ext cx="5112568" cy="6453336"/>
           </a:xfrm>
           <a:prstGeom prst="rect">
             <a:avLst/>
           </a:prstGeom>
           <a:noFill/>
-          <a:extLst>
-            <a:ext uri="{909E8E84-426E-40DD-AFC4-6F175D3DCCD1}">
-              <a14:hiddenFill xmlns:a14="http://schemas.microsoft.com/office/drawing/2010/main">
-                <a:solidFill>
-                  <a:srgbClr val="FFFFFF"/>
-                </a:solidFill>
-              </a14:hiddenFill>
-            </a:ext>
-          </a:extLst>
+          <a:ln w="9525">
+            <a:noFill/>
+            <a:miter lim="800000"/>
+            <a:headEnd/>
+            <a:tailEnd/>
+          </a:ln>
         </p:spPr>
       </p:pic>
     </p:spTree>
-    <p:extLst>
-      <p:ext uri="{BB962C8B-B14F-4D97-AF65-F5344CB8AC3E}">
-        <p14:creationId xmlns:p14="http://schemas.microsoft.com/office/powerpoint/2010/main" val="2718701315"/>
-      </p:ext>
-    </p:extLst>
   </p:cSld>
   <p:clrMapOvr>
     <a:masterClrMapping/>
@@ -5253,289 +5161,4 @@
   <a:objectDefaults/>
   <a:extraClrSchemeLst/>
 </a:theme>
-</file>
-
-<file path=ppt/theme/theme2.xml><?xml version="1.0" encoding="utf-8"?>
-<a:theme xmlns:a="http://schemas.openxmlformats.org/drawingml/2006/main" name="Тема Office">
-  <a:themeElements>
-    <a:clrScheme name="Стандартная">
-      <a:dk1>
-        <a:sysClr val="windowText" lastClr="000000"/>
-      </a:dk1>
-      <a:lt1>
-        <a:sysClr val="window" lastClr="FFFFFF"/>
-      </a:lt1>
-      <a:dk2>
-        <a:srgbClr val="1F497D"/>
-      </a:dk2>
-      <a:lt2>
-        <a:srgbClr val="EEECE1"/>
-      </a:lt2>
-      <a:accent1>
-        <a:srgbClr val="4F81BD"/>
-      </a:accent1>
-      <a:accent2>
-        <a:srgbClr val="C0504D"/>
-      </a:accent2>
-      <a:accent3>
-        <a:srgbClr val="9BBB59"/>
-      </a:accent3>
-      <a:accent4>
-        <a:srgbClr val="8064A2"/>
-      </a:accent4>
-      <a:accent5>
-        <a:srgbClr val="4BACC6"/>
-      </a:accent5>
-      <a:accent6>
-        <a:srgbClr val="F79646"/>
-      </a:accent6>
-      <a:hlink>
-        <a:srgbClr val="0000FF"/>
-      </a:hlink>
-      <a:folHlink>
-        <a:srgbClr val="800080"/>
-      </a:folHlink>
-    </a:clrScheme>
-    <a:fontScheme name="Стандартная">
-      <a:majorFont>
-        <a:latin typeface="Calibri"/>
-        <a:ea typeface=""/>
-        <a:cs typeface=""/>
-        <a:font script="Jpan" typeface="ＭＳ Ｐゴシック"/>
-        <a:font script="Hang" typeface="맑은 고딕"/>
-        <a:font script="Hans" typeface="宋体"/>
-        <a:font script="Hant" typeface="新細明體"/>
-        <a:font script="Arab" typeface="Times New Roman"/>
-        <a:font script="Hebr" typeface="Times New Roman"/>
-        <a:font script="Thai" typeface="Angsana New"/>
-        <a:font script="Ethi" typeface="Nyala"/>
-        <a:font script="Beng" typeface="Vrinda"/>
-        <a:font script="Gujr" typeface="Shruti"/>
-        <a:font script="Khmr" typeface="MoolBoran"/>
-        <a:font script="Knda" typeface="Tunga"/>
-        <a:font script="Guru" typeface="Raavi"/>
-        <a:font script="Cans" typeface="Euphemia"/>
-        <a:font script="Cher" typeface="Plantagenet Cherokee"/>
-        <a:font script="Yiii" typeface="Microsoft Yi Baiti"/>
-        <a:font script="Tibt" typeface="Microsoft Himalaya"/>
-        <a:font script="Thaa" typeface="MV Boli"/>
-        <a:font script="Deva" typeface="Mangal"/>
-        <a:font script="Telu" typeface="Gautami"/>
-        <a:font script="Taml" typeface="Latha"/>
-        <a:font script="Syrc" typeface="Estrangelo Edessa"/>
-        <a:font script="Orya" typeface="Kalinga"/>
-        <a:font script="Mlym" typeface="Kartika"/>
-        <a:font script="Laoo" typeface="DokChampa"/>
-        <a:font script="Sinh" typeface="Iskoola Pota"/>
-        <a:font script="Mong" typeface="Mongolian Baiti"/>
-        <a:font script="Viet" typeface="Times New Roman"/>
-        <a:font script="Uigh" typeface="Microsoft Uighur"/>
-        <a:font script="Geor" typeface="Sylfaen"/>
-      </a:majorFont>
-      <a:minorFont>
-        <a:latin typeface="Calibri"/>
-        <a:ea typeface=""/>
-        <a:cs typeface=""/>
-        <a:font script="Jpan" typeface="ＭＳ Ｐゴシック"/>
-        <a:font script="Hang" typeface="맑은 고딕"/>
-        <a:font script="Hans" typeface="宋体"/>
-        <a:font script="Hant" typeface="新細明體"/>
-        <a:font script="Arab" typeface="Arial"/>
-        <a:font script="Hebr" typeface="Arial"/>
-        <a:font script="Thai" typeface="Cordia New"/>
-        <a:font script="Ethi" typeface="Nyala"/>
-        <a:font script="Beng" typeface="Vrinda"/>
-        <a:font script="Gujr" typeface="Shruti"/>
-        <a:font script="Khmr" typeface="DaunPenh"/>
-        <a:font script="Knda" typeface="Tunga"/>
-        <a:font script="Guru" typeface="Raavi"/>
-        <a:font script="Cans" typeface="Euphemia"/>
-        <a:font script="Cher" typeface="Plantagenet Cherokee"/>
-        <a:font script="Yiii" typeface="Microsoft Yi Baiti"/>
-        <a:font script="Tibt" typeface="Microsoft Himalaya"/>
-        <a:font script="Thaa" typeface="MV Boli"/>
-        <a:font script="Deva" typeface="Mangal"/>
-        <a:font script="Telu" typeface="Gautami"/>
-        <a:font script="Taml" typeface="Latha"/>
-        <a:font script="Syrc" typeface="Estrangelo Edessa"/>
-        <a:font script="Orya" typeface="Kalinga"/>
-        <a:font script="Mlym" typeface="Kartika"/>
-        <a:font script="Laoo" typeface="DokChampa"/>
-        <a:font script="Sinh" typeface="Iskoola Pota"/>
-        <a:font script="Mong" typeface="Mongolian Baiti"/>
-        <a:font script="Viet" typeface="Arial"/>
-        <a:font script="Uigh" typeface="Microsoft Uighur"/>
-        <a:font script="Geor" typeface="Sylfaen"/>
-      </a:minorFont>
-    </a:fontScheme>
-    <a:fmtScheme name="Стандартная">
-      <a:fillStyleLst>
-        <a:solidFill>
-          <a:schemeClr val="phClr"/>
-        </a:solidFill>
-        <a:gradFill rotWithShape="1">
-          <a:gsLst>
-            <a:gs pos="0">
-              <a:schemeClr val="phClr">
-                <a:tint val="50000"/>
-                <a:satMod val="300000"/>
-              </a:schemeClr>
-            </a:gs>
-            <a:gs pos="35000">
-              <a:schemeClr val="phClr">
-                <a:tint val="37000"/>
-                <a:satMod val="300000"/>
-              </a:schemeClr>
-            </a:gs>
-            <a:gs pos="100000">
-              <a:schemeClr val="phClr">
-                <a:tint val="15000"/>
-                <a:satMod val="350000"/>
-              </a:schemeClr>
-            </a:gs>
-          </a:gsLst>
-          <a:lin ang="16200000" scaled="1"/>
-        </a:gradFill>
-        <a:gradFill rotWithShape="1">
-          <a:gsLst>
-            <a:gs pos="0">
-              <a:schemeClr val="phClr">
-                <a:shade val="51000"/>
-                <a:satMod val="130000"/>
-              </a:schemeClr>
-            </a:gs>
-            <a:gs pos="80000">
-              <a:schemeClr val="phClr">
-                <a:shade val="93000"/>
-                <a:satMod val="130000"/>
-              </a:schemeClr>
-            </a:gs>
-            <a:gs pos="100000">
-              <a:schemeClr val="phClr">
-                <a:shade val="94000"/>
-                <a:satMod val="135000"/>
-              </a:schemeClr>
-            </a:gs>
-          </a:gsLst>
-          <a:lin ang="16200000" scaled="0"/>
-        </a:gradFill>
-      </a:fillStyleLst>
-      <a:lnStyleLst>
-        <a:ln w="9525" cap="flat" cmpd="sng" algn="ctr">
-          <a:solidFill>
-            <a:schemeClr val="phClr">
-              <a:shade val="95000"/>
-              <a:satMod val="105000"/>
-            </a:schemeClr>
-          </a:solidFill>
-          <a:prstDash val="solid"/>
-        </a:ln>
-        <a:ln w="25400" cap="flat" cmpd="sng" algn="ctr">
-          <a:solidFill>
-            <a:schemeClr val="phClr"/>
-          </a:solidFill>
-          <a:prstDash val="solid"/>
-        </a:ln>
-        <a:ln w="38100" cap="flat" cmpd="sng" algn="ctr">
-          <a:solidFill>
-            <a:schemeClr val="phClr"/>
-          </a:solidFill>
-          <a:prstDash val="solid"/>
-        </a:ln>
-      </a:lnStyleLst>
-      <a:effectStyleLst>
-        <a:effectStyle>
-          <a:effectLst>
-            <a:outerShdw blurRad="40000" dist="20000" dir="5400000" rotWithShape="0">
-              <a:srgbClr val="000000">
-                <a:alpha val="38000"/>
-              </a:srgbClr>
-            </a:outerShdw>
-          </a:effectLst>
-        </a:effectStyle>
-        <a:effectStyle>
-          <a:effectLst>
-            <a:outerShdw blurRad="40000" dist="23000" dir="5400000" rotWithShape="0">
-              <a:srgbClr val="000000">
-                <a:alpha val="35000"/>
-              </a:srgbClr>
-            </a:outerShdw>
-          </a:effectLst>
-        </a:effectStyle>
-        <a:effectStyle>
-          <a:effectLst>
-            <a:outerShdw blurRad="40000" dist="23000" dir="5400000" rotWithShape="0">
-              <a:srgbClr val="000000">
-                <a:alpha val="35000"/>
-              </a:srgbClr>
-            </a:outerShdw>
-          </a:effectLst>
-          <a:scene3d>
-            <a:camera prst="orthographicFront">
-              <a:rot lat="0" lon="0" rev="0"/>
-            </a:camera>
-            <a:lightRig rig="threePt" dir="t">
-              <a:rot lat="0" lon="0" rev="1200000"/>
-            </a:lightRig>
-          </a:scene3d>
-          <a:sp3d>
-            <a:bevelT w="63500" h="25400"/>
-          </a:sp3d>
-        </a:effectStyle>
-      </a:effectStyleLst>
-      <a:bgFillStyleLst>
-        <a:solidFill>
-          <a:schemeClr val="phClr"/>
-        </a:solidFill>
-        <a:gradFill rotWithShape="1">
-          <a:gsLst>
-            <a:gs pos="0">
-              <a:schemeClr val="phClr">
-                <a:tint val="40000"/>
-                <a:satMod val="350000"/>
-              </a:schemeClr>
-            </a:gs>
-            <a:gs pos="40000">
-              <a:schemeClr val="phClr">
-                <a:tint val="45000"/>
-                <a:shade val="99000"/>
-                <a:satMod val="350000"/>
-              </a:schemeClr>
-            </a:gs>
-            <a:gs pos="100000">
-              <a:schemeClr val="phClr">
-                <a:shade val="20000"/>
-                <a:satMod val="255000"/>
-              </a:schemeClr>
-            </a:gs>
-          </a:gsLst>
-          <a:path path="circle">
-            <a:fillToRect l="50000" t="-80000" r="50000" b="180000"/>
-          </a:path>
-        </a:gradFill>
-        <a:gradFill rotWithShape="1">
-          <a:gsLst>
-            <a:gs pos="0">
-              <a:schemeClr val="phClr">
-                <a:tint val="80000"/>
-                <a:satMod val="300000"/>
-              </a:schemeClr>
-            </a:gs>
-            <a:gs pos="100000">
-              <a:schemeClr val="phClr">
-                <a:shade val="30000"/>
-                <a:satMod val="200000"/>
-              </a:schemeClr>
-            </a:gs>
-          </a:gsLst>
-          <a:path path="circle">
-            <a:fillToRect l="50000" t="50000" r="50000" b="50000"/>
-          </a:path>
-        </a:gradFill>
-      </a:bgFillStyleLst>
-    </a:fmtScheme>
-  </a:themeElements>
-  <a:objectDefaults/>
-  <a:extraClrSchemeLst/>
-</a:theme>
 </file>
--- a/Проект.pptx
+++ b/Проект.pptx
@@ -7,14 +7,13 @@
   <p:sldIdLst>
     <p:sldId id="256" r:id="rId2"/>
     <p:sldId id="257" r:id="rId3"/>
-    <p:sldId id="265" r:id="rId4"/>
-    <p:sldId id="258" r:id="rId5"/>
-    <p:sldId id="259" r:id="rId6"/>
-    <p:sldId id="260" r:id="rId7"/>
-    <p:sldId id="261" r:id="rId8"/>
-    <p:sldId id="263" r:id="rId9"/>
-    <p:sldId id="262" r:id="rId10"/>
-    <p:sldId id="264" r:id="rId11"/>
+    <p:sldId id="258" r:id="rId4"/>
+    <p:sldId id="259" r:id="rId5"/>
+    <p:sldId id="260" r:id="rId6"/>
+    <p:sldId id="261" r:id="rId7"/>
+    <p:sldId id="263" r:id="rId8"/>
+    <p:sldId id="262" r:id="rId9"/>
+    <p:sldId id="264" r:id="rId10"/>
   </p:sldIdLst>
   <p:sldSz cx="9144000" cy="6858000" type="screen4x3"/>
   <p:notesSz cx="6858000" cy="9144000"/>
@@ -298,7 +297,7 @@
             <a:fld id="{5B106E36-FD25-4E2D-B0AA-010F637433A0}" type="datetimeFigureOut">
               <a:rPr lang="ru-RU" smtClean="0"/>
               <a:pPr/>
-              <a:t>04.04.2017</a:t>
+              <a:t>07.04.2017</a:t>
             </a:fld>
             <a:endParaRPr lang="ru-RU"/>
           </a:p>
@@ -465,7 +464,7 @@
             <a:fld id="{5B106E36-FD25-4E2D-B0AA-010F637433A0}" type="datetimeFigureOut">
               <a:rPr lang="ru-RU" smtClean="0"/>
               <a:pPr/>
-              <a:t>04.04.2017</a:t>
+              <a:t>07.04.2017</a:t>
             </a:fld>
             <a:endParaRPr lang="ru-RU"/>
           </a:p>
@@ -642,7 +641,7 @@
             <a:fld id="{5B106E36-FD25-4E2D-B0AA-010F637433A0}" type="datetimeFigureOut">
               <a:rPr lang="ru-RU" smtClean="0"/>
               <a:pPr/>
-              <a:t>04.04.2017</a:t>
+              <a:t>07.04.2017</a:t>
             </a:fld>
             <a:endParaRPr lang="ru-RU"/>
           </a:p>
@@ -809,7 +808,7 @@
             <a:fld id="{5B106E36-FD25-4E2D-B0AA-010F637433A0}" type="datetimeFigureOut">
               <a:rPr lang="ru-RU" smtClean="0"/>
               <a:pPr/>
-              <a:t>04.04.2017</a:t>
+              <a:t>07.04.2017</a:t>
             </a:fld>
             <a:endParaRPr lang="ru-RU"/>
           </a:p>
@@ -1052,7 +1051,7 @@
             <a:fld id="{5B106E36-FD25-4E2D-B0AA-010F637433A0}" type="datetimeFigureOut">
               <a:rPr lang="ru-RU" smtClean="0"/>
               <a:pPr/>
-              <a:t>04.04.2017</a:t>
+              <a:t>07.04.2017</a:t>
             </a:fld>
             <a:endParaRPr lang="ru-RU"/>
           </a:p>
@@ -1337,7 +1336,7 @@
             <a:fld id="{5B106E36-FD25-4E2D-B0AA-010F637433A0}" type="datetimeFigureOut">
               <a:rPr lang="ru-RU" smtClean="0"/>
               <a:pPr/>
-              <a:t>04.04.2017</a:t>
+              <a:t>07.04.2017</a:t>
             </a:fld>
             <a:endParaRPr lang="ru-RU"/>
           </a:p>
@@ -1756,7 +1755,7 @@
             <a:fld id="{5B106E36-FD25-4E2D-B0AA-010F637433A0}" type="datetimeFigureOut">
               <a:rPr lang="ru-RU" smtClean="0"/>
               <a:pPr/>
-              <a:t>04.04.2017</a:t>
+              <a:t>07.04.2017</a:t>
             </a:fld>
             <a:endParaRPr lang="ru-RU"/>
           </a:p>
@@ -1871,7 +1870,7 @@
             <a:fld id="{5B106E36-FD25-4E2D-B0AA-010F637433A0}" type="datetimeFigureOut">
               <a:rPr lang="ru-RU" smtClean="0"/>
               <a:pPr/>
-              <a:t>04.04.2017</a:t>
+              <a:t>07.04.2017</a:t>
             </a:fld>
             <a:endParaRPr lang="ru-RU"/>
           </a:p>
@@ -1963,7 +1962,7 @@
             <a:fld id="{5B106E36-FD25-4E2D-B0AA-010F637433A0}" type="datetimeFigureOut">
               <a:rPr lang="ru-RU" smtClean="0"/>
               <a:pPr/>
-              <a:t>04.04.2017</a:t>
+              <a:t>07.04.2017</a:t>
             </a:fld>
             <a:endParaRPr lang="ru-RU"/>
           </a:p>
@@ -2237,7 +2236,7 @@
             <a:fld id="{5B106E36-FD25-4E2D-B0AA-010F637433A0}" type="datetimeFigureOut">
               <a:rPr lang="ru-RU" smtClean="0"/>
               <a:pPr/>
-              <a:t>04.04.2017</a:t>
+              <a:t>07.04.2017</a:t>
             </a:fld>
             <a:endParaRPr lang="ru-RU"/>
           </a:p>
@@ -2487,7 +2486,7 @@
             <a:fld id="{5B106E36-FD25-4E2D-B0AA-010F637433A0}" type="datetimeFigureOut">
               <a:rPr lang="ru-RU" smtClean="0"/>
               <a:pPr/>
-              <a:t>04.04.2017</a:t>
+              <a:t>07.04.2017</a:t>
             </a:fld>
             <a:endParaRPr lang="ru-RU"/>
           </a:p>
@@ -2697,7 +2696,7 @@
             <a:fld id="{5B106E36-FD25-4E2D-B0AA-010F637433A0}" type="datetimeFigureOut">
               <a:rPr lang="ru-RU" smtClean="0"/>
               <a:pPr/>
-              <a:t>04.04.2017</a:t>
+              <a:t>07.04.2017</a:t>
             </a:fld>
             <a:endParaRPr lang="ru-RU"/>
           </a:p>
@@ -3147,85 +3146,13 @@
   <p:clrMapOvr>
     <a:masterClrMapping/>
   </p:clrMapOvr>
-</p:sld>
-</file>
-
-<file path=ppt/slides/slide10.xml><?xml version="1.0" encoding="utf-8"?>
-<p:sld xmlns:a="http://schemas.openxmlformats.org/drawingml/2006/main" xmlns:r="http://schemas.openxmlformats.org/officeDocument/2006/relationships" xmlns:p="http://schemas.openxmlformats.org/presentationml/2006/main">
-  <p:cSld>
-    <p:spTree>
-      <p:nvGrpSpPr>
-        <p:cNvPr id="1" name=""/>
-        <p:cNvGrpSpPr/>
-        <p:nvPr/>
-      </p:nvGrpSpPr>
-      <p:grpSpPr>
-        <a:xfrm>
-          <a:off x="0" y="0"/>
-          <a:ext cx="0" cy="0"/>
-          <a:chOff x="0" y="0"/>
-          <a:chExt cx="0" cy="0"/>
-        </a:xfrm>
-      </p:grpSpPr>
-      <p:sp>
-        <p:nvSpPr>
-          <p:cNvPr id="2" name="Заголовок 1"/>
-          <p:cNvSpPr>
-            <a:spLocks noGrp="1"/>
-          </p:cNvSpPr>
-          <p:nvPr>
-            <p:ph type="title"/>
-          </p:nvPr>
-        </p:nvSpPr>
-        <p:spPr>
-          <a:xfrm>
-            <a:off x="0" y="-243408"/>
-            <a:ext cx="9144000" cy="1143000"/>
-          </a:xfrm>
-        </p:spPr>
-        <p:txBody>
-          <a:bodyPr/>
-          <a:lstStyle/>
-          <a:p>
-            <a:r>
-              <a:rPr lang="ru-RU" dirty="0" smtClean="0"/>
-              <a:t>Вывод</a:t>
-            </a:r>
-            <a:endParaRPr lang="ru-RU" dirty="0"/>
-          </a:p>
-        </p:txBody>
-      </p:sp>
-      <p:pic>
-        <p:nvPicPr>
-          <p:cNvPr id="19458" name="Picture 2" descr="Картинки по запросу бесполезность"/>
-          <p:cNvPicPr>
-            <a:picLocks noChangeAspect="1" noChangeArrowheads="1"/>
-          </p:cNvPicPr>
-          <p:nvPr/>
-        </p:nvPicPr>
-        <p:blipFill>
-          <a:blip r:embed="rId2" cstate="print"/>
-          <a:srcRect/>
-          <a:stretch>
-            <a:fillRect/>
-          </a:stretch>
-        </p:blipFill>
-        <p:spPr bwMode="auto">
-          <a:xfrm>
-            <a:off x="1763688" y="980728"/>
-            <a:ext cx="5877272" cy="5877272"/>
-          </a:xfrm>
-          <a:prstGeom prst="rect">
-            <a:avLst/>
-          </a:prstGeom>
-          <a:noFill/>
-        </p:spPr>
-      </p:pic>
-    </p:spTree>
-  </p:cSld>
-  <p:clrMapOvr>
-    <a:masterClrMapping/>
-  </p:clrMapOvr>
+  <p:timing>
+    <p:tnLst>
+      <p:par>
+        <p:cTn id="1" dur="indefinite" restart="never" nodeType="tmRoot"/>
+      </p:par>
+    </p:tnLst>
+  </p:timing>
 </p:sld>
 </file>
 
@@ -3346,6 +3273,13 @@
   <p:clrMapOvr>
     <a:masterClrMapping/>
   </p:clrMapOvr>
+  <p:timing>
+    <p:tnLst>
+      <p:par>
+        <p:cTn id="1" dur="indefinite" restart="never" nodeType="tmRoot"/>
+      </p:par>
+    </p:tnLst>
+  </p:timing>
 </p:sld>
 </file>
 
@@ -3376,39 +3310,59 @@
             <p:ph type="title"/>
           </p:nvPr>
         </p:nvSpPr>
-        <p:spPr/>
-        <p:txBody>
-          <a:bodyPr/>
-          <a:lstStyle/>
-          <a:p>
-            <a:endParaRPr lang="ru-RU"/>
-          </a:p>
-        </p:txBody>
-      </p:sp>
-      <p:sp>
-        <p:nvSpPr>
-          <p:cNvPr id="3" name="Содержимое 2"/>
-          <p:cNvSpPr>
-            <a:spLocks noGrp="1"/>
-          </p:cNvSpPr>
+        <p:spPr>
+          <a:xfrm>
+            <a:off x="0" y="-243408"/>
+            <a:ext cx="9144000" cy="1143000"/>
+          </a:xfrm>
+        </p:spPr>
+        <p:txBody>
+          <a:bodyPr/>
+          <a:lstStyle/>
+          <a:p>
+            <a:r>
+              <a:rPr lang="ru-RU" dirty="0" smtClean="0"/>
+              <a:t>Алгоритм</a:t>
+            </a:r>
+            <a:endParaRPr lang="ru-RU" dirty="0"/>
+          </a:p>
+        </p:txBody>
+      </p:sp>
+      <p:pic>
+        <p:nvPicPr>
+          <p:cNvPr id="4" name="Содержимое 3" descr="Untitled Diagram.jpg"/>
+          <p:cNvPicPr>
+            <a:picLocks noGrp="1" noChangeAspect="1"/>
+          </p:cNvPicPr>
           <p:nvPr>
             <p:ph idx="1"/>
           </p:nvPr>
-        </p:nvSpPr>
-        <p:spPr/>
-        <p:txBody>
-          <a:bodyPr/>
-          <a:lstStyle/>
-          <a:p>
-            <a:endParaRPr lang="ru-RU"/>
-          </a:p>
-        </p:txBody>
-      </p:sp>
+        </p:nvPicPr>
+        <p:blipFill>
+          <a:blip r:embed="rId2" cstate="print"/>
+          <a:stretch>
+            <a:fillRect/>
+          </a:stretch>
+        </p:blipFill>
+        <p:spPr>
+          <a:xfrm>
+            <a:off x="2195736" y="764704"/>
+            <a:ext cx="4536504" cy="6093296"/>
+          </a:xfrm>
+        </p:spPr>
+      </p:pic>
     </p:spTree>
   </p:cSld>
   <p:clrMapOvr>
     <a:masterClrMapping/>
   </p:clrMapOvr>
+  <p:timing>
+    <p:tnLst>
+      <p:par>
+        <p:cTn id="1" dur="indefinite" restart="never" nodeType="tmRoot"/>
+      </p:par>
+    </p:tnLst>
+  </p:timing>
 </p:sld>
 </file>
 
@@ -3451,40 +3405,502 @@
           <a:p>
             <a:r>
               <a:rPr lang="ru-RU" dirty="0" smtClean="0"/>
-              <a:t>Алгоритм</a:t>
+              <a:t>Шифрование</a:t>
             </a:r>
             <a:endParaRPr lang="ru-RU" dirty="0"/>
           </a:p>
         </p:txBody>
       </p:sp>
-      <p:pic>
-        <p:nvPicPr>
-          <p:cNvPr id="4" name="Содержимое 3" descr="Untitled Diagram.jpg"/>
-          <p:cNvPicPr>
-            <a:picLocks noGrp="1" noChangeAspect="1"/>
-          </p:cNvPicPr>
-          <p:nvPr>
-            <p:ph idx="1"/>
-          </p:nvPr>
-        </p:nvPicPr>
-        <p:blipFill>
-          <a:blip r:embed="rId2" cstate="print"/>
-          <a:stretch>
-            <a:fillRect/>
-          </a:stretch>
-        </p:blipFill>
-        <p:spPr>
-          <a:xfrm>
-            <a:off x="2195736" y="764704"/>
-            <a:ext cx="4536504" cy="6093296"/>
-          </a:xfrm>
-        </p:spPr>
-      </p:pic>
+      <p:sp>
+        <p:nvSpPr>
+          <p:cNvPr id="4" name="Прямоугольник 3"/>
+          <p:cNvSpPr/>
+          <p:nvPr/>
+        </p:nvSpPr>
+        <p:spPr>
+          <a:xfrm>
+            <a:off x="4644008" y="764704"/>
+            <a:ext cx="3384376" cy="864096"/>
+          </a:xfrm>
+          <a:prstGeom prst="rect">
+            <a:avLst/>
+          </a:prstGeom>
+          <a:solidFill>
+            <a:schemeClr val="accent1">
+              <a:lumMod val="60000"/>
+              <a:lumOff val="40000"/>
+            </a:schemeClr>
+          </a:solidFill>
+        </p:spPr>
+        <p:style>
+          <a:lnRef idx="2">
+            <a:schemeClr val="accent1">
+              <a:shade val="50000"/>
+            </a:schemeClr>
+          </a:lnRef>
+          <a:fillRef idx="1">
+            <a:schemeClr val="accent1"/>
+          </a:fillRef>
+          <a:effectRef idx="0">
+            <a:schemeClr val="accent1"/>
+          </a:effectRef>
+          <a:fontRef idx="minor">
+            <a:schemeClr val="lt1"/>
+          </a:fontRef>
+        </p:style>
+        <p:txBody>
+          <a:bodyPr rtlCol="0" anchor="ctr"/>
+          <a:lstStyle/>
+          <a:p>
+            <a:pPr algn="ctr"/>
+            <a:r>
+              <a:rPr lang="en-US" sz="8000" dirty="0" smtClean="0"/>
+              <a:t>110 a</a:t>
+            </a:r>
+            <a:endParaRPr lang="ru-RU" sz="8000" dirty="0"/>
+          </a:p>
+        </p:txBody>
+      </p:sp>
+      <p:sp>
+        <p:nvSpPr>
+          <p:cNvPr id="5" name="Прямоугольник 4"/>
+          <p:cNvSpPr/>
+          <p:nvPr/>
+        </p:nvSpPr>
+        <p:spPr>
+          <a:xfrm>
+            <a:off x="5759624" y="2060848"/>
+            <a:ext cx="3384376" cy="864096"/>
+          </a:xfrm>
+          <a:prstGeom prst="rect">
+            <a:avLst/>
+          </a:prstGeom>
+          <a:solidFill>
+            <a:schemeClr val="accent6">
+              <a:lumMod val="60000"/>
+              <a:lumOff val="40000"/>
+            </a:schemeClr>
+          </a:solidFill>
+        </p:spPr>
+        <p:style>
+          <a:lnRef idx="2">
+            <a:schemeClr val="accent1">
+              <a:shade val="50000"/>
+            </a:schemeClr>
+          </a:lnRef>
+          <a:fillRef idx="1">
+            <a:schemeClr val="accent1"/>
+          </a:fillRef>
+          <a:effectRef idx="0">
+            <a:schemeClr val="accent1"/>
+          </a:effectRef>
+          <a:fontRef idx="minor">
+            <a:schemeClr val="lt1"/>
+          </a:fontRef>
+        </p:style>
+        <p:txBody>
+          <a:bodyPr rtlCol="0" anchor="ctr"/>
+          <a:lstStyle/>
+          <a:p>
+            <a:pPr algn="ctr"/>
+            <a:r>
+              <a:rPr lang="en-US" sz="5400" dirty="0" smtClean="0"/>
+              <a:t>01100001</a:t>
+            </a:r>
+            <a:endParaRPr lang="ru-RU" sz="5400" dirty="0"/>
+          </a:p>
+        </p:txBody>
+      </p:sp>
+      <p:sp>
+        <p:nvSpPr>
+          <p:cNvPr id="6" name="Прямоугольник 5"/>
+          <p:cNvSpPr/>
+          <p:nvPr/>
+        </p:nvSpPr>
+        <p:spPr>
+          <a:xfrm>
+            <a:off x="1115616" y="2060848"/>
+            <a:ext cx="3384376" cy="864096"/>
+          </a:xfrm>
+          <a:prstGeom prst="rect">
+            <a:avLst/>
+          </a:prstGeom>
+          <a:solidFill>
+            <a:schemeClr val="accent6">
+              <a:lumMod val="60000"/>
+              <a:lumOff val="40000"/>
+            </a:schemeClr>
+          </a:solidFill>
+        </p:spPr>
+        <p:style>
+          <a:lnRef idx="2">
+            <a:schemeClr val="accent1">
+              <a:shade val="50000"/>
+            </a:schemeClr>
+          </a:lnRef>
+          <a:fillRef idx="1">
+            <a:schemeClr val="accent1"/>
+          </a:fillRef>
+          <a:effectRef idx="0">
+            <a:schemeClr val="accent1"/>
+          </a:effectRef>
+          <a:fontRef idx="minor">
+            <a:schemeClr val="lt1"/>
+          </a:fontRef>
+        </p:style>
+        <p:txBody>
+          <a:bodyPr rtlCol="0" anchor="ctr"/>
+          <a:lstStyle/>
+          <a:p>
+            <a:pPr algn="ctr"/>
+            <a:r>
+              <a:rPr lang="en-US" sz="5400" dirty="0" smtClean="0"/>
+              <a:t>01101110</a:t>
+            </a:r>
+            <a:endParaRPr lang="ru-RU" sz="5400" dirty="0"/>
+          </a:p>
+        </p:txBody>
+      </p:sp>
+      <p:sp>
+        <p:nvSpPr>
+          <p:cNvPr id="7" name="Стрелка вниз 6"/>
+          <p:cNvSpPr/>
+          <p:nvPr/>
+        </p:nvSpPr>
+        <p:spPr>
+          <a:xfrm>
+            <a:off x="6948264" y="1628800"/>
+            <a:ext cx="864096" cy="432048"/>
+          </a:xfrm>
+          <a:prstGeom prst="downArrow">
+            <a:avLst/>
+          </a:prstGeom>
+        </p:spPr>
+        <p:style>
+          <a:lnRef idx="2">
+            <a:schemeClr val="accent1">
+              <a:shade val="50000"/>
+            </a:schemeClr>
+          </a:lnRef>
+          <a:fillRef idx="1">
+            <a:schemeClr val="accent1"/>
+          </a:fillRef>
+          <a:effectRef idx="0">
+            <a:schemeClr val="accent1"/>
+          </a:effectRef>
+          <a:fontRef idx="minor">
+            <a:schemeClr val="lt1"/>
+          </a:fontRef>
+        </p:style>
+        <p:txBody>
+          <a:bodyPr rtlCol="0" anchor="ctr"/>
+          <a:lstStyle/>
+          <a:p>
+            <a:pPr algn="ctr"/>
+            <a:endParaRPr lang="ru-RU"/>
+          </a:p>
+        </p:txBody>
+      </p:sp>
+      <p:sp>
+        <p:nvSpPr>
+          <p:cNvPr id="8" name="Стрелка углом вверх 7"/>
+          <p:cNvSpPr/>
+          <p:nvPr/>
+        </p:nvSpPr>
+        <p:spPr>
+          <a:xfrm rot="10800000">
+            <a:off x="2627784" y="1124744"/>
+            <a:ext cx="2016224" cy="936104"/>
+          </a:xfrm>
+          <a:prstGeom prst="bentUpArrow">
+            <a:avLst/>
+          </a:prstGeom>
+          <a:solidFill>
+            <a:schemeClr val="accent1">
+              <a:lumMod val="60000"/>
+              <a:lumOff val="40000"/>
+            </a:schemeClr>
+          </a:solidFill>
+        </p:spPr>
+        <p:style>
+          <a:lnRef idx="2">
+            <a:schemeClr val="accent1">
+              <a:shade val="50000"/>
+            </a:schemeClr>
+          </a:lnRef>
+          <a:fillRef idx="1">
+            <a:schemeClr val="accent1"/>
+          </a:fillRef>
+          <a:effectRef idx="0">
+            <a:schemeClr val="accent1"/>
+          </a:effectRef>
+          <a:fontRef idx="minor">
+            <a:schemeClr val="lt1"/>
+          </a:fontRef>
+        </p:style>
+        <p:txBody>
+          <a:bodyPr rtlCol="0" anchor="ctr"/>
+          <a:lstStyle/>
+          <a:p>
+            <a:pPr algn="ctr"/>
+            <a:endParaRPr lang="ru-RU"/>
+          </a:p>
+        </p:txBody>
+      </p:sp>
+      <p:sp>
+        <p:nvSpPr>
+          <p:cNvPr id="9" name="Стрелка вниз 8"/>
+          <p:cNvSpPr/>
+          <p:nvPr/>
+        </p:nvSpPr>
+        <p:spPr>
+          <a:xfrm>
+            <a:off x="7092280" y="2924944"/>
+            <a:ext cx="720080" cy="1800200"/>
+          </a:xfrm>
+          <a:prstGeom prst="downArrow">
+            <a:avLst/>
+          </a:prstGeom>
+          <a:solidFill>
+            <a:schemeClr val="accent6">
+              <a:lumMod val="60000"/>
+              <a:lumOff val="40000"/>
+            </a:schemeClr>
+          </a:solidFill>
+        </p:spPr>
+        <p:style>
+          <a:lnRef idx="2">
+            <a:schemeClr val="accent1">
+              <a:shade val="50000"/>
+            </a:schemeClr>
+          </a:lnRef>
+          <a:fillRef idx="1">
+            <a:schemeClr val="accent1"/>
+          </a:fillRef>
+          <a:effectRef idx="0">
+            <a:schemeClr val="accent1"/>
+          </a:effectRef>
+          <a:fontRef idx="minor">
+            <a:schemeClr val="lt1"/>
+          </a:fontRef>
+        </p:style>
+        <p:txBody>
+          <a:bodyPr rtlCol="0" anchor="ctr"/>
+          <a:lstStyle/>
+          <a:p>
+            <a:pPr algn="ctr"/>
+            <a:endParaRPr lang="ru-RU"/>
+          </a:p>
+        </p:txBody>
+      </p:sp>
+      <p:sp>
+        <p:nvSpPr>
+          <p:cNvPr id="10" name="Стрелка углом вверх 9"/>
+          <p:cNvSpPr/>
+          <p:nvPr/>
+        </p:nvSpPr>
+        <p:spPr>
+          <a:xfrm rot="5400000">
+            <a:off x="4211960" y="1340768"/>
+            <a:ext cx="1440160" cy="4608512"/>
+          </a:xfrm>
+          <a:prstGeom prst="bentUpArrow">
+            <a:avLst>
+              <a:gd name="adj1" fmla="val 25000"/>
+              <a:gd name="adj2" fmla="val 25488"/>
+              <a:gd name="adj3" fmla="val 25000"/>
+            </a:avLst>
+          </a:prstGeom>
+          <a:solidFill>
+            <a:schemeClr val="accent6">
+              <a:lumMod val="60000"/>
+              <a:lumOff val="40000"/>
+            </a:schemeClr>
+          </a:solidFill>
+        </p:spPr>
+        <p:style>
+          <a:lnRef idx="2">
+            <a:schemeClr val="accent1">
+              <a:shade val="50000"/>
+            </a:schemeClr>
+          </a:lnRef>
+          <a:fillRef idx="1">
+            <a:schemeClr val="accent1"/>
+          </a:fillRef>
+          <a:effectRef idx="0">
+            <a:schemeClr val="accent1"/>
+          </a:effectRef>
+          <a:fontRef idx="minor">
+            <a:schemeClr val="lt1"/>
+          </a:fontRef>
+        </p:style>
+        <p:txBody>
+          <a:bodyPr rtlCol="0" anchor="ctr"/>
+          <a:lstStyle/>
+          <a:p>
+            <a:pPr algn="ctr"/>
+            <a:endParaRPr lang="ru-RU"/>
+          </a:p>
+        </p:txBody>
+      </p:sp>
+      <p:sp>
+        <p:nvSpPr>
+          <p:cNvPr id="11" name="Прямоугольник 10"/>
+          <p:cNvSpPr/>
+          <p:nvPr/>
+        </p:nvSpPr>
+        <p:spPr>
+          <a:xfrm>
+            <a:off x="5796136" y="4725144"/>
+            <a:ext cx="3347864" cy="864096"/>
+          </a:xfrm>
+          <a:prstGeom prst="rect">
+            <a:avLst/>
+          </a:prstGeom>
+          <a:solidFill>
+            <a:schemeClr val="accent3">
+              <a:lumMod val="60000"/>
+              <a:lumOff val="40000"/>
+            </a:schemeClr>
+          </a:solidFill>
+        </p:spPr>
+        <p:style>
+          <a:lnRef idx="2">
+            <a:schemeClr val="accent1">
+              <a:shade val="50000"/>
+            </a:schemeClr>
+          </a:lnRef>
+          <a:fillRef idx="1">
+            <a:schemeClr val="accent1"/>
+          </a:fillRef>
+          <a:effectRef idx="0">
+            <a:schemeClr val="accent1"/>
+          </a:effectRef>
+          <a:fontRef idx="minor">
+            <a:schemeClr val="lt1"/>
+          </a:fontRef>
+        </p:style>
+        <p:txBody>
+          <a:bodyPr rtlCol="0" anchor="ctr"/>
+          <a:lstStyle/>
+          <a:p>
+            <a:pPr algn="ctr"/>
+            <a:r>
+              <a:rPr lang="en-US" sz="5400" dirty="0" smtClean="0"/>
+              <a:t>11100011</a:t>
+            </a:r>
+            <a:endParaRPr lang="ru-RU" sz="5400" dirty="0"/>
+          </a:p>
+        </p:txBody>
+      </p:sp>
+      <p:sp>
+        <p:nvSpPr>
+          <p:cNvPr id="12" name="Стрелка влево 11"/>
+          <p:cNvSpPr/>
+          <p:nvPr/>
+        </p:nvSpPr>
+        <p:spPr>
+          <a:xfrm>
+            <a:off x="3779912" y="4797152"/>
+            <a:ext cx="2016224" cy="720080"/>
+          </a:xfrm>
+          <a:prstGeom prst="leftArrow">
+            <a:avLst/>
+          </a:prstGeom>
+          <a:solidFill>
+            <a:schemeClr val="accent3">
+              <a:lumMod val="60000"/>
+              <a:lumOff val="40000"/>
+            </a:schemeClr>
+          </a:solidFill>
+        </p:spPr>
+        <p:style>
+          <a:lnRef idx="2">
+            <a:schemeClr val="accent1">
+              <a:shade val="50000"/>
+            </a:schemeClr>
+          </a:lnRef>
+          <a:fillRef idx="1">
+            <a:schemeClr val="accent1"/>
+          </a:fillRef>
+          <a:effectRef idx="0">
+            <a:schemeClr val="accent1"/>
+          </a:effectRef>
+          <a:fontRef idx="minor">
+            <a:schemeClr val="lt1"/>
+          </a:fontRef>
+        </p:style>
+        <p:txBody>
+          <a:bodyPr rtlCol="0" anchor="ctr"/>
+          <a:lstStyle/>
+          <a:p>
+            <a:pPr algn="ctr"/>
+            <a:endParaRPr lang="ru-RU"/>
+          </a:p>
+        </p:txBody>
+      </p:sp>
+      <p:sp>
+        <p:nvSpPr>
+          <p:cNvPr id="13" name="Прямоугольник 12"/>
+          <p:cNvSpPr/>
+          <p:nvPr/>
+        </p:nvSpPr>
+        <p:spPr>
+          <a:xfrm>
+            <a:off x="395536" y="4725144"/>
+            <a:ext cx="3384376" cy="864096"/>
+          </a:xfrm>
+          <a:prstGeom prst="rect">
+            <a:avLst/>
+          </a:prstGeom>
+          <a:solidFill>
+            <a:schemeClr val="accent2">
+              <a:lumMod val="60000"/>
+              <a:lumOff val="40000"/>
+            </a:schemeClr>
+          </a:solidFill>
+        </p:spPr>
+        <p:style>
+          <a:lnRef idx="2">
+            <a:schemeClr val="accent1">
+              <a:shade val="50000"/>
+            </a:schemeClr>
+          </a:lnRef>
+          <a:fillRef idx="1">
+            <a:schemeClr val="accent1"/>
+          </a:fillRef>
+          <a:effectRef idx="0">
+            <a:schemeClr val="accent1"/>
+          </a:effectRef>
+          <a:fontRef idx="minor">
+            <a:schemeClr val="lt1"/>
+          </a:fontRef>
+        </p:style>
+        <p:txBody>
+          <a:bodyPr rtlCol="0" anchor="ctr"/>
+          <a:lstStyle/>
+          <a:p>
+            <a:pPr algn="ctr"/>
+            <a:r>
+              <a:rPr lang="en-US" sz="5400" dirty="0" smtClean="0"/>
+              <a:t>ã</a:t>
+            </a:r>
+            <a:endParaRPr lang="ru-RU" sz="5400" dirty="0"/>
+          </a:p>
+        </p:txBody>
+      </p:sp>
     </p:spTree>
   </p:cSld>
   <p:clrMapOvr>
     <a:masterClrMapping/>
   </p:clrMapOvr>
+  <p:timing>
+    <p:tnLst>
+      <p:par>
+        <p:cTn id="1" dur="indefinite" restart="never" nodeType="tmRoot"/>
+      </p:par>
+    </p:tnLst>
+  </p:timing>
 </p:sld>
 </file>
 
@@ -3527,7 +3943,7 @@
           <a:p>
             <a:r>
               <a:rPr lang="ru-RU" dirty="0" smtClean="0"/>
-              <a:t>Шифрование</a:t>
+              <a:t>Коллизии</a:t>
             </a:r>
             <a:endParaRPr lang="ru-RU" dirty="0"/>
           </a:p>
@@ -3535,22 +3951,21 @@
       </p:sp>
       <p:sp>
         <p:nvSpPr>
-          <p:cNvPr id="4" name="Прямоугольник 3"/>
+          <p:cNvPr id="4" name="Овал 3"/>
           <p:cNvSpPr/>
           <p:nvPr/>
         </p:nvSpPr>
         <p:spPr>
           <a:xfrm>
-            <a:off x="4644008" y="764704"/>
-            <a:ext cx="3384376" cy="864096"/>
-          </a:xfrm>
-          <a:prstGeom prst="rect">
+            <a:off x="0" y="546581"/>
+            <a:ext cx="6444208" cy="5733256"/>
+          </a:xfrm>
+          <a:prstGeom prst="ellipse">
             <a:avLst/>
           </a:prstGeom>
           <a:solidFill>
-            <a:schemeClr val="accent1">
-              <a:lumMod val="60000"/>
-              <a:lumOff val="40000"/>
+            <a:schemeClr val="bg2">
+              <a:lumMod val="90000"/>
             </a:schemeClr>
           </a:solidFill>
         </p:spPr>
@@ -3576,33 +3991,38 @@
           <a:p>
             <a:pPr algn="ctr"/>
             <a:r>
-              <a:rPr lang="en-US" sz="8000" dirty="0" smtClean="0"/>
-              <a:t>110 a</a:t>
-            </a:r>
-            <a:endParaRPr lang="ru-RU" sz="8000" dirty="0"/>
-          </a:p>
-        </p:txBody>
-      </p:sp>
-      <p:sp>
-        <p:nvSpPr>
-          <p:cNvPr id="5" name="Прямоугольник 4"/>
+              <a:rPr lang="ru-RU" sz="5400" dirty="0" smtClean="0"/>
+              <a:t>Ключи</a:t>
+            </a:r>
+          </a:p>
+          <a:p>
+            <a:pPr algn="ctr"/>
+            <a:endParaRPr lang="ru-RU" sz="5400" dirty="0" smtClean="0"/>
+          </a:p>
+          <a:p>
+            <a:pPr algn="ctr"/>
+            <a:endParaRPr lang="ru-RU" sz="5400" dirty="0" smtClean="0"/>
+          </a:p>
+          <a:p>
+            <a:pPr algn="ctr"/>
+            <a:endParaRPr lang="ru-RU" sz="5400" dirty="0"/>
+          </a:p>
+        </p:txBody>
+      </p:sp>
+      <p:sp>
+        <p:nvSpPr>
+          <p:cNvPr id="5" name="Овал 4"/>
           <p:cNvSpPr/>
           <p:nvPr/>
         </p:nvSpPr>
         <p:spPr>
           <a:xfrm>
-            <a:off x="5759624" y="2060848"/>
-            <a:ext cx="3384376" cy="864096"/>
-          </a:xfrm>
-          <a:prstGeom prst="rect">
+            <a:off x="899592" y="2780928"/>
+            <a:ext cx="3240360" cy="3024336"/>
+          </a:xfrm>
+          <a:prstGeom prst="ellipse">
             <a:avLst/>
           </a:prstGeom>
-          <a:solidFill>
-            <a:schemeClr val="accent6">
-              <a:lumMod val="60000"/>
-              <a:lumOff val="40000"/>
-            </a:schemeClr>
-          </a:solidFill>
         </p:spPr>
         <p:style>
           <a:lnRef idx="2">
@@ -3626,388 +4046,150 @@
           <a:p>
             <a:pPr algn="ctr"/>
             <a:r>
-              <a:rPr lang="en-US" sz="5400" dirty="0" smtClean="0"/>
-              <a:t>01100001</a:t>
-            </a:r>
-            <a:endParaRPr lang="ru-RU" sz="5400" dirty="0"/>
-          </a:p>
-        </p:txBody>
-      </p:sp>
-      <p:sp>
-        <p:nvSpPr>
-          <p:cNvPr id="6" name="Прямоугольник 5"/>
-          <p:cNvSpPr/>
+              <a:rPr lang="ru-RU" sz="3200" dirty="0" smtClean="0"/>
+              <a:t>15 51 85 105 150 170 204 240</a:t>
+            </a:r>
+            <a:endParaRPr lang="ru-RU" sz="3200" dirty="0"/>
+          </a:p>
+        </p:txBody>
+      </p:sp>
+      <p:sp>
+        <p:nvSpPr>
+          <p:cNvPr id="3" name="TextBox 2"/>
+          <p:cNvSpPr txBox="1"/>
           <p:nvPr/>
         </p:nvSpPr>
         <p:spPr>
           <a:xfrm>
-            <a:off x="1115616" y="2060848"/>
-            <a:ext cx="3384376" cy="864096"/>
+            <a:off x="5203049" y="5788645"/>
+            <a:ext cx="3940951" cy="1077218"/>
           </a:xfrm>
           <a:prstGeom prst="rect">
             <a:avLst/>
           </a:prstGeom>
-          <a:solidFill>
-            <a:schemeClr val="accent6">
-              <a:lumMod val="60000"/>
-              <a:lumOff val="40000"/>
-            </a:schemeClr>
-          </a:solidFill>
-        </p:spPr>
-        <p:style>
-          <a:lnRef idx="2">
-            <a:schemeClr val="accent1">
-              <a:shade val="50000"/>
-            </a:schemeClr>
-          </a:lnRef>
-          <a:fillRef idx="1">
-            <a:schemeClr val="accent1"/>
-          </a:fillRef>
-          <a:effectRef idx="0">
-            <a:schemeClr val="accent1"/>
-          </a:effectRef>
-          <a:fontRef idx="minor">
-            <a:schemeClr val="lt1"/>
-          </a:fontRef>
-        </p:style>
-        <p:txBody>
-          <a:bodyPr rtlCol="0" anchor="ctr"/>
-          <a:lstStyle/>
-          <a:p>
-            <a:pPr algn="ctr"/>
-            <a:r>
-              <a:rPr lang="en-US" sz="5400" dirty="0" smtClean="0"/>
-              <a:t>01101110</a:t>
-            </a:r>
-            <a:endParaRPr lang="ru-RU" sz="5400" dirty="0"/>
-          </a:p>
-        </p:txBody>
-      </p:sp>
-      <p:sp>
-        <p:nvSpPr>
-          <p:cNvPr id="7" name="Стрелка вниз 6"/>
-          <p:cNvSpPr/>
-          <p:nvPr/>
-        </p:nvSpPr>
-        <p:spPr>
-          <a:xfrm>
-            <a:off x="6948264" y="1628800"/>
-            <a:ext cx="864096" cy="432048"/>
-          </a:xfrm>
-          <a:prstGeom prst="downArrow">
-            <a:avLst/>
-          </a:prstGeom>
-        </p:spPr>
-        <p:style>
-          <a:lnRef idx="2">
-            <a:schemeClr val="accent1">
-              <a:shade val="50000"/>
-            </a:schemeClr>
-          </a:lnRef>
-          <a:fillRef idx="1">
-            <a:schemeClr val="accent1"/>
-          </a:fillRef>
-          <a:effectRef idx="0">
-            <a:schemeClr val="accent1"/>
-          </a:effectRef>
-          <a:fontRef idx="minor">
-            <a:schemeClr val="lt1"/>
-          </a:fontRef>
-        </p:style>
-        <p:txBody>
-          <a:bodyPr rtlCol="0" anchor="ctr"/>
-          <a:lstStyle/>
-          <a:p>
-            <a:pPr algn="ctr"/>
-            <a:endParaRPr lang="ru-RU"/>
-          </a:p>
-        </p:txBody>
-      </p:sp>
-      <p:sp>
-        <p:nvSpPr>
-          <p:cNvPr id="8" name="Стрелка углом вверх 7"/>
-          <p:cNvSpPr/>
-          <p:nvPr/>
-        </p:nvSpPr>
-        <p:spPr>
-          <a:xfrm rot="10800000">
-            <a:off x="2627784" y="1124744"/>
-            <a:ext cx="2016224" cy="936104"/>
-          </a:xfrm>
-          <a:prstGeom prst="bentUpArrow">
-            <a:avLst/>
-          </a:prstGeom>
-          <a:solidFill>
-            <a:schemeClr val="accent1">
-              <a:lumMod val="60000"/>
-              <a:lumOff val="40000"/>
-            </a:schemeClr>
-          </a:solidFill>
-        </p:spPr>
-        <p:style>
-          <a:lnRef idx="2">
-            <a:schemeClr val="accent1">
-              <a:shade val="50000"/>
-            </a:schemeClr>
-          </a:lnRef>
-          <a:fillRef idx="1">
-            <a:schemeClr val="accent1"/>
-          </a:fillRef>
-          <a:effectRef idx="0">
-            <a:schemeClr val="accent1"/>
-          </a:effectRef>
-          <a:fontRef idx="minor">
-            <a:schemeClr val="lt1"/>
-          </a:fontRef>
-        </p:style>
-        <p:txBody>
-          <a:bodyPr rtlCol="0" anchor="ctr"/>
-          <a:lstStyle/>
-          <a:p>
-            <a:pPr algn="ctr"/>
-            <a:endParaRPr lang="ru-RU"/>
-          </a:p>
-        </p:txBody>
-      </p:sp>
-      <p:sp>
-        <p:nvSpPr>
-          <p:cNvPr id="9" name="Стрелка вниз 8"/>
-          <p:cNvSpPr/>
-          <p:nvPr/>
-        </p:nvSpPr>
-        <p:spPr>
-          <a:xfrm>
-            <a:off x="7092280" y="2924944"/>
-            <a:ext cx="720080" cy="1800200"/>
-          </a:xfrm>
-          <a:prstGeom prst="downArrow">
-            <a:avLst/>
-          </a:prstGeom>
-          <a:solidFill>
-            <a:schemeClr val="accent6">
-              <a:lumMod val="60000"/>
-              <a:lumOff val="40000"/>
-            </a:schemeClr>
-          </a:solidFill>
-        </p:spPr>
-        <p:style>
-          <a:lnRef idx="2">
-            <a:schemeClr val="accent1">
-              <a:shade val="50000"/>
-            </a:schemeClr>
-          </a:lnRef>
-          <a:fillRef idx="1">
-            <a:schemeClr val="accent1"/>
-          </a:fillRef>
-          <a:effectRef idx="0">
-            <a:schemeClr val="accent1"/>
-          </a:effectRef>
-          <a:fontRef idx="minor">
-            <a:schemeClr val="lt1"/>
-          </a:fontRef>
-        </p:style>
-        <p:txBody>
-          <a:bodyPr rtlCol="0" anchor="ctr"/>
-          <a:lstStyle/>
-          <a:p>
-            <a:pPr algn="ctr"/>
-            <a:endParaRPr lang="ru-RU"/>
-          </a:p>
-        </p:txBody>
-      </p:sp>
-      <p:sp>
-        <p:nvSpPr>
-          <p:cNvPr id="10" name="Стрелка углом вверх 9"/>
-          <p:cNvSpPr/>
-          <p:nvPr/>
-        </p:nvSpPr>
-        <p:spPr>
-          <a:xfrm rot="5400000">
-            <a:off x="4211960" y="1340768"/>
-            <a:ext cx="1440160" cy="4608512"/>
-          </a:xfrm>
-          <a:prstGeom prst="bentUpArrow">
-            <a:avLst>
-              <a:gd name="adj1" fmla="val 25000"/>
-              <a:gd name="adj2" fmla="val 25488"/>
-              <a:gd name="adj3" fmla="val 25000"/>
-            </a:avLst>
-          </a:prstGeom>
-          <a:solidFill>
-            <a:schemeClr val="accent6">
-              <a:lumMod val="60000"/>
-              <a:lumOff val="40000"/>
-            </a:schemeClr>
-          </a:solidFill>
-        </p:spPr>
-        <p:style>
-          <a:lnRef idx="2">
-            <a:schemeClr val="accent1">
-              <a:shade val="50000"/>
-            </a:schemeClr>
-          </a:lnRef>
-          <a:fillRef idx="1">
-            <a:schemeClr val="accent1"/>
-          </a:fillRef>
-          <a:effectRef idx="0">
-            <a:schemeClr val="accent1"/>
-          </a:effectRef>
-          <a:fontRef idx="minor">
-            <a:schemeClr val="lt1"/>
-          </a:fontRef>
-        </p:style>
-        <p:txBody>
-          <a:bodyPr rtlCol="0" anchor="ctr"/>
-          <a:lstStyle/>
-          <a:p>
-            <a:pPr algn="ctr"/>
-            <a:endParaRPr lang="ru-RU"/>
-          </a:p>
-        </p:txBody>
-      </p:sp>
-      <p:sp>
-        <p:nvSpPr>
-          <p:cNvPr id="11" name="Прямоугольник 10"/>
-          <p:cNvSpPr/>
-          <p:nvPr/>
-        </p:nvSpPr>
-        <p:spPr>
-          <a:xfrm>
-            <a:off x="5796136" y="4725144"/>
-            <a:ext cx="3347864" cy="864096"/>
-          </a:xfrm>
-          <a:prstGeom prst="rect">
-            <a:avLst/>
-          </a:prstGeom>
-          <a:solidFill>
-            <a:schemeClr val="accent3">
-              <a:lumMod val="60000"/>
-              <a:lumOff val="40000"/>
-            </a:schemeClr>
-          </a:solidFill>
-        </p:spPr>
-        <p:style>
-          <a:lnRef idx="2">
-            <a:schemeClr val="accent1">
-              <a:shade val="50000"/>
-            </a:schemeClr>
-          </a:lnRef>
-          <a:fillRef idx="1">
-            <a:schemeClr val="accent1"/>
-          </a:fillRef>
-          <a:effectRef idx="0">
-            <a:schemeClr val="accent1"/>
-          </a:effectRef>
-          <a:fontRef idx="minor">
-            <a:schemeClr val="lt1"/>
-          </a:fontRef>
-        </p:style>
-        <p:txBody>
-          <a:bodyPr rtlCol="0" anchor="ctr"/>
-          <a:lstStyle/>
-          <a:p>
-            <a:pPr algn="ctr"/>
-            <a:r>
-              <a:rPr lang="en-US" sz="5400" dirty="0" smtClean="0"/>
-              <a:t>11100011</a:t>
-            </a:r>
-            <a:endParaRPr lang="ru-RU" sz="5400" dirty="0"/>
-          </a:p>
-        </p:txBody>
-      </p:sp>
-      <p:sp>
-        <p:nvSpPr>
-          <p:cNvPr id="12" name="Стрелка влево 11"/>
-          <p:cNvSpPr/>
-          <p:nvPr/>
-        </p:nvSpPr>
-        <p:spPr>
-          <a:xfrm>
-            <a:off x="3779912" y="4797152"/>
-            <a:ext cx="2016224" cy="720080"/>
-          </a:xfrm>
-          <a:prstGeom prst="leftArrow">
-            <a:avLst/>
-          </a:prstGeom>
-          <a:solidFill>
-            <a:schemeClr val="accent3">
-              <a:lumMod val="60000"/>
-              <a:lumOff val="40000"/>
-            </a:schemeClr>
-          </a:solidFill>
-        </p:spPr>
-        <p:style>
-          <a:lnRef idx="2">
-            <a:schemeClr val="accent1">
-              <a:shade val="50000"/>
-            </a:schemeClr>
-          </a:lnRef>
-          <a:fillRef idx="1">
-            <a:schemeClr val="accent1"/>
-          </a:fillRef>
-          <a:effectRef idx="0">
-            <a:schemeClr val="accent1"/>
-          </a:effectRef>
-          <a:fontRef idx="minor">
-            <a:schemeClr val="lt1"/>
-          </a:fontRef>
-        </p:style>
-        <p:txBody>
-          <a:bodyPr rtlCol="0" anchor="ctr"/>
-          <a:lstStyle/>
-          <a:p>
-            <a:pPr algn="ctr"/>
-            <a:endParaRPr lang="ru-RU"/>
-          </a:p>
-        </p:txBody>
-      </p:sp>
-      <p:sp>
-        <p:nvSpPr>
-          <p:cNvPr id="13" name="Прямоугольник 12"/>
-          <p:cNvSpPr/>
-          <p:nvPr/>
-        </p:nvSpPr>
-        <p:spPr>
-          <a:xfrm>
-            <a:off x="395536" y="4725144"/>
-            <a:ext cx="3384376" cy="864096"/>
-          </a:xfrm>
-          <a:prstGeom prst="rect">
-            <a:avLst/>
-          </a:prstGeom>
-          <a:solidFill>
-            <a:schemeClr val="accent2">
-              <a:lumMod val="60000"/>
-              <a:lumOff val="40000"/>
-            </a:schemeClr>
-          </a:solidFill>
-        </p:spPr>
-        <p:style>
-          <a:lnRef idx="2">
-            <a:schemeClr val="accent1">
-              <a:shade val="50000"/>
-            </a:schemeClr>
-          </a:lnRef>
-          <a:fillRef idx="1">
-            <a:schemeClr val="accent1"/>
-          </a:fillRef>
-          <a:effectRef idx="0">
-            <a:schemeClr val="accent1"/>
-          </a:effectRef>
-          <a:fontRef idx="minor">
-            <a:schemeClr val="lt1"/>
-          </a:fontRef>
-        </p:style>
-        <p:txBody>
-          <a:bodyPr rtlCol="0" anchor="ctr"/>
-          <a:lstStyle/>
-          <a:p>
-            <a:pPr algn="ctr"/>
-            <a:r>
-              <a:rPr lang="en-US" sz="5400" dirty="0" smtClean="0"/>
-              <a:t>ã</a:t>
-            </a:r>
-            <a:endParaRPr lang="ru-RU" sz="5400" dirty="0"/>
+          <a:noFill/>
+        </p:spPr>
+        <p:txBody>
+          <a:bodyPr wrap="none" rtlCol="0">
+            <a:spAutoFit/>
+          </a:bodyPr>
+          <a:lstStyle/>
+          <a:p>
+            <a:r>
+              <a:rPr lang="en-US" sz="3200" b="1" dirty="0"/>
+              <a:t>E</a:t>
+            </a:r>
+            <a:r>
+              <a:rPr lang="en-US" sz="3200" b="1" baseline="-25000" dirty="0" smtClean="0"/>
+              <a:t>110</a:t>
+            </a:r>
+            <a:r>
+              <a:rPr lang="en-US" sz="3200" b="1" dirty="0" smtClean="0"/>
+              <a:t>(</a:t>
+            </a:r>
+            <a:r>
+              <a:rPr lang="en-US" sz="3200" i="1" dirty="0" smtClean="0"/>
+              <a:t>Lime</a:t>
+            </a:r>
+            <a:r>
+              <a:rPr lang="en-US" sz="3200" b="1" dirty="0" smtClean="0"/>
+              <a:t>)</a:t>
+            </a:r>
+            <a:r>
+              <a:rPr lang="en-US" sz="3200" dirty="0" smtClean="0"/>
+              <a:t> </a:t>
+            </a:r>
+            <a:r>
+              <a:rPr lang="en-US" sz="3200" dirty="0" smtClean="0">
+                <a:solidFill>
+                  <a:srgbClr val="FF0000"/>
+                </a:solidFill>
+              </a:rPr>
+              <a:t>=</a:t>
+            </a:r>
+            <a:r>
+              <a:rPr lang="en-US" sz="3200" dirty="0" smtClean="0"/>
+              <a:t> </a:t>
+            </a:r>
+            <a:r>
+              <a:rPr lang="en-US" sz="3200" b="1" dirty="0"/>
+              <a:t>E</a:t>
+            </a:r>
+            <a:r>
+              <a:rPr lang="en-US" sz="3200" b="1" baseline="-25000" dirty="0" smtClean="0"/>
+              <a:t>110</a:t>
+            </a:r>
+            <a:r>
+              <a:rPr lang="en-US" sz="3200" b="1" dirty="0" smtClean="0"/>
+              <a:t>(</a:t>
+            </a:r>
+            <a:r>
+              <a:rPr lang="en-US" sz="3200" i="1" dirty="0" smtClean="0"/>
+              <a:t>time</a:t>
+            </a:r>
+            <a:r>
+              <a:rPr lang="en-US" sz="3200" b="1" dirty="0" smtClean="0"/>
+              <a:t>)</a:t>
+            </a:r>
+          </a:p>
+          <a:p>
+            <a:r>
+              <a:rPr lang="en-US" sz="3200" b="1" dirty="0"/>
+              <a:t>E</a:t>
+            </a:r>
+            <a:r>
+              <a:rPr lang="en-US" sz="3200" b="1" baseline="-25000" dirty="0" smtClean="0"/>
+              <a:t>110</a:t>
+            </a:r>
+            <a:r>
+              <a:rPr lang="en-US" sz="3200" b="1" dirty="0" smtClean="0"/>
+              <a:t>(</a:t>
+            </a:r>
+            <a:r>
+              <a:rPr lang="en-US" sz="3200" i="1" dirty="0" smtClean="0"/>
+              <a:t>Light</a:t>
+            </a:r>
+            <a:r>
+              <a:rPr lang="en-US" sz="3200" b="1" dirty="0" smtClean="0"/>
+              <a:t>)</a:t>
+            </a:r>
+            <a:r>
+              <a:rPr lang="en-US" sz="3200" dirty="0" smtClean="0"/>
+              <a:t> </a:t>
+            </a:r>
+            <a:r>
+              <a:rPr lang="en-US" sz="3200" dirty="0" smtClean="0">
+                <a:solidFill>
+                  <a:srgbClr val="FF0000"/>
+                </a:solidFill>
+              </a:rPr>
+              <a:t>=</a:t>
+            </a:r>
+            <a:r>
+              <a:rPr lang="en-US" sz="3200" dirty="0" smtClean="0"/>
+              <a:t> </a:t>
+            </a:r>
+            <a:r>
+              <a:rPr lang="en-US" sz="3200" b="1" dirty="0"/>
+              <a:t>E</a:t>
+            </a:r>
+            <a:r>
+              <a:rPr lang="en-US" sz="3200" b="1" baseline="-25000" dirty="0" smtClean="0"/>
+              <a:t>110</a:t>
+            </a:r>
+            <a:r>
+              <a:rPr lang="en-US" sz="3200" b="1" dirty="0" smtClean="0"/>
+              <a:t>(</a:t>
+            </a:r>
+            <a:r>
+              <a:rPr lang="en-US" sz="3200" i="1" dirty="0" smtClean="0"/>
+              <a:t>tight</a:t>
+            </a:r>
+            <a:r>
+              <a:rPr lang="en-US" sz="3200" b="1" dirty="0" smtClean="0"/>
+              <a:t>)</a:t>
+            </a:r>
+            <a:endParaRPr lang="ru-RU" sz="3200" b="1" dirty="0"/>
           </a:p>
         </p:txBody>
       </p:sp>
@@ -4016,6 +4198,13 @@
   <p:clrMapOvr>
     <a:masterClrMapping/>
   </p:clrMapOvr>
+  <p:timing>
+    <p:tnLst>
+      <p:par>
+        <p:cTn id="1" dur="indefinite" restart="never" nodeType="tmRoot"/>
+      </p:par>
+    </p:tnLst>
+  </p:timing>
 </p:sld>
 </file>
 
@@ -4048,7 +4237,7 @@
         </p:nvSpPr>
         <p:spPr>
           <a:xfrm>
-            <a:off x="0" y="-243408"/>
+            <a:off x="0" y="-315416"/>
             <a:ext cx="9144000" cy="1143000"/>
           </a:xfrm>
         </p:spPr>
@@ -4058,7 +4247,7 @@
           <a:p>
             <a:r>
               <a:rPr lang="ru-RU" dirty="0" smtClean="0"/>
-              <a:t>Коллизии</a:t>
+              <a:t>Дешифрование</a:t>
             </a:r>
             <a:endParaRPr lang="ru-RU" dirty="0"/>
           </a:p>
@@ -4066,23 +4255,18 @@
       </p:sp>
       <p:sp>
         <p:nvSpPr>
-          <p:cNvPr id="4" name="Овал 3"/>
+          <p:cNvPr id="4" name="Прямоугольник 3"/>
           <p:cNvSpPr/>
           <p:nvPr/>
         </p:nvSpPr>
         <p:spPr>
           <a:xfrm>
-            <a:off x="0" y="620688"/>
-            <a:ext cx="7056784" cy="6237312"/>
-          </a:xfrm>
-          <a:prstGeom prst="ellipse">
+            <a:off x="323528" y="620688"/>
+            <a:ext cx="3744416" cy="936104"/>
+          </a:xfrm>
+          <a:prstGeom prst="rect">
             <a:avLst/>
           </a:prstGeom>
-          <a:solidFill>
-            <a:schemeClr val="bg2">
-              <a:lumMod val="90000"/>
-            </a:schemeClr>
-          </a:solidFill>
         </p:spPr>
         <p:style>
           <a:lnRef idx="2">
@@ -4107,35 +4291,28 @@
             <a:pPr algn="ctr"/>
             <a:r>
               <a:rPr lang="ru-RU" sz="5400" dirty="0" smtClean="0"/>
-              <a:t>Ключи</a:t>
-            </a:r>
-          </a:p>
-          <a:p>
-            <a:pPr algn="ctr"/>
-            <a:endParaRPr lang="ru-RU" sz="5400" dirty="0" smtClean="0"/>
-          </a:p>
-          <a:p>
-            <a:pPr algn="ctr"/>
-            <a:endParaRPr lang="ru-RU" sz="5400" dirty="0" smtClean="0"/>
-          </a:p>
-          <a:p>
-            <a:pPr algn="ctr"/>
+              <a:t>240 </a:t>
+            </a:r>
+            <a:r>
+              <a:rPr lang="en-US" sz="5400" dirty="0" smtClean="0"/>
+              <a:t>a</a:t>
+            </a:r>
             <a:endParaRPr lang="ru-RU" sz="5400" dirty="0"/>
           </a:p>
         </p:txBody>
       </p:sp>
       <p:sp>
         <p:nvSpPr>
-          <p:cNvPr id="5" name="Овал 4"/>
+          <p:cNvPr id="5" name="Стрелка вниз 4"/>
           <p:cNvSpPr/>
           <p:nvPr/>
         </p:nvSpPr>
         <p:spPr>
           <a:xfrm>
-            <a:off x="755576" y="3284984"/>
-            <a:ext cx="3240360" cy="3024336"/>
-          </a:xfrm>
-          <a:prstGeom prst="ellipse">
+            <a:off x="1835696" y="1556792"/>
+            <a:ext cx="720080" cy="720080"/>
+          </a:xfrm>
+          <a:prstGeom prst="downArrow">
             <a:avLst/>
           </a:prstGeom>
         </p:spPr>
@@ -4160,11 +4337,194 @@
           <a:lstStyle/>
           <a:p>
             <a:pPr algn="ctr"/>
-            <a:r>
-              <a:rPr lang="ru-RU" sz="3200" dirty="0" smtClean="0"/>
-              <a:t>15 51 85 105 150 170 204 240</a:t>
-            </a:r>
-            <a:endParaRPr lang="ru-RU" sz="3200" dirty="0"/>
+            <a:endParaRPr lang="ru-RU"/>
+          </a:p>
+        </p:txBody>
+      </p:sp>
+      <p:sp>
+        <p:nvSpPr>
+          <p:cNvPr id="6" name="Прямоугольник 5"/>
+          <p:cNvSpPr/>
+          <p:nvPr/>
+        </p:nvSpPr>
+        <p:spPr>
+          <a:xfrm>
+            <a:off x="323528" y="2276872"/>
+            <a:ext cx="3744416" cy="936104"/>
+          </a:xfrm>
+          <a:prstGeom prst="rect">
+            <a:avLst/>
+          </a:prstGeom>
+          <a:solidFill>
+            <a:schemeClr val="bg2">
+              <a:lumMod val="75000"/>
+            </a:schemeClr>
+          </a:solidFill>
+        </p:spPr>
+        <p:style>
+          <a:lnRef idx="2">
+            <a:schemeClr val="accent1">
+              <a:shade val="50000"/>
+            </a:schemeClr>
+          </a:lnRef>
+          <a:fillRef idx="1">
+            <a:schemeClr val="accent1"/>
+          </a:fillRef>
+          <a:effectRef idx="0">
+            <a:schemeClr val="accent1"/>
+          </a:effectRef>
+          <a:fontRef idx="minor">
+            <a:schemeClr val="lt1"/>
+          </a:fontRef>
+        </p:style>
+        <p:txBody>
+          <a:bodyPr rtlCol="0" anchor="ctr"/>
+          <a:lstStyle/>
+          <a:p>
+            <a:pPr algn="ctr"/>
+            <a:r>
+              <a:rPr lang="en-US" sz="5400" dirty="0" smtClean="0"/>
+              <a:t>0</a:t>
+            </a:r>
+            <a:endParaRPr lang="ru-RU" sz="5400" dirty="0"/>
+          </a:p>
+        </p:txBody>
+      </p:sp>
+      <p:sp>
+        <p:nvSpPr>
+          <p:cNvPr id="7" name="Прямоугольник 6"/>
+          <p:cNvSpPr/>
+          <p:nvPr/>
+        </p:nvSpPr>
+        <p:spPr>
+          <a:xfrm>
+            <a:off x="5076056" y="620688"/>
+            <a:ext cx="3744416" cy="936104"/>
+          </a:xfrm>
+          <a:prstGeom prst="rect">
+            <a:avLst/>
+          </a:prstGeom>
+          <a:solidFill>
+            <a:schemeClr val="bg2">
+              <a:lumMod val="75000"/>
+            </a:schemeClr>
+          </a:solidFill>
+        </p:spPr>
+        <p:style>
+          <a:lnRef idx="2">
+            <a:schemeClr val="accent1">
+              <a:shade val="50000"/>
+            </a:schemeClr>
+          </a:lnRef>
+          <a:fillRef idx="1">
+            <a:schemeClr val="accent1"/>
+          </a:fillRef>
+          <a:effectRef idx="0">
+            <a:schemeClr val="accent1"/>
+          </a:effectRef>
+          <a:fontRef idx="minor">
+            <a:schemeClr val="lt1"/>
+          </a:fontRef>
+        </p:style>
+        <p:txBody>
+          <a:bodyPr rtlCol="0" anchor="ctr"/>
+          <a:lstStyle/>
+          <a:p>
+            <a:pPr algn="ctr"/>
+            <a:r>
+              <a:rPr lang="en-US" sz="5400" dirty="0" smtClean="0"/>
+              <a:t>170 0</a:t>
+            </a:r>
+            <a:endParaRPr lang="ru-RU" sz="5400" dirty="0"/>
+          </a:p>
+        </p:txBody>
+      </p:sp>
+      <p:sp>
+        <p:nvSpPr>
+          <p:cNvPr id="8" name="Стрелка вниз 7"/>
+          <p:cNvSpPr/>
+          <p:nvPr/>
+        </p:nvSpPr>
+        <p:spPr>
+          <a:xfrm>
+            <a:off x="6516216" y="1556792"/>
+            <a:ext cx="792088" cy="720080"/>
+          </a:xfrm>
+          <a:prstGeom prst="downArrow">
+            <a:avLst/>
+          </a:prstGeom>
+          <a:solidFill>
+            <a:schemeClr val="bg2">
+              <a:lumMod val="75000"/>
+            </a:schemeClr>
+          </a:solidFill>
+        </p:spPr>
+        <p:style>
+          <a:lnRef idx="2">
+            <a:schemeClr val="accent1">
+              <a:shade val="50000"/>
+            </a:schemeClr>
+          </a:lnRef>
+          <a:fillRef idx="1">
+            <a:schemeClr val="accent1"/>
+          </a:fillRef>
+          <a:effectRef idx="0">
+            <a:schemeClr val="accent1"/>
+          </a:effectRef>
+          <a:fontRef idx="minor">
+            <a:schemeClr val="lt1"/>
+          </a:fontRef>
+        </p:style>
+        <p:txBody>
+          <a:bodyPr rtlCol="0" anchor="ctr"/>
+          <a:lstStyle/>
+          <a:p>
+            <a:pPr algn="ctr"/>
+            <a:endParaRPr lang="ru-RU"/>
+          </a:p>
+        </p:txBody>
+      </p:sp>
+      <p:sp>
+        <p:nvSpPr>
+          <p:cNvPr id="9" name="Прямоугольник 8"/>
+          <p:cNvSpPr/>
+          <p:nvPr/>
+        </p:nvSpPr>
+        <p:spPr>
+          <a:xfrm>
+            <a:off x="5076056" y="2276872"/>
+            <a:ext cx="3744416" cy="936104"/>
+          </a:xfrm>
+          <a:prstGeom prst="rect">
+            <a:avLst/>
+          </a:prstGeom>
+        </p:spPr>
+        <p:style>
+          <a:lnRef idx="2">
+            <a:schemeClr val="accent1">
+              <a:shade val="50000"/>
+            </a:schemeClr>
+          </a:lnRef>
+          <a:fillRef idx="1">
+            <a:schemeClr val="accent1"/>
+          </a:fillRef>
+          <a:effectRef idx="0">
+            <a:schemeClr val="accent1"/>
+          </a:effectRef>
+          <a:fontRef idx="minor">
+            <a:schemeClr val="lt1"/>
+          </a:fontRef>
+        </p:style>
+        <p:txBody>
+          <a:bodyPr rtlCol="0" anchor="ctr"/>
+          <a:lstStyle/>
+          <a:p>
+            <a:pPr algn="ctr"/>
+            <a:r>
+              <a:rPr lang="en-US" sz="5400" dirty="0" smtClean="0"/>
+              <a:t>a</a:t>
+            </a:r>
+            <a:endParaRPr lang="ru-RU" sz="5400" dirty="0"/>
           </a:p>
         </p:txBody>
       </p:sp>
@@ -4173,6 +4533,13 @@
   <p:clrMapOvr>
     <a:masterClrMapping/>
   </p:clrMapOvr>
+  <p:timing>
+    <p:tnLst>
+      <p:par>
+        <p:cTn id="1" dur="indefinite" restart="never" nodeType="tmRoot"/>
+      </p:par>
+    </p:tnLst>
+  </p:timing>
 </p:sld>
 </file>
 
@@ -4215,7 +4582,7 @@
           <a:p>
             <a:r>
               <a:rPr lang="ru-RU" dirty="0" smtClean="0"/>
-              <a:t>Дешифрование</a:t>
+              <a:t>Реализация</a:t>
             </a:r>
             <a:endParaRPr lang="ru-RU" dirty="0"/>
           </a:p>
@@ -4223,16 +4590,16 @@
       </p:sp>
       <p:sp>
         <p:nvSpPr>
-          <p:cNvPr id="4" name="Прямоугольник 3"/>
+          <p:cNvPr id="5" name="Овал 4"/>
           <p:cNvSpPr/>
           <p:nvPr/>
         </p:nvSpPr>
         <p:spPr>
           <a:xfrm>
-            <a:off x="323528" y="620688"/>
-            <a:ext cx="3744416" cy="936104"/>
-          </a:xfrm>
-          <a:prstGeom prst="rect">
+            <a:off x="1331640" y="764704"/>
+            <a:ext cx="6264696" cy="5832648"/>
+          </a:xfrm>
+          <a:prstGeom prst="ellipse">
             <a:avLst/>
           </a:prstGeom>
         </p:spPr>
@@ -4259,11 +4626,15 @@
             <a:pPr algn="ctr"/>
             <a:r>
               <a:rPr lang="ru-RU" sz="5400" dirty="0" smtClean="0"/>
-              <a:t>240 </a:t>
+              <a:t>Класс</a:t>
             </a:r>
             <a:r>
               <a:rPr lang="en-US" sz="5400" dirty="0" smtClean="0"/>
-              <a:t>a</a:t>
+              <a:t> Field</a:t>
+            </a:r>
+            <a:r>
+              <a:rPr lang="ru-RU" sz="5400" dirty="0" smtClean="0"/>
+              <a:t> </a:t>
             </a:r>
             <a:endParaRPr lang="ru-RU" sz="5400" dirty="0"/>
           </a:p>
@@ -4271,228 +4642,183 @@
       </p:sp>
       <p:sp>
         <p:nvSpPr>
-          <p:cNvPr id="5" name="Стрелка вниз 4"/>
-          <p:cNvSpPr/>
+          <p:cNvPr id="6" name="TextBox 5"/>
+          <p:cNvSpPr txBox="1"/>
           <p:nvPr/>
         </p:nvSpPr>
         <p:spPr>
           <a:xfrm>
-            <a:off x="1835696" y="1556792"/>
-            <a:ext cx="720080" cy="720080"/>
-          </a:xfrm>
-          <a:prstGeom prst="downArrow">
-            <a:avLst/>
-          </a:prstGeom>
-        </p:spPr>
-        <p:style>
-          <a:lnRef idx="2">
-            <a:schemeClr val="accent1">
-              <a:shade val="50000"/>
-            </a:schemeClr>
-          </a:lnRef>
-          <a:fillRef idx="1">
-            <a:schemeClr val="accent1"/>
-          </a:fillRef>
-          <a:effectRef idx="0">
-            <a:schemeClr val="accent1"/>
-          </a:effectRef>
-          <a:fontRef idx="minor">
-            <a:schemeClr val="lt1"/>
-          </a:fontRef>
-        </p:style>
-        <p:txBody>
-          <a:bodyPr rtlCol="0" anchor="ctr"/>
-          <a:lstStyle/>
-          <a:p>
-            <a:pPr algn="ctr"/>
-            <a:endParaRPr lang="ru-RU"/>
-          </a:p>
-        </p:txBody>
-      </p:sp>
-      <p:sp>
-        <p:nvSpPr>
-          <p:cNvPr id="6" name="Прямоугольник 5"/>
-          <p:cNvSpPr/>
-          <p:nvPr/>
-        </p:nvSpPr>
-        <p:spPr>
-          <a:xfrm>
-            <a:off x="323528" y="2276872"/>
-            <a:ext cx="3744416" cy="936104"/>
+            <a:off x="3347864" y="1844824"/>
+            <a:ext cx="1241237" cy="584775"/>
           </a:xfrm>
           <a:prstGeom prst="rect">
             <a:avLst/>
           </a:prstGeom>
-          <a:solidFill>
-            <a:schemeClr val="bg2">
-              <a:lumMod val="75000"/>
-            </a:schemeClr>
-          </a:solidFill>
-        </p:spPr>
-        <p:style>
-          <a:lnRef idx="2">
-            <a:schemeClr val="accent1">
-              <a:shade val="50000"/>
-            </a:schemeClr>
-          </a:lnRef>
-          <a:fillRef idx="1">
-            <a:schemeClr val="accent1"/>
-          </a:fillRef>
-          <a:effectRef idx="0">
-            <a:schemeClr val="accent1"/>
-          </a:effectRef>
-          <a:fontRef idx="minor">
-            <a:schemeClr val="lt1"/>
-          </a:fontRef>
-        </p:style>
-        <p:txBody>
-          <a:bodyPr rtlCol="0" anchor="ctr"/>
-          <a:lstStyle/>
-          <a:p>
-            <a:pPr algn="ctr"/>
-            <a:r>
-              <a:rPr lang="en-US" sz="5400" dirty="0" smtClean="0"/>
-              <a:t>0</a:t>
-            </a:r>
-            <a:endParaRPr lang="ru-RU" sz="5400" dirty="0"/>
-          </a:p>
-        </p:txBody>
-      </p:sp>
-      <p:sp>
-        <p:nvSpPr>
-          <p:cNvPr id="7" name="Прямоугольник 6"/>
-          <p:cNvSpPr/>
+          <a:noFill/>
+        </p:spPr>
+        <p:txBody>
+          <a:bodyPr wrap="none" rtlCol="0">
+            <a:spAutoFit/>
+          </a:bodyPr>
+          <a:lstStyle/>
+          <a:p>
+            <a:r>
+              <a:rPr lang="en-US" sz="3200" dirty="0" smtClean="0">
+                <a:solidFill>
+                  <a:schemeClr val="bg1"/>
+                </a:solidFill>
+              </a:rPr>
+              <a:t>length</a:t>
+            </a:r>
+            <a:endParaRPr lang="ru-RU" sz="3200" dirty="0">
+              <a:solidFill>
+                <a:schemeClr val="bg1"/>
+              </a:solidFill>
+            </a:endParaRPr>
+          </a:p>
+        </p:txBody>
+      </p:sp>
+      <p:sp>
+        <p:nvSpPr>
+          <p:cNvPr id="7" name="TextBox 6"/>
+          <p:cNvSpPr txBox="1"/>
           <p:nvPr/>
         </p:nvSpPr>
         <p:spPr>
           <a:xfrm>
-            <a:off x="5076056" y="620688"/>
-            <a:ext cx="3744416" cy="936104"/>
+            <a:off x="4139952" y="5229200"/>
+            <a:ext cx="1408206" cy="584775"/>
           </a:xfrm>
           <a:prstGeom prst="rect">
             <a:avLst/>
           </a:prstGeom>
-          <a:solidFill>
-            <a:schemeClr val="bg2">
-              <a:lumMod val="75000"/>
-            </a:schemeClr>
-          </a:solidFill>
-        </p:spPr>
-        <p:style>
-          <a:lnRef idx="2">
-            <a:schemeClr val="accent1">
-              <a:shade val="50000"/>
-            </a:schemeClr>
-          </a:lnRef>
-          <a:fillRef idx="1">
-            <a:schemeClr val="accent1"/>
-          </a:fillRef>
-          <a:effectRef idx="0">
-            <a:schemeClr val="accent1"/>
-          </a:effectRef>
-          <a:fontRef idx="minor">
-            <a:schemeClr val="lt1"/>
-          </a:fontRef>
-        </p:style>
-        <p:txBody>
-          <a:bodyPr rtlCol="0" anchor="ctr"/>
-          <a:lstStyle/>
-          <a:p>
-            <a:pPr algn="ctr"/>
-            <a:r>
-              <a:rPr lang="en-US" sz="5400" dirty="0" smtClean="0"/>
-              <a:t>170 0</a:t>
-            </a:r>
-            <a:endParaRPr lang="ru-RU" sz="5400" dirty="0"/>
-          </a:p>
-        </p:txBody>
-      </p:sp>
-      <p:sp>
-        <p:nvSpPr>
-          <p:cNvPr id="8" name="Стрелка вниз 7"/>
-          <p:cNvSpPr/>
+          <a:noFill/>
+        </p:spPr>
+        <p:txBody>
+          <a:bodyPr wrap="none" rtlCol="0">
+            <a:spAutoFit/>
+          </a:bodyPr>
+          <a:lstStyle/>
+          <a:p>
+            <a:r>
+              <a:rPr lang="en-US" sz="3200" dirty="0" smtClean="0">
+                <a:solidFill>
+                  <a:schemeClr val="bg1"/>
+                </a:solidFill>
+              </a:rPr>
+              <a:t>current</a:t>
+            </a:r>
+            <a:endParaRPr lang="ru-RU" sz="3200" dirty="0">
+              <a:solidFill>
+                <a:schemeClr val="bg1"/>
+              </a:solidFill>
+            </a:endParaRPr>
+          </a:p>
+        </p:txBody>
+      </p:sp>
+      <p:sp>
+        <p:nvSpPr>
+          <p:cNvPr id="8" name="TextBox 7"/>
+          <p:cNvSpPr txBox="1"/>
           <p:nvPr/>
         </p:nvSpPr>
         <p:spPr>
           <a:xfrm>
-            <a:off x="6516216" y="1556792"/>
-            <a:ext cx="792088" cy="720080"/>
-          </a:xfrm>
-          <a:prstGeom prst="downArrow">
-            <a:avLst/>
-          </a:prstGeom>
-          <a:solidFill>
-            <a:schemeClr val="bg2">
-              <a:lumMod val="75000"/>
-            </a:schemeClr>
-          </a:solidFill>
-        </p:spPr>
-        <p:style>
-          <a:lnRef idx="2">
-            <a:schemeClr val="accent1">
-              <a:shade val="50000"/>
-            </a:schemeClr>
-          </a:lnRef>
-          <a:fillRef idx="1">
-            <a:schemeClr val="accent1"/>
-          </a:fillRef>
-          <a:effectRef idx="0">
-            <a:schemeClr val="accent1"/>
-          </a:effectRef>
-          <a:fontRef idx="minor">
-            <a:schemeClr val="lt1"/>
-          </a:fontRef>
-        </p:style>
-        <p:txBody>
-          <a:bodyPr rtlCol="0" anchor="ctr"/>
-          <a:lstStyle/>
-          <a:p>
-            <a:pPr algn="ctr"/>
-            <a:endParaRPr lang="ru-RU"/>
-          </a:p>
-        </p:txBody>
-      </p:sp>
-      <p:sp>
-        <p:nvSpPr>
-          <p:cNvPr id="9" name="Прямоугольник 8"/>
-          <p:cNvSpPr/>
-          <p:nvPr/>
-        </p:nvSpPr>
-        <p:spPr>
-          <a:xfrm>
-            <a:off x="5076056" y="2276872"/>
-            <a:ext cx="3744416" cy="936104"/>
+            <a:off x="2195736" y="4581128"/>
+            <a:ext cx="915443" cy="584775"/>
           </a:xfrm>
           <a:prstGeom prst="rect">
             <a:avLst/>
           </a:prstGeom>
-        </p:spPr>
-        <p:style>
-          <a:lnRef idx="2">
-            <a:schemeClr val="accent1">
-              <a:shade val="50000"/>
-            </a:schemeClr>
-          </a:lnRef>
-          <a:fillRef idx="1">
-            <a:schemeClr val="accent1"/>
-          </a:fillRef>
-          <a:effectRef idx="0">
-            <a:schemeClr val="accent1"/>
-          </a:effectRef>
-          <a:fontRef idx="minor">
-            <a:schemeClr val="lt1"/>
-          </a:fontRef>
-        </p:style>
-        <p:txBody>
-          <a:bodyPr rtlCol="0" anchor="ctr"/>
-          <a:lstStyle/>
-          <a:p>
-            <a:pPr algn="ctr"/>
-            <a:r>
-              <a:rPr lang="en-US" sz="5400" dirty="0" smtClean="0"/>
-              <a:t>a</a:t>
-            </a:r>
-            <a:endParaRPr lang="ru-RU" sz="5400" dirty="0"/>
+          <a:noFill/>
+        </p:spPr>
+        <p:txBody>
+          <a:bodyPr wrap="none" rtlCol="0">
+            <a:spAutoFit/>
+          </a:bodyPr>
+          <a:lstStyle/>
+          <a:p>
+            <a:r>
+              <a:rPr lang="en-US" sz="3200" dirty="0" smtClean="0">
+                <a:solidFill>
+                  <a:schemeClr val="bg1"/>
+                </a:solidFill>
+              </a:rPr>
+              <a:t>next</a:t>
+            </a:r>
+            <a:endParaRPr lang="ru-RU" sz="3200" dirty="0">
+              <a:solidFill>
+                <a:schemeClr val="bg1"/>
+              </a:solidFill>
+            </a:endParaRPr>
+          </a:p>
+        </p:txBody>
+      </p:sp>
+      <p:sp>
+        <p:nvSpPr>
+          <p:cNvPr id="9" name="TextBox 8"/>
+          <p:cNvSpPr txBox="1"/>
+          <p:nvPr/>
+        </p:nvSpPr>
+        <p:spPr>
+          <a:xfrm>
+            <a:off x="5724128" y="2492896"/>
+            <a:ext cx="841897" cy="584775"/>
+          </a:xfrm>
+          <a:prstGeom prst="rect">
+            <a:avLst/>
+          </a:prstGeom>
+          <a:noFill/>
+        </p:spPr>
+        <p:txBody>
+          <a:bodyPr wrap="none" rtlCol="0">
+            <a:spAutoFit/>
+          </a:bodyPr>
+          <a:lstStyle/>
+          <a:p>
+            <a:r>
+              <a:rPr lang="en-US" sz="3200" dirty="0" smtClean="0">
+                <a:solidFill>
+                  <a:schemeClr val="bg1"/>
+                </a:solidFill>
+              </a:rPr>
+              <a:t>rule</a:t>
+            </a:r>
+            <a:endParaRPr lang="ru-RU" sz="3200" dirty="0">
+              <a:solidFill>
+                <a:schemeClr val="bg1"/>
+              </a:solidFill>
+            </a:endParaRPr>
+          </a:p>
+        </p:txBody>
+      </p:sp>
+      <p:sp>
+        <p:nvSpPr>
+          <p:cNvPr id="10" name="TextBox 9"/>
+          <p:cNvSpPr txBox="1"/>
+          <p:nvPr/>
+        </p:nvSpPr>
+        <p:spPr>
+          <a:xfrm>
+            <a:off x="683568" y="2204864"/>
+            <a:ext cx="1710918" cy="584775"/>
+          </a:xfrm>
+          <a:prstGeom prst="rect">
+            <a:avLst/>
+          </a:prstGeom>
+          <a:noFill/>
+        </p:spPr>
+        <p:txBody>
+          <a:bodyPr wrap="none" rtlCol="0">
+            <a:spAutoFit/>
+          </a:bodyPr>
+          <a:lstStyle/>
+          <a:p>
+            <a:r>
+              <a:rPr lang="en-US" sz="3200" dirty="0" smtClean="0"/>
+              <a:t>encrypt()</a:t>
+            </a:r>
+            <a:endParaRPr lang="ru-RU" sz="3200" dirty="0"/>
           </a:p>
         </p:txBody>
       </p:sp>
@@ -4501,6 +4827,13 @@
   <p:clrMapOvr>
     <a:masterClrMapping/>
   </p:clrMapOvr>
+  <p:timing>
+    <p:tnLst>
+      <p:par>
+        <p:cTn id="1" dur="indefinite" restart="never" nodeType="tmRoot"/>
+      </p:par>
+    </p:tnLst>
+  </p:timing>
 </p:sld>
 </file>
 
@@ -4533,265 +4866,66 @@
         </p:nvSpPr>
         <p:spPr>
           <a:xfrm>
-            <a:off x="0" y="-315416"/>
-            <a:ext cx="9144000" cy="1143000"/>
-          </a:xfrm>
-        </p:spPr>
-        <p:txBody>
-          <a:bodyPr/>
-          <a:lstStyle/>
-          <a:p>
-            <a:r>
-              <a:rPr lang="ru-RU" dirty="0" smtClean="0"/>
-              <a:t>Реализация</a:t>
-            </a:r>
-            <a:endParaRPr lang="ru-RU" dirty="0"/>
-          </a:p>
-        </p:txBody>
-      </p:sp>
-      <p:sp>
-        <p:nvSpPr>
-          <p:cNvPr id="5" name="Овал 4"/>
-          <p:cNvSpPr/>
+            <a:off x="0" y="-387424"/>
+            <a:ext cx="9144000" cy="1156990"/>
+          </a:xfrm>
+        </p:spPr>
+        <p:txBody>
+          <a:bodyPr>
+            <a:normAutofit/>
+          </a:bodyPr>
+          <a:lstStyle/>
+          <a:p>
+            <a:r>
+              <a:rPr lang="ru-RU" sz="3600" dirty="0" smtClean="0"/>
+              <a:t>Взлом</a:t>
+            </a:r>
+            <a:endParaRPr lang="ru-RU" sz="3600" dirty="0"/>
+          </a:p>
+        </p:txBody>
+      </p:sp>
+      <p:pic>
+        <p:nvPicPr>
+          <p:cNvPr id="4" name="Рисунок 3" descr="C:\Users\Admin\Downloads\Untitled Diagram.jpg"/>
+          <p:cNvPicPr/>
           <p:nvPr/>
-        </p:nvSpPr>
-        <p:spPr>
-          <a:xfrm>
-            <a:off x="1331640" y="764704"/>
-            <a:ext cx="6264696" cy="5832648"/>
-          </a:xfrm>
-          <a:prstGeom prst="ellipse">
-            <a:avLst/>
-          </a:prstGeom>
-        </p:spPr>
-        <p:style>
-          <a:lnRef idx="2">
-            <a:schemeClr val="accent1">
-              <a:shade val="50000"/>
-            </a:schemeClr>
-          </a:lnRef>
-          <a:fillRef idx="1">
-            <a:schemeClr val="accent1"/>
-          </a:fillRef>
-          <a:effectRef idx="0">
-            <a:schemeClr val="accent1"/>
-          </a:effectRef>
-          <a:fontRef idx="minor">
-            <a:schemeClr val="lt1"/>
-          </a:fontRef>
-        </p:style>
-        <p:txBody>
-          <a:bodyPr rtlCol="0" anchor="ctr"/>
-          <a:lstStyle/>
-          <a:p>
-            <a:pPr algn="ctr"/>
-            <a:r>
-              <a:rPr lang="ru-RU" sz="5400" dirty="0" smtClean="0"/>
-              <a:t>Класс</a:t>
-            </a:r>
-            <a:r>
-              <a:rPr lang="en-US" sz="5400" dirty="0" smtClean="0"/>
-              <a:t> Field</a:t>
-            </a:r>
-            <a:r>
-              <a:rPr lang="ru-RU" sz="5400" dirty="0" smtClean="0"/>
-              <a:t> </a:t>
-            </a:r>
-            <a:endParaRPr lang="ru-RU" sz="5400" dirty="0"/>
-          </a:p>
-        </p:txBody>
-      </p:sp>
-      <p:sp>
-        <p:nvSpPr>
-          <p:cNvPr id="6" name="TextBox 5"/>
-          <p:cNvSpPr txBox="1"/>
-          <p:nvPr/>
-        </p:nvSpPr>
-        <p:spPr>
-          <a:xfrm>
-            <a:off x="3347864" y="1844824"/>
-            <a:ext cx="1241237" cy="584775"/>
+        </p:nvPicPr>
+        <p:blipFill>
+          <a:blip r:embed="rId2" cstate="print"/>
+          <a:srcRect/>
+          <a:stretch>
+            <a:fillRect/>
+          </a:stretch>
+        </p:blipFill>
+        <p:spPr bwMode="auto">
+          <a:xfrm>
+            <a:off x="2195736" y="404664"/>
+            <a:ext cx="5112568" cy="6453336"/>
           </a:xfrm>
           <a:prstGeom prst="rect">
             <a:avLst/>
           </a:prstGeom>
           <a:noFill/>
-        </p:spPr>
-        <p:txBody>
-          <a:bodyPr wrap="none" rtlCol="0">
-            <a:spAutoFit/>
-          </a:bodyPr>
-          <a:lstStyle/>
-          <a:p>
-            <a:r>
-              <a:rPr lang="en-US" sz="3200" dirty="0" smtClean="0">
-                <a:solidFill>
-                  <a:schemeClr val="bg1"/>
-                </a:solidFill>
-              </a:rPr>
-              <a:t>length</a:t>
-            </a:r>
-            <a:endParaRPr lang="ru-RU" sz="3200" dirty="0">
-              <a:solidFill>
-                <a:schemeClr val="bg1"/>
-              </a:solidFill>
-            </a:endParaRPr>
-          </a:p>
-        </p:txBody>
-      </p:sp>
-      <p:sp>
-        <p:nvSpPr>
-          <p:cNvPr id="7" name="TextBox 6"/>
-          <p:cNvSpPr txBox="1"/>
-          <p:nvPr/>
-        </p:nvSpPr>
-        <p:spPr>
-          <a:xfrm>
-            <a:off x="4139952" y="5229200"/>
-            <a:ext cx="1408206" cy="584775"/>
-          </a:xfrm>
-          <a:prstGeom prst="rect">
-            <a:avLst/>
-          </a:prstGeom>
-          <a:noFill/>
-        </p:spPr>
-        <p:txBody>
-          <a:bodyPr wrap="none" rtlCol="0">
-            <a:spAutoFit/>
-          </a:bodyPr>
-          <a:lstStyle/>
-          <a:p>
-            <a:r>
-              <a:rPr lang="en-US" sz="3200" dirty="0" smtClean="0">
-                <a:solidFill>
-                  <a:schemeClr val="bg1"/>
-                </a:solidFill>
-              </a:rPr>
-              <a:t>current</a:t>
-            </a:r>
-            <a:endParaRPr lang="ru-RU" sz="3200" dirty="0">
-              <a:solidFill>
-                <a:schemeClr val="bg1"/>
-              </a:solidFill>
-            </a:endParaRPr>
-          </a:p>
-        </p:txBody>
-      </p:sp>
-      <p:sp>
-        <p:nvSpPr>
-          <p:cNvPr id="8" name="TextBox 7"/>
-          <p:cNvSpPr txBox="1"/>
-          <p:nvPr/>
-        </p:nvSpPr>
-        <p:spPr>
-          <a:xfrm>
-            <a:off x="2195736" y="4581128"/>
-            <a:ext cx="915443" cy="584775"/>
-          </a:xfrm>
-          <a:prstGeom prst="rect">
-            <a:avLst/>
-          </a:prstGeom>
-          <a:noFill/>
-        </p:spPr>
-        <p:txBody>
-          <a:bodyPr wrap="none" rtlCol="0">
-            <a:spAutoFit/>
-          </a:bodyPr>
-          <a:lstStyle/>
-          <a:p>
-            <a:r>
-              <a:rPr lang="en-US" sz="3200" dirty="0" smtClean="0">
-                <a:solidFill>
-                  <a:schemeClr val="bg1"/>
-                </a:solidFill>
-              </a:rPr>
-              <a:t>next</a:t>
-            </a:r>
-            <a:endParaRPr lang="ru-RU" sz="3200" dirty="0">
-              <a:solidFill>
-                <a:schemeClr val="bg1"/>
-              </a:solidFill>
-            </a:endParaRPr>
-          </a:p>
-        </p:txBody>
-      </p:sp>
-      <p:sp>
-        <p:nvSpPr>
-          <p:cNvPr id="9" name="TextBox 8"/>
-          <p:cNvSpPr txBox="1"/>
-          <p:nvPr/>
-        </p:nvSpPr>
-        <p:spPr>
-          <a:xfrm>
-            <a:off x="5724128" y="2492896"/>
-            <a:ext cx="841897" cy="584775"/>
-          </a:xfrm>
-          <a:prstGeom prst="rect">
-            <a:avLst/>
-          </a:prstGeom>
-          <a:noFill/>
-        </p:spPr>
-        <p:txBody>
-          <a:bodyPr wrap="none" rtlCol="0">
-            <a:spAutoFit/>
-          </a:bodyPr>
-          <a:lstStyle/>
-          <a:p>
-            <a:r>
-              <a:rPr lang="en-US" sz="3200" dirty="0" smtClean="0">
-                <a:solidFill>
-                  <a:schemeClr val="bg1"/>
-                </a:solidFill>
-              </a:rPr>
-              <a:t>rule</a:t>
-            </a:r>
-            <a:endParaRPr lang="ru-RU" sz="3200" dirty="0">
-              <a:solidFill>
-                <a:schemeClr val="bg1"/>
-              </a:solidFill>
-            </a:endParaRPr>
-          </a:p>
-        </p:txBody>
-      </p:sp>
-      <p:sp>
-        <p:nvSpPr>
-          <p:cNvPr id="10" name="TextBox 9"/>
-          <p:cNvSpPr txBox="1"/>
-          <p:nvPr/>
-        </p:nvSpPr>
-        <p:spPr>
-          <a:xfrm>
-            <a:off x="683568" y="2204864"/>
-            <a:ext cx="1710918" cy="584775"/>
-          </a:xfrm>
-          <a:prstGeom prst="rect">
-            <a:avLst/>
-          </a:prstGeom>
-          <a:noFill/>
-        </p:spPr>
-        <p:txBody>
-          <a:bodyPr wrap="none" rtlCol="0">
-            <a:spAutoFit/>
-          </a:bodyPr>
-          <a:lstStyle/>
-          <a:p>
-            <a:r>
-              <a:rPr lang="en-US" sz="3200" dirty="0" smtClean="0"/>
-              <a:t>e</a:t>
-            </a:r>
-            <a:r>
-              <a:rPr lang="en-US" sz="3200" dirty="0" smtClean="0"/>
-              <a:t>ncrypt()</a:t>
-            </a:r>
-            <a:endParaRPr lang="ru-RU" sz="3200" dirty="0"/>
-          </a:p>
-        </p:txBody>
-      </p:sp>
+          <a:ln w="9525">
+            <a:noFill/>
+            <a:miter lim="800000"/>
+            <a:headEnd/>
+            <a:tailEnd/>
+          </a:ln>
+        </p:spPr>
+      </p:pic>
     </p:spTree>
   </p:cSld>
   <p:clrMapOvr>
     <a:masterClrMapping/>
   </p:clrMapOvr>
+  <p:timing>
+    <p:tnLst>
+      <p:par>
+        <p:cTn id="1" dur="indefinite" restart="never" nodeType="tmRoot"/>
+      </p:par>
+    </p:tnLst>
+  </p:timing>
 </p:sld>
 </file>
 
@@ -4824,28 +4958,28 @@
         </p:nvSpPr>
         <p:spPr>
           <a:xfrm>
-            <a:off x="0" y="-387424"/>
-            <a:ext cx="9144000" cy="1156990"/>
-          </a:xfrm>
-        </p:spPr>
-        <p:txBody>
-          <a:bodyPr>
-            <a:normAutofit/>
-          </a:bodyPr>
-          <a:lstStyle/>
-          <a:p>
-            <a:r>
-              <a:rPr lang="ru-RU" sz="3600" dirty="0" smtClean="0"/>
-              <a:t>Взлом</a:t>
-            </a:r>
-            <a:endParaRPr lang="ru-RU" sz="3600" dirty="0"/>
+            <a:off x="0" y="-243408"/>
+            <a:ext cx="9144000" cy="1143000"/>
+          </a:xfrm>
+        </p:spPr>
+        <p:txBody>
+          <a:bodyPr/>
+          <a:lstStyle/>
+          <a:p>
+            <a:r>
+              <a:rPr lang="ru-RU" dirty="0" smtClean="0"/>
+              <a:t>Вывод</a:t>
+            </a:r>
+            <a:endParaRPr lang="ru-RU" dirty="0"/>
           </a:p>
         </p:txBody>
       </p:sp>
       <p:pic>
         <p:nvPicPr>
-          <p:cNvPr id="4" name="Рисунок 3" descr="C:\Users\Admin\Downloads\Untitled Diagram.jpg"/>
-          <p:cNvPicPr/>
+          <p:cNvPr id="19458" name="Picture 2" descr="Картинки по запросу бесполезность"/>
+          <p:cNvPicPr>
+            <a:picLocks noChangeAspect="1" noChangeArrowheads="1"/>
+          </p:cNvPicPr>
           <p:nvPr/>
         </p:nvPicPr>
         <p:blipFill>
@@ -4857,19 +4991,13 @@
         </p:blipFill>
         <p:spPr bwMode="auto">
           <a:xfrm>
-            <a:off x="2195736" y="404664"/>
-            <a:ext cx="5112568" cy="6453336"/>
+            <a:off x="1763688" y="980728"/>
+            <a:ext cx="5877272" cy="5877272"/>
           </a:xfrm>
           <a:prstGeom prst="rect">
             <a:avLst/>
           </a:prstGeom>
           <a:noFill/>
-          <a:ln w="9525">
-            <a:noFill/>
-            <a:miter lim="800000"/>
-            <a:headEnd/>
-            <a:tailEnd/>
-          </a:ln>
         </p:spPr>
       </p:pic>
     </p:spTree>
@@ -4877,6 +5005,13 @@
   <p:clrMapOvr>
     <a:masterClrMapping/>
   </p:clrMapOvr>
+  <p:timing>
+    <p:tnLst>
+      <p:par>
+        <p:cTn id="1" dur="indefinite" restart="never" nodeType="tmRoot"/>
+      </p:par>
+    </p:tnLst>
+  </p:timing>
 </p:sld>
 </file>
 
